--- a/sql-server-worst-practices/sql-server-worst-practices.pptx
+++ b/sql-server-worst-practices/sql-server-worst-practices.pptx
@@ -10,6 +10,13 @@
     <p:sldId id="259" r:id="rId4"/>
     <p:sldId id="258" r:id="rId5"/>
     <p:sldId id="260" r:id="rId6"/>
+    <p:sldId id="261" r:id="rId7"/>
+    <p:sldId id="267" r:id="rId8"/>
+    <p:sldId id="262" r:id="rId9"/>
+    <p:sldId id="263" r:id="rId10"/>
+    <p:sldId id="264" r:id="rId11"/>
+    <p:sldId id="265" r:id="rId12"/>
+    <p:sldId id="266" r:id="rId13"/>
   </p:sldIdLst>
   <p:sldSz cx="12192000" cy="6858000"/>
   <p:notesSz cx="6858000" cy="9144000"/>
@@ -265,7 +272,7 @@
           <a:p>
             <a:fld id="{2669C624-DE7C-4C92-B706-E4A2487C993D}" type="datetimeFigureOut">
               <a:rPr lang="LID4096" smtClean="0"/>
-              <a:t>05/18/2024</a:t>
+              <a:t>05/22/2024</a:t>
             </a:fld>
             <a:endParaRPr lang="LID4096"/>
           </a:p>
@@ -465,7 +472,7 @@
           <a:p>
             <a:fld id="{2669C624-DE7C-4C92-B706-E4A2487C993D}" type="datetimeFigureOut">
               <a:rPr lang="LID4096" smtClean="0"/>
-              <a:t>05/18/2024</a:t>
+              <a:t>05/22/2024</a:t>
             </a:fld>
             <a:endParaRPr lang="LID4096"/>
           </a:p>
@@ -675,7 +682,7 @@
           <a:p>
             <a:fld id="{2669C624-DE7C-4C92-B706-E4A2487C993D}" type="datetimeFigureOut">
               <a:rPr lang="LID4096" smtClean="0"/>
-              <a:t>05/18/2024</a:t>
+              <a:t>05/22/2024</a:t>
             </a:fld>
             <a:endParaRPr lang="LID4096"/>
           </a:p>
@@ -875,7 +882,7 @@
           <a:p>
             <a:fld id="{2669C624-DE7C-4C92-B706-E4A2487C993D}" type="datetimeFigureOut">
               <a:rPr lang="LID4096" smtClean="0"/>
-              <a:t>05/18/2024</a:t>
+              <a:t>05/22/2024</a:t>
             </a:fld>
             <a:endParaRPr lang="LID4096"/>
           </a:p>
@@ -1151,7 +1158,7 @@
           <a:p>
             <a:fld id="{2669C624-DE7C-4C92-B706-E4A2487C993D}" type="datetimeFigureOut">
               <a:rPr lang="LID4096" smtClean="0"/>
-              <a:t>05/18/2024</a:t>
+              <a:t>05/22/2024</a:t>
             </a:fld>
             <a:endParaRPr lang="LID4096"/>
           </a:p>
@@ -1419,7 +1426,7 @@
           <a:p>
             <a:fld id="{2669C624-DE7C-4C92-B706-E4A2487C993D}" type="datetimeFigureOut">
               <a:rPr lang="LID4096" smtClean="0"/>
-              <a:t>05/18/2024</a:t>
+              <a:t>05/22/2024</a:t>
             </a:fld>
             <a:endParaRPr lang="LID4096"/>
           </a:p>
@@ -1834,7 +1841,7 @@
           <a:p>
             <a:fld id="{2669C624-DE7C-4C92-B706-E4A2487C993D}" type="datetimeFigureOut">
               <a:rPr lang="LID4096" smtClean="0"/>
-              <a:t>05/18/2024</a:t>
+              <a:t>05/22/2024</a:t>
             </a:fld>
             <a:endParaRPr lang="LID4096"/>
           </a:p>
@@ -1976,7 +1983,7 @@
           <a:p>
             <a:fld id="{2669C624-DE7C-4C92-B706-E4A2487C993D}" type="datetimeFigureOut">
               <a:rPr lang="LID4096" smtClean="0"/>
-              <a:t>05/18/2024</a:t>
+              <a:t>05/22/2024</a:t>
             </a:fld>
             <a:endParaRPr lang="LID4096"/>
           </a:p>
@@ -2089,7 +2096,7 @@
           <a:p>
             <a:fld id="{2669C624-DE7C-4C92-B706-E4A2487C993D}" type="datetimeFigureOut">
               <a:rPr lang="LID4096" smtClean="0"/>
-              <a:t>05/18/2024</a:t>
+              <a:t>05/22/2024</a:t>
             </a:fld>
             <a:endParaRPr lang="LID4096"/>
           </a:p>
@@ -2402,7 +2409,7 @@
           <a:p>
             <a:fld id="{2669C624-DE7C-4C92-B706-E4A2487C993D}" type="datetimeFigureOut">
               <a:rPr lang="LID4096" smtClean="0"/>
-              <a:t>05/18/2024</a:t>
+              <a:t>05/22/2024</a:t>
             </a:fld>
             <a:endParaRPr lang="LID4096"/>
           </a:p>
@@ -2691,7 +2698,7 @@
           <a:p>
             <a:fld id="{2669C624-DE7C-4C92-B706-E4A2487C993D}" type="datetimeFigureOut">
               <a:rPr lang="LID4096" smtClean="0"/>
-              <a:t>05/18/2024</a:t>
+              <a:t>05/22/2024</a:t>
             </a:fld>
             <a:endParaRPr lang="LID4096"/>
           </a:p>
@@ -2934,7 +2941,7 @@
           <a:p>
             <a:fld id="{2669C624-DE7C-4C92-B706-E4A2487C993D}" type="datetimeFigureOut">
               <a:rPr lang="LID4096" smtClean="0"/>
-              <a:t>05/18/2024</a:t>
+              <a:t>05/22/2024</a:t>
             </a:fld>
             <a:endParaRPr lang="LID4096"/>
           </a:p>
@@ -4271,6 +4278,4088 @@
 </p:sld>
 </file>
 
+<file path=ppt/slides/slide10.xml><?xml version="1.0" encoding="utf-8"?>
+<p:sld xmlns:a="http://schemas.openxmlformats.org/drawingml/2006/main" xmlns:r="http://schemas.openxmlformats.org/officeDocument/2006/relationships" xmlns:p="http://schemas.openxmlformats.org/presentationml/2006/main">
+  <p:cSld>
+    <p:bg>
+      <p:bgPr>
+        <a:solidFill>
+          <a:schemeClr val="bg1"/>
+        </a:solidFill>
+        <a:effectLst/>
+      </p:bgPr>
+    </p:bg>
+    <p:spTree>
+      <p:nvGrpSpPr>
+        <p:cNvPr id="1" name=""/>
+        <p:cNvGrpSpPr/>
+        <p:nvPr/>
+      </p:nvGrpSpPr>
+      <p:grpSpPr>
+        <a:xfrm>
+          <a:off x="0" y="0"/>
+          <a:ext cx="0" cy="0"/>
+          <a:chOff x="0" y="0"/>
+          <a:chExt cx="0" cy="0"/>
+        </a:xfrm>
+      </p:grpSpPr>
+      <p:sp useBgFill="1">
+        <p:nvSpPr>
+          <p:cNvPr id="2055" name="Rectangle 2054">
+            <a:extLst>
+              <a:ext uri="{FF2B5EF4-FFF2-40B4-BE49-F238E27FC236}">
+                <a16:creationId xmlns:a16="http://schemas.microsoft.com/office/drawing/2014/main" id="{131BAD53-4E89-4F62-BBB7-26359763ED39}"/>
+              </a:ext>
+              <a:ext uri="{C183D7F6-B498-43B3-948B-1728B52AA6E4}">
+                <adec:decorative xmlns:adec="http://schemas.microsoft.com/office/drawing/2017/decorative" val="1"/>
+              </a:ext>
+            </a:extLst>
+          </p:cNvPr>
+          <p:cNvSpPr>
+            <a:spLocks noGrp="1" noRot="1" noChangeAspect="1" noMove="1" noResize="1" noEditPoints="1" noAdjustHandles="1" noChangeArrowheads="1" noChangeShapeType="1" noTextEdit="1"/>
+          </p:cNvSpPr>
+          <p:nvPr>
+            <p:extLst>
+              <p:ext uri="{386F3935-93C4-4BCD-93E2-E3B085C9AB24}">
+                <p16:designElem xmlns:p16="http://schemas.microsoft.com/office/powerpoint/2015/main" val="1"/>
+              </p:ext>
+            </p:extLst>
+          </p:nvPr>
+        </p:nvSpPr>
+        <p:spPr>
+          <a:xfrm>
+            <a:off x="0" y="0"/>
+            <a:ext cx="12192000" cy="6858000"/>
+          </a:xfrm>
+          <a:prstGeom prst="rect">
+            <a:avLst/>
+          </a:prstGeom>
+          <a:ln w="12700" cap="flat" cmpd="sng" algn="ctr">
+            <a:noFill/>
+            <a:prstDash val="solid"/>
+            <a:miter lim="800000"/>
+          </a:ln>
+          <a:effectLst/>
+          <a:extLst>
+            <a:ext uri="{91240B29-F687-4F45-9708-019B960494DF}">
+              <a14:hiddenLine xmlns:a14="http://schemas.microsoft.com/office/drawing/2010/main" w="12700" cap="flat" cmpd="sng" algn="ctr">
+                <a:solidFill>
+                  <a:schemeClr val="accent1">
+                    <a:shade val="50000"/>
+                  </a:schemeClr>
+                </a:solidFill>
+                <a:prstDash val="solid"/>
+                <a:miter lim="800000"/>
+              </a14:hiddenLine>
+            </a:ext>
+          </a:extLst>
+        </p:spPr>
+        <p:style>
+          <a:lnRef idx="2">
+            <a:schemeClr val="accent1">
+              <a:shade val="50000"/>
+            </a:schemeClr>
+          </a:lnRef>
+          <a:fillRef idx="1">
+            <a:schemeClr val="accent1"/>
+          </a:fillRef>
+          <a:effectRef idx="0">
+            <a:schemeClr val="accent1"/>
+          </a:effectRef>
+          <a:fontRef idx="minor">
+            <a:schemeClr val="lt1"/>
+          </a:fontRef>
+        </p:style>
+        <p:txBody>
+          <a:bodyPr rtlCol="0" anchor="ctr"/>
+          <a:lstStyle/>
+          <a:p>
+            <a:pPr algn="ctr"/>
+            <a:endParaRPr lang="en-US"/>
+          </a:p>
+        </p:txBody>
+      </p:sp>
+      <p:sp>
+        <p:nvSpPr>
+          <p:cNvPr id="2057" name="Freeform: Shape 2056">
+            <a:extLst>
+              <a:ext uri="{FF2B5EF4-FFF2-40B4-BE49-F238E27FC236}">
+                <a16:creationId xmlns:a16="http://schemas.microsoft.com/office/drawing/2014/main" id="{62756DA2-40EB-4C6F-B962-5822FFB54FB6}"/>
+              </a:ext>
+              <a:ext uri="{C183D7F6-B498-43B3-948B-1728B52AA6E4}">
+                <adec:decorative xmlns:adec="http://schemas.microsoft.com/office/drawing/2017/decorative" val="1"/>
+              </a:ext>
+            </a:extLst>
+          </p:cNvPr>
+          <p:cNvSpPr>
+            <a:spLocks noGrp="1" noRot="1" noChangeAspect="1" noMove="1" noResize="1" noEditPoints="1" noAdjustHandles="1" noChangeArrowheads="1" noChangeShapeType="1" noTextEdit="1"/>
+          </p:cNvSpPr>
+          <p:nvPr>
+            <p:extLst>
+              <p:ext uri="{386F3935-93C4-4BCD-93E2-E3B085C9AB24}">
+                <p16:designElem xmlns:p16="http://schemas.microsoft.com/office/powerpoint/2015/main" val="1"/>
+              </p:ext>
+            </p:extLst>
+          </p:nvPr>
+        </p:nvSpPr>
+        <p:spPr>
+          <a:xfrm>
+            <a:off x="0" y="0"/>
+            <a:ext cx="5653438" cy="6858000"/>
+          </a:xfrm>
+          <a:custGeom>
+            <a:avLst/>
+            <a:gdLst>
+              <a:gd name="connsiteX0" fmla="*/ 0 w 6096000"/>
+              <a:gd name="connsiteY0" fmla="*/ 0 h 6858000"/>
+              <a:gd name="connsiteX1" fmla="*/ 5567517 w 6096000"/>
+              <a:gd name="connsiteY1" fmla="*/ 0 h 6858000"/>
+              <a:gd name="connsiteX2" fmla="*/ 5566938 w 6096000"/>
+              <a:gd name="connsiteY2" fmla="*/ 1705 h 6858000"/>
+              <a:gd name="connsiteX3" fmla="*/ 5551594 w 6096000"/>
+              <a:gd name="connsiteY3" fmla="*/ 17287 h 6858000"/>
+              <a:gd name="connsiteX4" fmla="*/ 5545641 w 6096000"/>
+              <a:gd name="connsiteY4" fmla="*/ 130336 h 6858000"/>
+              <a:gd name="connsiteX5" fmla="*/ 5538289 w 6096000"/>
+              <a:gd name="connsiteY5" fmla="*/ 187093 h 6858000"/>
+              <a:gd name="connsiteX6" fmla="*/ 5545790 w 6096000"/>
+              <a:gd name="connsiteY6" fmla="*/ 265704 h 6858000"/>
+              <a:gd name="connsiteX7" fmla="*/ 5542313 w 6096000"/>
+              <a:gd name="connsiteY7" fmla="*/ 354566 h 6858000"/>
+              <a:gd name="connsiteX8" fmla="*/ 5524126 w 6096000"/>
+              <a:gd name="connsiteY8" fmla="*/ 472000 h 6858000"/>
+              <a:gd name="connsiteX9" fmla="*/ 5522170 w 6096000"/>
+              <a:gd name="connsiteY9" fmla="*/ 473782 h 6858000"/>
+              <a:gd name="connsiteX10" fmla="*/ 5521798 w 6096000"/>
+              <a:gd name="connsiteY10" fmla="*/ 491380 h 6858000"/>
+              <a:gd name="connsiteX11" fmla="*/ 5536419 w 6096000"/>
+              <a:gd name="connsiteY11" fmla="*/ 531675 h 6858000"/>
+              <a:gd name="connsiteX12" fmla="*/ 5533435 w 6096000"/>
+              <a:gd name="connsiteY12" fmla="*/ 536015 h 6858000"/>
+              <a:gd name="connsiteX13" fmla="*/ 5538088 w 6096000"/>
+              <a:gd name="connsiteY13" fmla="*/ 572092 h 6858000"/>
+              <a:gd name="connsiteX14" fmla="*/ 5536061 w 6096000"/>
+              <a:gd name="connsiteY14" fmla="*/ 572511 h 6858000"/>
+              <a:gd name="connsiteX15" fmla="*/ 5528218 w 6096000"/>
+              <a:gd name="connsiteY15" fmla="*/ 582332 h 6858000"/>
+              <a:gd name="connsiteX16" fmla="*/ 5518011 w 6096000"/>
+              <a:gd name="connsiteY16" fmla="*/ 601285 h 6858000"/>
+              <a:gd name="connsiteX17" fmla="*/ 5473174 w 6096000"/>
+              <a:gd name="connsiteY17" fmla="*/ 681608 h 6858000"/>
+              <a:gd name="connsiteX18" fmla="*/ 5472963 w 6096000"/>
+              <a:gd name="connsiteY18" fmla="*/ 689151 h 6858000"/>
+              <a:gd name="connsiteX19" fmla="*/ 5472485 w 6096000"/>
+              <a:gd name="connsiteY19" fmla="*/ 689289 h 6858000"/>
+              <a:gd name="connsiteX20" fmla="*/ 5471326 w 6096000"/>
+              <a:gd name="connsiteY20" fmla="*/ 697222 h 6858000"/>
+              <a:gd name="connsiteX21" fmla="*/ 5472164 w 6096000"/>
+              <a:gd name="connsiteY21" fmla="*/ 717531 h 6858000"/>
+              <a:gd name="connsiteX22" fmla="*/ 5468891 w 6096000"/>
+              <a:gd name="connsiteY22" fmla="*/ 722494 h 6858000"/>
+              <a:gd name="connsiteX23" fmla="*/ 5463081 w 6096000"/>
+              <a:gd name="connsiteY23" fmla="*/ 724368 h 6858000"/>
+              <a:gd name="connsiteX24" fmla="*/ 5446981 w 6096000"/>
+              <a:gd name="connsiteY24" fmla="*/ 752692 h 6858000"/>
+              <a:gd name="connsiteX25" fmla="*/ 5417190 w 6096000"/>
+              <a:gd name="connsiteY25" fmla="*/ 816346 h 6858000"/>
+              <a:gd name="connsiteX26" fmla="*/ 5388958 w 6096000"/>
+              <a:gd name="connsiteY26" fmla="*/ 889417 h 6858000"/>
+              <a:gd name="connsiteX27" fmla="*/ 5307044 w 6096000"/>
+              <a:gd name="connsiteY27" fmla="*/ 1063288 h 6858000"/>
+              <a:gd name="connsiteX28" fmla="*/ 5303837 w 6096000"/>
+              <a:gd name="connsiteY28" fmla="*/ 1157176 h 6858000"/>
+              <a:gd name="connsiteX29" fmla="*/ 5286494 w 6096000"/>
+              <a:gd name="connsiteY29" fmla="*/ 1210776 h 6858000"/>
+              <a:gd name="connsiteX30" fmla="*/ 5282463 w 6096000"/>
+              <a:gd name="connsiteY30" fmla="*/ 1301993 h 6858000"/>
+              <a:gd name="connsiteX31" fmla="*/ 5252235 w 6096000"/>
+              <a:gd name="connsiteY31" fmla="*/ 1360879 h 6858000"/>
+              <a:gd name="connsiteX32" fmla="*/ 5244497 w 6096000"/>
+              <a:gd name="connsiteY32" fmla="*/ 1404045 h 6858000"/>
+              <a:gd name="connsiteX33" fmla="*/ 5223823 w 6096000"/>
+              <a:gd name="connsiteY33" fmla="*/ 1429568 h 6858000"/>
+              <a:gd name="connsiteX34" fmla="*/ 5224851 w 6096000"/>
+              <a:gd name="connsiteY34" fmla="*/ 1430305 h 6858000"/>
+              <a:gd name="connsiteX35" fmla="*/ 5212394 w 6096000"/>
+              <a:gd name="connsiteY35" fmla="*/ 1463304 h 6858000"/>
+              <a:gd name="connsiteX36" fmla="*/ 5209958 w 6096000"/>
+              <a:gd name="connsiteY36" fmla="*/ 1514846 h 6858000"/>
+              <a:gd name="connsiteX37" fmla="*/ 5206417 w 6096000"/>
+              <a:gd name="connsiteY37" fmla="*/ 1519731 h 6858000"/>
+              <a:gd name="connsiteX38" fmla="*/ 5206640 w 6096000"/>
+              <a:gd name="connsiteY38" fmla="*/ 1519929 h 6858000"/>
+              <a:gd name="connsiteX39" fmla="*/ 5207632 w 6096000"/>
+              <a:gd name="connsiteY39" fmla="*/ 1546022 h 6858000"/>
+              <a:gd name="connsiteX40" fmla="*/ 5212030 w 6096000"/>
+              <a:gd name="connsiteY40" fmla="*/ 1578752 h 6858000"/>
+              <a:gd name="connsiteX41" fmla="*/ 5203533 w 6096000"/>
+              <a:gd name="connsiteY41" fmla="*/ 1647555 h 6858000"/>
+              <a:gd name="connsiteX42" fmla="*/ 5190877 w 6096000"/>
+              <a:gd name="connsiteY42" fmla="*/ 1715685 h 6858000"/>
+              <a:gd name="connsiteX43" fmla="*/ 5184235 w 6096000"/>
+              <a:gd name="connsiteY43" fmla="*/ 1740358 h 6858000"/>
+              <a:gd name="connsiteX44" fmla="*/ 5181475 w 6096000"/>
+              <a:gd name="connsiteY44" fmla="*/ 1784314 h 6858000"/>
+              <a:gd name="connsiteX45" fmla="*/ 5185845 w 6096000"/>
+              <a:gd name="connsiteY45" fmla="*/ 1804434 h 6858000"/>
+              <a:gd name="connsiteX46" fmla="*/ 5185068 w 6096000"/>
+              <a:gd name="connsiteY46" fmla="*/ 1805316 h 6858000"/>
+              <a:gd name="connsiteX47" fmla="*/ 5188593 w 6096000"/>
+              <a:gd name="connsiteY47" fmla="*/ 1807109 h 6858000"/>
+              <a:gd name="connsiteX48" fmla="*/ 5185920 w 6096000"/>
+              <a:gd name="connsiteY48" fmla="*/ 1821003 h 6858000"/>
+              <a:gd name="connsiteX49" fmla="*/ 5183543 w 6096000"/>
+              <a:gd name="connsiteY49" fmla="*/ 1824832 h 6858000"/>
+              <a:gd name="connsiteX50" fmla="*/ 5182235 w 6096000"/>
+              <a:gd name="connsiteY50" fmla="*/ 1830429 h 6858000"/>
+              <a:gd name="connsiteX51" fmla="*/ 5182525 w 6096000"/>
+              <a:gd name="connsiteY51" fmla="*/ 1830569 h 6858000"/>
+              <a:gd name="connsiteX52" fmla="*/ 5180663 w 6096000"/>
+              <a:gd name="connsiteY52" fmla="*/ 1835810 h 6858000"/>
+              <a:gd name="connsiteX53" fmla="*/ 5167452 w 6096000"/>
+              <a:gd name="connsiteY53" fmla="*/ 1861483 h 6858000"/>
+              <a:gd name="connsiteX54" fmla="*/ 5174266 w 6096000"/>
+              <a:gd name="connsiteY54" fmla="*/ 1892417 h 6858000"/>
+              <a:gd name="connsiteX55" fmla="*/ 5189262 w 6096000"/>
+              <a:gd name="connsiteY55" fmla="*/ 1895114 h 6858000"/>
+              <a:gd name="connsiteX56" fmla="*/ 5187100 w 6096000"/>
+              <a:gd name="connsiteY56" fmla="*/ 1899379 h 6858000"/>
+              <a:gd name="connsiteX57" fmla="*/ 5180471 w 6096000"/>
+              <a:gd name="connsiteY57" fmla="*/ 1907867 h 6858000"/>
+              <a:gd name="connsiteX58" fmla="*/ 5181361 w 6096000"/>
+              <a:gd name="connsiteY58" fmla="*/ 1910265 h 6858000"/>
+              <a:gd name="connsiteX59" fmla="*/ 5178268 w 6096000"/>
+              <a:gd name="connsiteY59" fmla="*/ 1935584 h 6858000"/>
+              <a:gd name="connsiteX60" fmla="*/ 5183619 w 6096000"/>
+              <a:gd name="connsiteY60" fmla="*/ 1942021 h 6858000"/>
+              <a:gd name="connsiteX61" fmla="*/ 5184480 w 6096000"/>
+              <a:gd name="connsiteY61" fmla="*/ 1945112 h 6858000"/>
+              <a:gd name="connsiteX62" fmla="*/ 5172776 w 6096000"/>
+              <a:gd name="connsiteY62" fmla="*/ 1961162 h 6858000"/>
+              <a:gd name="connsiteX63" fmla="*/ 5168513 w 6096000"/>
+              <a:gd name="connsiteY63" fmla="*/ 1969445 h 6858000"/>
+              <a:gd name="connsiteX64" fmla="*/ 5126597 w 6096000"/>
+              <a:gd name="connsiteY64" fmla="*/ 2024270 h 6858000"/>
+              <a:gd name="connsiteX65" fmla="*/ 5119528 w 6096000"/>
+              <a:gd name="connsiteY65" fmla="*/ 2107942 h 6858000"/>
+              <a:gd name="connsiteX66" fmla="*/ 5110356 w 6096000"/>
+              <a:gd name="connsiteY66" fmla="*/ 2193455 h 6858000"/>
+              <a:gd name="connsiteX67" fmla="*/ 5104992 w 6096000"/>
+              <a:gd name="connsiteY67" fmla="*/ 2260088 h 6858000"/>
+              <a:gd name="connsiteX68" fmla="*/ 5059439 w 6096000"/>
+              <a:gd name="connsiteY68" fmla="*/ 2335735 h 6858000"/>
+              <a:gd name="connsiteX69" fmla="*/ 5022061 w 6096000"/>
+              <a:gd name="connsiteY69" fmla="*/ 2408995 h 6858000"/>
+              <a:gd name="connsiteX70" fmla="*/ 5022253 w 6096000"/>
+              <a:gd name="connsiteY70" fmla="*/ 2445869 h 6858000"/>
+              <a:gd name="connsiteX71" fmla="*/ 5011426 w 6096000"/>
+              <a:gd name="connsiteY71" fmla="*/ 2496499 h 6858000"/>
+              <a:gd name="connsiteX72" fmla="*/ 4994224 w 6096000"/>
+              <a:gd name="connsiteY72" fmla="*/ 2549900 h 6858000"/>
+              <a:gd name="connsiteX73" fmla="*/ 4995245 w 6096000"/>
+              <a:gd name="connsiteY73" fmla="*/ 2596456 h 6858000"/>
+              <a:gd name="connsiteX74" fmla="*/ 4988570 w 6096000"/>
+              <a:gd name="connsiteY74" fmla="*/ 2606088 h 6858000"/>
+              <a:gd name="connsiteX75" fmla="*/ 4988371 w 6096000"/>
+              <a:gd name="connsiteY75" fmla="*/ 2635351 h 6858000"/>
+              <a:gd name="connsiteX76" fmla="*/ 4983212 w 6096000"/>
+              <a:gd name="connsiteY76" fmla="*/ 2665666 h 6858000"/>
+              <a:gd name="connsiteX77" fmla="*/ 4968234 w 6096000"/>
+              <a:gd name="connsiteY77" fmla="*/ 2715895 h 6858000"/>
+              <a:gd name="connsiteX78" fmla="*/ 4975888 w 6096000"/>
+              <a:gd name="connsiteY78" fmla="*/ 2725052 h 6858000"/>
+              <a:gd name="connsiteX79" fmla="*/ 4980195 w 6096000"/>
+              <a:gd name="connsiteY79" fmla="*/ 2726489 h 6858000"/>
+              <a:gd name="connsiteX80" fmla="*/ 4976218 w 6096000"/>
+              <a:gd name="connsiteY80" fmla="*/ 2740278 h 6858000"/>
+              <a:gd name="connsiteX81" fmla="*/ 4980571 w 6096000"/>
+              <a:gd name="connsiteY81" fmla="*/ 2751112 h 6858000"/>
+              <a:gd name="connsiteX82" fmla="*/ 4973893 w 6096000"/>
+              <a:gd name="connsiteY82" fmla="*/ 2760208 h 6858000"/>
+              <a:gd name="connsiteX83" fmla="*/ 4979005 w 6096000"/>
+              <a:gd name="connsiteY83" fmla="*/ 2790136 h 6858000"/>
+              <a:gd name="connsiteX84" fmla="*/ 4986137 w 6096000"/>
+              <a:gd name="connsiteY84" fmla="*/ 2804183 h 6858000"/>
+              <a:gd name="connsiteX85" fmla="*/ 4986175 w 6096000"/>
+              <a:gd name="connsiteY85" fmla="*/ 2825860 h 6858000"/>
+              <a:gd name="connsiteX86" fmla="*/ 4993936 w 6096000"/>
+              <a:gd name="connsiteY86" fmla="*/ 2911749 h 6858000"/>
+              <a:gd name="connsiteX87" fmla="*/ 4992563 w 6096000"/>
+              <a:gd name="connsiteY87" fmla="*/ 2977278 h 6858000"/>
+              <a:gd name="connsiteX88" fmla="*/ 4980516 w 6096000"/>
+              <a:gd name="connsiteY88" fmla="*/ 2991092 h 6858000"/>
+              <a:gd name="connsiteX89" fmla="*/ 4992801 w 6096000"/>
+              <a:gd name="connsiteY89" fmla="*/ 3020247 h 6858000"/>
+              <a:gd name="connsiteX90" fmla="*/ 5014805 w 6096000"/>
+              <a:gd name="connsiteY90" fmla="*/ 3065434 h 6858000"/>
+              <a:gd name="connsiteX91" fmla="*/ 5002733 w 6096000"/>
+              <a:gd name="connsiteY91" fmla="*/ 3103777 h 6858000"/>
+              <a:gd name="connsiteX92" fmla="*/ 5002941 w 6096000"/>
+              <a:gd name="connsiteY92" fmla="*/ 3151828 h 6858000"/>
+              <a:gd name="connsiteX93" fmla="*/ 5002883 w 6096000"/>
+              <a:gd name="connsiteY93" fmla="*/ 3180546 h 6858000"/>
+              <a:gd name="connsiteX94" fmla="*/ 5016711 w 6096000"/>
+              <a:gd name="connsiteY94" fmla="*/ 3258677 h 6858000"/>
+              <a:gd name="connsiteX95" fmla="*/ 5017918 w 6096000"/>
+              <a:gd name="connsiteY95" fmla="*/ 3262610 h 6858000"/>
+              <a:gd name="connsiteX96" fmla="*/ 5011672 w 6096000"/>
+              <a:gd name="connsiteY96" fmla="*/ 3277179 h 6858000"/>
+              <a:gd name="connsiteX97" fmla="*/ 5009344 w 6096000"/>
+              <a:gd name="connsiteY97" fmla="*/ 3278130 h 6858000"/>
+              <a:gd name="connsiteX98" fmla="*/ 5026770 w 6096000"/>
+              <a:gd name="connsiteY98" fmla="*/ 3325671 h 6858000"/>
+              <a:gd name="connsiteX99" fmla="*/ 5024571 w 6096000"/>
+              <a:gd name="connsiteY99" fmla="*/ 3332072 h 6858000"/>
+              <a:gd name="connsiteX100" fmla="*/ 5041705 w 6096000"/>
+              <a:gd name="connsiteY100" fmla="*/ 3362948 h 6858000"/>
+              <a:gd name="connsiteX101" fmla="*/ 5047477 w 6096000"/>
+              <a:gd name="connsiteY101" fmla="*/ 3378959 h 6858000"/>
+              <a:gd name="connsiteX102" fmla="*/ 5060758 w 6096000"/>
+              <a:gd name="connsiteY102" fmla="*/ 3407057 h 6858000"/>
+              <a:gd name="connsiteX103" fmla="*/ 5058968 w 6096000"/>
+              <a:gd name="connsiteY103" fmla="*/ 3409825 h 6858000"/>
+              <a:gd name="connsiteX104" fmla="*/ 5062667 w 6096000"/>
+              <a:gd name="connsiteY104" fmla="*/ 3415218 h 6858000"/>
+              <a:gd name="connsiteX105" fmla="*/ 5060928 w 6096000"/>
+              <a:gd name="connsiteY105" fmla="*/ 3419880 h 6858000"/>
+              <a:gd name="connsiteX106" fmla="*/ 5062923 w 6096000"/>
+              <a:gd name="connsiteY106" fmla="*/ 3424545 h 6858000"/>
+              <a:gd name="connsiteX107" fmla="*/ 5064623 w 6096000"/>
+              <a:gd name="connsiteY107" fmla="*/ 3476412 h 6858000"/>
+              <a:gd name="connsiteX108" fmla="*/ 5069684 w 6096000"/>
+              <a:gd name="connsiteY108" fmla="*/ 3486850 h 6858000"/>
+              <a:gd name="connsiteX109" fmla="*/ 5063339 w 6096000"/>
+              <a:gd name="connsiteY109" fmla="*/ 3496391 h 6858000"/>
+              <a:gd name="connsiteX110" fmla="*/ 5070139 w 6096000"/>
+              <a:gd name="connsiteY110" fmla="*/ 3531201 h 6858000"/>
+              <a:gd name="connsiteX111" fmla="*/ 5079896 w 6096000"/>
+              <a:gd name="connsiteY111" fmla="*/ 3542019 h 6858000"/>
+              <a:gd name="connsiteX112" fmla="*/ 5087540 w 6096000"/>
+              <a:gd name="connsiteY112" fmla="*/ 3552249 h 6858000"/>
+              <a:gd name="connsiteX113" fmla="*/ 5087902 w 6096000"/>
+              <a:gd name="connsiteY113" fmla="*/ 3553678 h 6858000"/>
+              <a:gd name="connsiteX114" fmla="*/ 5091509 w 6096000"/>
+              <a:gd name="connsiteY114" fmla="*/ 3568021 h 6858000"/>
+              <a:gd name="connsiteX115" fmla="*/ 5091934 w 6096000"/>
+              <a:gd name="connsiteY115" fmla="*/ 3569719 h 6858000"/>
+              <a:gd name="connsiteX116" fmla="*/ 5089362 w 6096000"/>
+              <a:gd name="connsiteY116" fmla="*/ 3586412 h 6858000"/>
+              <a:gd name="connsiteX117" fmla="*/ 5092358 w 6096000"/>
+              <a:gd name="connsiteY117" fmla="*/ 3597336 h 6858000"/>
+              <a:gd name="connsiteX118" fmla="*/ 5084254 w 6096000"/>
+              <a:gd name="connsiteY118" fmla="*/ 3606007 h 6858000"/>
+              <a:gd name="connsiteX119" fmla="*/ 5084281 w 6096000"/>
+              <a:gd name="connsiteY119" fmla="*/ 3641228 h 6858000"/>
+              <a:gd name="connsiteX120" fmla="*/ 5091848 w 6096000"/>
+              <a:gd name="connsiteY120" fmla="*/ 3653088 h 6858000"/>
+              <a:gd name="connsiteX121" fmla="*/ 5097436 w 6096000"/>
+              <a:gd name="connsiteY121" fmla="*/ 3664114 h 6858000"/>
+              <a:gd name="connsiteX122" fmla="*/ 5097518 w 6096000"/>
+              <a:gd name="connsiteY122" fmla="*/ 3665569 h 6858000"/>
+              <a:gd name="connsiteX123" fmla="*/ 5099829 w 6096000"/>
+              <a:gd name="connsiteY123" fmla="*/ 3707357 h 6858000"/>
+              <a:gd name="connsiteX124" fmla="*/ 5114696 w 6096000"/>
+              <a:gd name="connsiteY124" fmla="*/ 3778166 h 6858000"/>
+              <a:gd name="connsiteX125" fmla="*/ 5135379 w 6096000"/>
+              <a:gd name="connsiteY125" fmla="*/ 3878222 h 6858000"/>
+              <a:gd name="connsiteX126" fmla="*/ 5130138 w 6096000"/>
+              <a:gd name="connsiteY126" fmla="*/ 4048117 h 6858000"/>
+              <a:gd name="connsiteX127" fmla="*/ 5090040 w 6096000"/>
+              <a:gd name="connsiteY127" fmla="*/ 4219510 h 6858000"/>
+              <a:gd name="connsiteX128" fmla="*/ 5092812 w 6096000"/>
+              <a:gd name="connsiteY128" fmla="*/ 4411258 h 6858000"/>
+              <a:gd name="connsiteX129" fmla="*/ 5084599 w 6096000"/>
+              <a:gd name="connsiteY129" fmla="*/ 4488531 h 6858000"/>
+              <a:gd name="connsiteX130" fmla="*/ 5084072 w 6096000"/>
+              <a:gd name="connsiteY130" fmla="*/ 4539168 h 6858000"/>
+              <a:gd name="connsiteX131" fmla="*/ 5068936 w 6096000"/>
+              <a:gd name="connsiteY131" fmla="*/ 4625153 h 6858000"/>
+              <a:gd name="connsiteX132" fmla="*/ 5059114 w 6096000"/>
+              <a:gd name="connsiteY132" fmla="*/ 4733115 h 6858000"/>
+              <a:gd name="connsiteX133" fmla="*/ 5037209 w 6096000"/>
+              <a:gd name="connsiteY133" fmla="*/ 4844323 h 6858000"/>
+              <a:gd name="connsiteX134" fmla="*/ 5020638 w 6096000"/>
+              <a:gd name="connsiteY134" fmla="*/ 4877992 h 6858000"/>
+              <a:gd name="connsiteX135" fmla="*/ 5006413 w 6096000"/>
+              <a:gd name="connsiteY135" fmla="*/ 4925805 h 6858000"/>
+              <a:gd name="connsiteX136" fmla="*/ 4971037 w 6096000"/>
+              <a:gd name="connsiteY136" fmla="*/ 5009272 h 6858000"/>
+              <a:gd name="connsiteX137" fmla="*/ 4963105 w 6096000"/>
+              <a:gd name="connsiteY137" fmla="*/ 5111369 h 6858000"/>
+              <a:gd name="connsiteX138" fmla="*/ 4976341 w 6096000"/>
+              <a:gd name="connsiteY138" fmla="*/ 5210876 h 6858000"/>
+              <a:gd name="connsiteX139" fmla="*/ 4980617 w 6096000"/>
+              <a:gd name="connsiteY139" fmla="*/ 5269726 h 6858000"/>
+              <a:gd name="connsiteX140" fmla="*/ 4997733 w 6096000"/>
+              <a:gd name="connsiteY140" fmla="*/ 5464225 h 6858000"/>
+              <a:gd name="connsiteX141" fmla="*/ 5001400 w 6096000"/>
+              <a:gd name="connsiteY141" fmla="*/ 5594585 h 6858000"/>
+              <a:gd name="connsiteX142" fmla="*/ 4983700 w 6096000"/>
+              <a:gd name="connsiteY142" fmla="*/ 5667896 h 6858000"/>
+              <a:gd name="connsiteX143" fmla="*/ 4968506 w 6096000"/>
+              <a:gd name="connsiteY143" fmla="*/ 5769225 h 6858000"/>
+              <a:gd name="connsiteX144" fmla="*/ 4969765 w 6096000"/>
+              <a:gd name="connsiteY144" fmla="*/ 5823324 h 6858000"/>
+              <a:gd name="connsiteX145" fmla="*/ 4966129 w 6096000"/>
+              <a:gd name="connsiteY145" fmla="*/ 5862699 h 6858000"/>
+              <a:gd name="connsiteX146" fmla="*/ 4970695 w 6096000"/>
+              <a:gd name="connsiteY146" fmla="*/ 5906467 h 6858000"/>
+              <a:gd name="connsiteX147" fmla="*/ 4991568 w 6096000"/>
+              <a:gd name="connsiteY147" fmla="*/ 5939847 h 6858000"/>
+              <a:gd name="connsiteX148" fmla="*/ 4986815 w 6096000"/>
+              <a:gd name="connsiteY148" fmla="*/ 5973994 h 6858000"/>
+              <a:gd name="connsiteX149" fmla="*/ 4987776 w 6096000"/>
+              <a:gd name="connsiteY149" fmla="*/ 6089693 h 6858000"/>
+              <a:gd name="connsiteX150" fmla="*/ 4991621 w 6096000"/>
+              <a:gd name="connsiteY150" fmla="*/ 6224938 h 6858000"/>
+              <a:gd name="connsiteX151" fmla="*/ 5017157 w 6096000"/>
+              <a:gd name="connsiteY151" fmla="*/ 6370251 h 6858000"/>
+              <a:gd name="connsiteX152" fmla="*/ 5040797 w 6096000"/>
+              <a:gd name="connsiteY152" fmla="*/ 6541313 h 6858000"/>
+              <a:gd name="connsiteX153" fmla="*/ 5045375 w 6096000"/>
+              <a:gd name="connsiteY153" fmla="*/ 6640957 h 6858000"/>
+              <a:gd name="connsiteX154" fmla="*/ 5058442 w 6096000"/>
+              <a:gd name="connsiteY154" fmla="*/ 6705297 h 6858000"/>
+              <a:gd name="connsiteX155" fmla="*/ 5071125 w 6096000"/>
+              <a:gd name="connsiteY155" fmla="*/ 6759582 h 6858000"/>
+              <a:gd name="connsiteX156" fmla="*/ 5069172 w 6096000"/>
+              <a:gd name="connsiteY156" fmla="*/ 6817746 h 6858000"/>
+              <a:gd name="connsiteX157" fmla="*/ 5072322 w 6096000"/>
+              <a:gd name="connsiteY157" fmla="*/ 6843646 h 6858000"/>
+              <a:gd name="connsiteX158" fmla="*/ 5091388 w 6096000"/>
+              <a:gd name="connsiteY158" fmla="*/ 6857998 h 6858000"/>
+              <a:gd name="connsiteX159" fmla="*/ 6096000 w 6096000"/>
+              <a:gd name="connsiteY159" fmla="*/ 6857998 h 6858000"/>
+              <a:gd name="connsiteX160" fmla="*/ 6096000 w 6096000"/>
+              <a:gd name="connsiteY160" fmla="*/ 6858000 h 6858000"/>
+              <a:gd name="connsiteX161" fmla="*/ 0 w 6096000"/>
+              <a:gd name="connsiteY161" fmla="*/ 6858000 h 6858000"/>
+            </a:gdLst>
+            <a:ahLst/>
+            <a:cxnLst>
+              <a:cxn ang="0">
+                <a:pos x="connsiteX0" y="connsiteY0"/>
+              </a:cxn>
+              <a:cxn ang="0">
+                <a:pos x="connsiteX1" y="connsiteY1"/>
+              </a:cxn>
+              <a:cxn ang="0">
+                <a:pos x="connsiteX2" y="connsiteY2"/>
+              </a:cxn>
+              <a:cxn ang="0">
+                <a:pos x="connsiteX3" y="connsiteY3"/>
+              </a:cxn>
+              <a:cxn ang="0">
+                <a:pos x="connsiteX4" y="connsiteY4"/>
+              </a:cxn>
+              <a:cxn ang="0">
+                <a:pos x="connsiteX5" y="connsiteY5"/>
+              </a:cxn>
+              <a:cxn ang="0">
+                <a:pos x="connsiteX6" y="connsiteY6"/>
+              </a:cxn>
+              <a:cxn ang="0">
+                <a:pos x="connsiteX7" y="connsiteY7"/>
+              </a:cxn>
+              <a:cxn ang="0">
+                <a:pos x="connsiteX8" y="connsiteY8"/>
+              </a:cxn>
+              <a:cxn ang="0">
+                <a:pos x="connsiteX9" y="connsiteY9"/>
+              </a:cxn>
+              <a:cxn ang="0">
+                <a:pos x="connsiteX10" y="connsiteY10"/>
+              </a:cxn>
+              <a:cxn ang="0">
+                <a:pos x="connsiteX11" y="connsiteY11"/>
+              </a:cxn>
+              <a:cxn ang="0">
+                <a:pos x="connsiteX12" y="connsiteY12"/>
+              </a:cxn>
+              <a:cxn ang="0">
+                <a:pos x="connsiteX13" y="connsiteY13"/>
+              </a:cxn>
+              <a:cxn ang="0">
+                <a:pos x="connsiteX14" y="connsiteY14"/>
+              </a:cxn>
+              <a:cxn ang="0">
+                <a:pos x="connsiteX15" y="connsiteY15"/>
+              </a:cxn>
+              <a:cxn ang="0">
+                <a:pos x="connsiteX16" y="connsiteY16"/>
+              </a:cxn>
+              <a:cxn ang="0">
+                <a:pos x="connsiteX17" y="connsiteY17"/>
+              </a:cxn>
+              <a:cxn ang="0">
+                <a:pos x="connsiteX18" y="connsiteY18"/>
+              </a:cxn>
+              <a:cxn ang="0">
+                <a:pos x="connsiteX19" y="connsiteY19"/>
+              </a:cxn>
+              <a:cxn ang="0">
+                <a:pos x="connsiteX20" y="connsiteY20"/>
+              </a:cxn>
+              <a:cxn ang="0">
+                <a:pos x="connsiteX21" y="connsiteY21"/>
+              </a:cxn>
+              <a:cxn ang="0">
+                <a:pos x="connsiteX22" y="connsiteY22"/>
+              </a:cxn>
+              <a:cxn ang="0">
+                <a:pos x="connsiteX23" y="connsiteY23"/>
+              </a:cxn>
+              <a:cxn ang="0">
+                <a:pos x="connsiteX24" y="connsiteY24"/>
+              </a:cxn>
+              <a:cxn ang="0">
+                <a:pos x="connsiteX25" y="connsiteY25"/>
+              </a:cxn>
+              <a:cxn ang="0">
+                <a:pos x="connsiteX26" y="connsiteY26"/>
+              </a:cxn>
+              <a:cxn ang="0">
+                <a:pos x="connsiteX27" y="connsiteY27"/>
+              </a:cxn>
+              <a:cxn ang="0">
+                <a:pos x="connsiteX28" y="connsiteY28"/>
+              </a:cxn>
+              <a:cxn ang="0">
+                <a:pos x="connsiteX29" y="connsiteY29"/>
+              </a:cxn>
+              <a:cxn ang="0">
+                <a:pos x="connsiteX30" y="connsiteY30"/>
+              </a:cxn>
+              <a:cxn ang="0">
+                <a:pos x="connsiteX31" y="connsiteY31"/>
+              </a:cxn>
+              <a:cxn ang="0">
+                <a:pos x="connsiteX32" y="connsiteY32"/>
+              </a:cxn>
+              <a:cxn ang="0">
+                <a:pos x="connsiteX33" y="connsiteY33"/>
+              </a:cxn>
+              <a:cxn ang="0">
+                <a:pos x="connsiteX34" y="connsiteY34"/>
+              </a:cxn>
+              <a:cxn ang="0">
+                <a:pos x="connsiteX35" y="connsiteY35"/>
+              </a:cxn>
+              <a:cxn ang="0">
+                <a:pos x="connsiteX36" y="connsiteY36"/>
+              </a:cxn>
+              <a:cxn ang="0">
+                <a:pos x="connsiteX37" y="connsiteY37"/>
+              </a:cxn>
+              <a:cxn ang="0">
+                <a:pos x="connsiteX38" y="connsiteY38"/>
+              </a:cxn>
+              <a:cxn ang="0">
+                <a:pos x="connsiteX39" y="connsiteY39"/>
+              </a:cxn>
+              <a:cxn ang="0">
+                <a:pos x="connsiteX40" y="connsiteY40"/>
+              </a:cxn>
+              <a:cxn ang="0">
+                <a:pos x="connsiteX41" y="connsiteY41"/>
+              </a:cxn>
+              <a:cxn ang="0">
+                <a:pos x="connsiteX42" y="connsiteY42"/>
+              </a:cxn>
+              <a:cxn ang="0">
+                <a:pos x="connsiteX43" y="connsiteY43"/>
+              </a:cxn>
+              <a:cxn ang="0">
+                <a:pos x="connsiteX44" y="connsiteY44"/>
+              </a:cxn>
+              <a:cxn ang="0">
+                <a:pos x="connsiteX45" y="connsiteY45"/>
+              </a:cxn>
+              <a:cxn ang="0">
+                <a:pos x="connsiteX46" y="connsiteY46"/>
+              </a:cxn>
+              <a:cxn ang="0">
+                <a:pos x="connsiteX47" y="connsiteY47"/>
+              </a:cxn>
+              <a:cxn ang="0">
+                <a:pos x="connsiteX48" y="connsiteY48"/>
+              </a:cxn>
+              <a:cxn ang="0">
+                <a:pos x="connsiteX49" y="connsiteY49"/>
+              </a:cxn>
+              <a:cxn ang="0">
+                <a:pos x="connsiteX50" y="connsiteY50"/>
+              </a:cxn>
+              <a:cxn ang="0">
+                <a:pos x="connsiteX51" y="connsiteY51"/>
+              </a:cxn>
+              <a:cxn ang="0">
+                <a:pos x="connsiteX52" y="connsiteY52"/>
+              </a:cxn>
+              <a:cxn ang="0">
+                <a:pos x="connsiteX53" y="connsiteY53"/>
+              </a:cxn>
+              <a:cxn ang="0">
+                <a:pos x="connsiteX54" y="connsiteY54"/>
+              </a:cxn>
+              <a:cxn ang="0">
+                <a:pos x="connsiteX55" y="connsiteY55"/>
+              </a:cxn>
+              <a:cxn ang="0">
+                <a:pos x="connsiteX56" y="connsiteY56"/>
+              </a:cxn>
+              <a:cxn ang="0">
+                <a:pos x="connsiteX57" y="connsiteY57"/>
+              </a:cxn>
+              <a:cxn ang="0">
+                <a:pos x="connsiteX58" y="connsiteY58"/>
+              </a:cxn>
+              <a:cxn ang="0">
+                <a:pos x="connsiteX59" y="connsiteY59"/>
+              </a:cxn>
+              <a:cxn ang="0">
+                <a:pos x="connsiteX60" y="connsiteY60"/>
+              </a:cxn>
+              <a:cxn ang="0">
+                <a:pos x="connsiteX61" y="connsiteY61"/>
+              </a:cxn>
+              <a:cxn ang="0">
+                <a:pos x="connsiteX62" y="connsiteY62"/>
+              </a:cxn>
+              <a:cxn ang="0">
+                <a:pos x="connsiteX63" y="connsiteY63"/>
+              </a:cxn>
+              <a:cxn ang="0">
+                <a:pos x="connsiteX64" y="connsiteY64"/>
+              </a:cxn>
+              <a:cxn ang="0">
+                <a:pos x="connsiteX65" y="connsiteY65"/>
+              </a:cxn>
+              <a:cxn ang="0">
+                <a:pos x="connsiteX66" y="connsiteY66"/>
+              </a:cxn>
+              <a:cxn ang="0">
+                <a:pos x="connsiteX67" y="connsiteY67"/>
+              </a:cxn>
+              <a:cxn ang="0">
+                <a:pos x="connsiteX68" y="connsiteY68"/>
+              </a:cxn>
+              <a:cxn ang="0">
+                <a:pos x="connsiteX69" y="connsiteY69"/>
+              </a:cxn>
+              <a:cxn ang="0">
+                <a:pos x="connsiteX70" y="connsiteY70"/>
+              </a:cxn>
+              <a:cxn ang="0">
+                <a:pos x="connsiteX71" y="connsiteY71"/>
+              </a:cxn>
+              <a:cxn ang="0">
+                <a:pos x="connsiteX72" y="connsiteY72"/>
+              </a:cxn>
+              <a:cxn ang="0">
+                <a:pos x="connsiteX73" y="connsiteY73"/>
+              </a:cxn>
+              <a:cxn ang="0">
+                <a:pos x="connsiteX74" y="connsiteY74"/>
+              </a:cxn>
+              <a:cxn ang="0">
+                <a:pos x="connsiteX75" y="connsiteY75"/>
+              </a:cxn>
+              <a:cxn ang="0">
+                <a:pos x="connsiteX76" y="connsiteY76"/>
+              </a:cxn>
+              <a:cxn ang="0">
+                <a:pos x="connsiteX77" y="connsiteY77"/>
+              </a:cxn>
+              <a:cxn ang="0">
+                <a:pos x="connsiteX78" y="connsiteY78"/>
+              </a:cxn>
+              <a:cxn ang="0">
+                <a:pos x="connsiteX79" y="connsiteY79"/>
+              </a:cxn>
+              <a:cxn ang="0">
+                <a:pos x="connsiteX80" y="connsiteY80"/>
+              </a:cxn>
+              <a:cxn ang="0">
+                <a:pos x="connsiteX81" y="connsiteY81"/>
+              </a:cxn>
+              <a:cxn ang="0">
+                <a:pos x="connsiteX82" y="connsiteY82"/>
+              </a:cxn>
+              <a:cxn ang="0">
+                <a:pos x="connsiteX83" y="connsiteY83"/>
+              </a:cxn>
+              <a:cxn ang="0">
+                <a:pos x="connsiteX84" y="connsiteY84"/>
+              </a:cxn>
+              <a:cxn ang="0">
+                <a:pos x="connsiteX85" y="connsiteY85"/>
+              </a:cxn>
+              <a:cxn ang="0">
+                <a:pos x="connsiteX86" y="connsiteY86"/>
+              </a:cxn>
+              <a:cxn ang="0">
+                <a:pos x="connsiteX87" y="connsiteY87"/>
+              </a:cxn>
+              <a:cxn ang="0">
+                <a:pos x="connsiteX88" y="connsiteY88"/>
+              </a:cxn>
+              <a:cxn ang="0">
+                <a:pos x="connsiteX89" y="connsiteY89"/>
+              </a:cxn>
+              <a:cxn ang="0">
+                <a:pos x="connsiteX90" y="connsiteY90"/>
+              </a:cxn>
+              <a:cxn ang="0">
+                <a:pos x="connsiteX91" y="connsiteY91"/>
+              </a:cxn>
+              <a:cxn ang="0">
+                <a:pos x="connsiteX92" y="connsiteY92"/>
+              </a:cxn>
+              <a:cxn ang="0">
+                <a:pos x="connsiteX93" y="connsiteY93"/>
+              </a:cxn>
+              <a:cxn ang="0">
+                <a:pos x="connsiteX94" y="connsiteY94"/>
+              </a:cxn>
+              <a:cxn ang="0">
+                <a:pos x="connsiteX95" y="connsiteY95"/>
+              </a:cxn>
+              <a:cxn ang="0">
+                <a:pos x="connsiteX96" y="connsiteY96"/>
+              </a:cxn>
+              <a:cxn ang="0">
+                <a:pos x="connsiteX97" y="connsiteY97"/>
+              </a:cxn>
+              <a:cxn ang="0">
+                <a:pos x="connsiteX98" y="connsiteY98"/>
+              </a:cxn>
+              <a:cxn ang="0">
+                <a:pos x="connsiteX99" y="connsiteY99"/>
+              </a:cxn>
+              <a:cxn ang="0">
+                <a:pos x="connsiteX100" y="connsiteY100"/>
+              </a:cxn>
+              <a:cxn ang="0">
+                <a:pos x="connsiteX101" y="connsiteY101"/>
+              </a:cxn>
+              <a:cxn ang="0">
+                <a:pos x="connsiteX102" y="connsiteY102"/>
+              </a:cxn>
+              <a:cxn ang="0">
+                <a:pos x="connsiteX103" y="connsiteY103"/>
+              </a:cxn>
+              <a:cxn ang="0">
+                <a:pos x="connsiteX104" y="connsiteY104"/>
+              </a:cxn>
+              <a:cxn ang="0">
+                <a:pos x="connsiteX105" y="connsiteY105"/>
+              </a:cxn>
+              <a:cxn ang="0">
+                <a:pos x="connsiteX106" y="connsiteY106"/>
+              </a:cxn>
+              <a:cxn ang="0">
+                <a:pos x="connsiteX107" y="connsiteY107"/>
+              </a:cxn>
+              <a:cxn ang="0">
+                <a:pos x="connsiteX108" y="connsiteY108"/>
+              </a:cxn>
+              <a:cxn ang="0">
+                <a:pos x="connsiteX109" y="connsiteY109"/>
+              </a:cxn>
+              <a:cxn ang="0">
+                <a:pos x="connsiteX110" y="connsiteY110"/>
+              </a:cxn>
+              <a:cxn ang="0">
+                <a:pos x="connsiteX111" y="connsiteY111"/>
+              </a:cxn>
+              <a:cxn ang="0">
+                <a:pos x="connsiteX112" y="connsiteY112"/>
+              </a:cxn>
+              <a:cxn ang="0">
+                <a:pos x="connsiteX113" y="connsiteY113"/>
+              </a:cxn>
+              <a:cxn ang="0">
+                <a:pos x="connsiteX114" y="connsiteY114"/>
+              </a:cxn>
+              <a:cxn ang="0">
+                <a:pos x="connsiteX115" y="connsiteY115"/>
+              </a:cxn>
+              <a:cxn ang="0">
+                <a:pos x="connsiteX116" y="connsiteY116"/>
+              </a:cxn>
+              <a:cxn ang="0">
+                <a:pos x="connsiteX117" y="connsiteY117"/>
+              </a:cxn>
+              <a:cxn ang="0">
+                <a:pos x="connsiteX118" y="connsiteY118"/>
+              </a:cxn>
+              <a:cxn ang="0">
+                <a:pos x="connsiteX119" y="connsiteY119"/>
+              </a:cxn>
+              <a:cxn ang="0">
+                <a:pos x="connsiteX120" y="connsiteY120"/>
+              </a:cxn>
+              <a:cxn ang="0">
+                <a:pos x="connsiteX121" y="connsiteY121"/>
+              </a:cxn>
+              <a:cxn ang="0">
+                <a:pos x="connsiteX122" y="connsiteY122"/>
+              </a:cxn>
+              <a:cxn ang="0">
+                <a:pos x="connsiteX123" y="connsiteY123"/>
+              </a:cxn>
+              <a:cxn ang="0">
+                <a:pos x="connsiteX124" y="connsiteY124"/>
+              </a:cxn>
+              <a:cxn ang="0">
+                <a:pos x="connsiteX125" y="connsiteY125"/>
+              </a:cxn>
+              <a:cxn ang="0">
+                <a:pos x="connsiteX126" y="connsiteY126"/>
+              </a:cxn>
+              <a:cxn ang="0">
+                <a:pos x="connsiteX127" y="connsiteY127"/>
+              </a:cxn>
+              <a:cxn ang="0">
+                <a:pos x="connsiteX128" y="connsiteY128"/>
+              </a:cxn>
+              <a:cxn ang="0">
+                <a:pos x="connsiteX129" y="connsiteY129"/>
+              </a:cxn>
+              <a:cxn ang="0">
+                <a:pos x="connsiteX130" y="connsiteY130"/>
+              </a:cxn>
+              <a:cxn ang="0">
+                <a:pos x="connsiteX131" y="connsiteY131"/>
+              </a:cxn>
+              <a:cxn ang="0">
+                <a:pos x="connsiteX132" y="connsiteY132"/>
+              </a:cxn>
+              <a:cxn ang="0">
+                <a:pos x="connsiteX133" y="connsiteY133"/>
+              </a:cxn>
+              <a:cxn ang="0">
+                <a:pos x="connsiteX134" y="connsiteY134"/>
+              </a:cxn>
+              <a:cxn ang="0">
+                <a:pos x="connsiteX135" y="connsiteY135"/>
+              </a:cxn>
+              <a:cxn ang="0">
+                <a:pos x="connsiteX136" y="connsiteY136"/>
+              </a:cxn>
+              <a:cxn ang="0">
+                <a:pos x="connsiteX137" y="connsiteY137"/>
+              </a:cxn>
+              <a:cxn ang="0">
+                <a:pos x="connsiteX138" y="connsiteY138"/>
+              </a:cxn>
+              <a:cxn ang="0">
+                <a:pos x="connsiteX139" y="connsiteY139"/>
+              </a:cxn>
+              <a:cxn ang="0">
+                <a:pos x="connsiteX140" y="connsiteY140"/>
+              </a:cxn>
+              <a:cxn ang="0">
+                <a:pos x="connsiteX141" y="connsiteY141"/>
+              </a:cxn>
+              <a:cxn ang="0">
+                <a:pos x="connsiteX142" y="connsiteY142"/>
+              </a:cxn>
+              <a:cxn ang="0">
+                <a:pos x="connsiteX143" y="connsiteY143"/>
+              </a:cxn>
+              <a:cxn ang="0">
+                <a:pos x="connsiteX144" y="connsiteY144"/>
+              </a:cxn>
+              <a:cxn ang="0">
+                <a:pos x="connsiteX145" y="connsiteY145"/>
+              </a:cxn>
+              <a:cxn ang="0">
+                <a:pos x="connsiteX146" y="connsiteY146"/>
+              </a:cxn>
+              <a:cxn ang="0">
+                <a:pos x="connsiteX147" y="connsiteY147"/>
+              </a:cxn>
+              <a:cxn ang="0">
+                <a:pos x="connsiteX148" y="connsiteY148"/>
+              </a:cxn>
+              <a:cxn ang="0">
+                <a:pos x="connsiteX149" y="connsiteY149"/>
+              </a:cxn>
+              <a:cxn ang="0">
+                <a:pos x="connsiteX150" y="connsiteY150"/>
+              </a:cxn>
+              <a:cxn ang="0">
+                <a:pos x="connsiteX151" y="connsiteY151"/>
+              </a:cxn>
+              <a:cxn ang="0">
+                <a:pos x="connsiteX152" y="connsiteY152"/>
+              </a:cxn>
+              <a:cxn ang="0">
+                <a:pos x="connsiteX153" y="connsiteY153"/>
+              </a:cxn>
+              <a:cxn ang="0">
+                <a:pos x="connsiteX154" y="connsiteY154"/>
+              </a:cxn>
+              <a:cxn ang="0">
+                <a:pos x="connsiteX155" y="connsiteY155"/>
+              </a:cxn>
+              <a:cxn ang="0">
+                <a:pos x="connsiteX156" y="connsiteY156"/>
+              </a:cxn>
+              <a:cxn ang="0">
+                <a:pos x="connsiteX157" y="connsiteY157"/>
+              </a:cxn>
+              <a:cxn ang="0">
+                <a:pos x="connsiteX158" y="connsiteY158"/>
+              </a:cxn>
+              <a:cxn ang="0">
+                <a:pos x="connsiteX159" y="connsiteY159"/>
+              </a:cxn>
+              <a:cxn ang="0">
+                <a:pos x="connsiteX160" y="connsiteY160"/>
+              </a:cxn>
+              <a:cxn ang="0">
+                <a:pos x="connsiteX161" y="connsiteY161"/>
+              </a:cxn>
+            </a:cxnLst>
+            <a:rect l="l" t="t" r="r" b="b"/>
+            <a:pathLst>
+              <a:path w="6096000" h="6858000">
+                <a:moveTo>
+                  <a:pt x="0" y="0"/>
+                </a:moveTo>
+                <a:lnTo>
+                  <a:pt x="5567517" y="0"/>
+                </a:lnTo>
+                <a:lnTo>
+                  <a:pt x="5566938" y="1705"/>
+                </a:lnTo>
+                <a:cubicBezTo>
+                  <a:pt x="5563126" y="8440"/>
+                  <a:pt x="5558112" y="13784"/>
+                  <a:pt x="5551594" y="17287"/>
+                </a:cubicBezTo>
+                <a:cubicBezTo>
+                  <a:pt x="5562364" y="82036"/>
+                  <a:pt x="5510349" y="69804"/>
+                  <a:pt x="5545641" y="130336"/>
+                </a:cubicBezTo>
+                <a:cubicBezTo>
+                  <a:pt x="5526953" y="117589"/>
+                  <a:pt x="5536978" y="162458"/>
+                  <a:pt x="5538289" y="187093"/>
+                </a:cubicBezTo>
+                <a:cubicBezTo>
+                  <a:pt x="5536205" y="226511"/>
+                  <a:pt x="5545722" y="205530"/>
+                  <a:pt x="5545790" y="265704"/>
+                </a:cubicBezTo>
+                <a:cubicBezTo>
+                  <a:pt x="5542296" y="317533"/>
+                  <a:pt x="5543813" y="325288"/>
+                  <a:pt x="5542313" y="354566"/>
+                </a:cubicBezTo>
+                <a:lnTo>
+                  <a:pt x="5524126" y="472000"/>
+                </a:lnTo>
+                <a:lnTo>
+                  <a:pt x="5522170" y="473782"/>
+                </a:lnTo>
+                <a:cubicBezTo>
+                  <a:pt x="5517847" y="482008"/>
+                  <a:pt x="5518682" y="487340"/>
+                  <a:pt x="5521798" y="491380"/>
+                </a:cubicBezTo>
+                <a:lnTo>
+                  <a:pt x="5536419" y="531675"/>
+                </a:lnTo>
+                <a:lnTo>
+                  <a:pt x="5533435" y="536015"/>
+                </a:lnTo>
+                <a:lnTo>
+                  <a:pt x="5538088" y="572092"/>
+                </a:lnTo>
+                <a:lnTo>
+                  <a:pt x="5536061" y="572511"/>
+                </a:lnTo>
+                <a:cubicBezTo>
+                  <a:pt x="5531611" y="574271"/>
+                  <a:pt x="5528529" y="577121"/>
+                  <a:pt x="5528218" y="582332"/>
+                </a:cubicBezTo>
+                <a:cubicBezTo>
+                  <a:pt x="5498002" y="573171"/>
+                  <a:pt x="5516262" y="585107"/>
+                  <a:pt x="5518011" y="601285"/>
+                </a:cubicBezTo>
+                <a:cubicBezTo>
+                  <a:pt x="5508838" y="617831"/>
+                  <a:pt x="5480684" y="666964"/>
+                  <a:pt x="5473174" y="681608"/>
+                </a:cubicBezTo>
+                <a:cubicBezTo>
+                  <a:pt x="5473102" y="684122"/>
+                  <a:pt x="5473033" y="686637"/>
+                  <a:pt x="5472963" y="689151"/>
+                </a:cubicBezTo>
+                <a:lnTo>
+                  <a:pt x="5472485" y="689289"/>
+                </a:lnTo>
+                <a:cubicBezTo>
+                  <a:pt x="5471434" y="690905"/>
+                  <a:pt x="5470986" y="693376"/>
+                  <a:pt x="5471326" y="697222"/>
+                </a:cubicBezTo>
+                <a:cubicBezTo>
+                  <a:pt x="5471606" y="703992"/>
+                  <a:pt x="5471884" y="710761"/>
+                  <a:pt x="5472164" y="717531"/>
+                </a:cubicBezTo>
+                <a:lnTo>
+                  <a:pt x="5468891" y="722494"/>
+                </a:lnTo>
+                <a:lnTo>
+                  <a:pt x="5463081" y="724368"/>
+                </a:lnTo>
+                <a:lnTo>
+                  <a:pt x="5446981" y="752692"/>
+                </a:lnTo>
+                <a:cubicBezTo>
+                  <a:pt x="5454691" y="764380"/>
+                  <a:pt x="5422719" y="808083"/>
+                  <a:pt x="5417190" y="816346"/>
+                </a:cubicBezTo>
+                <a:lnTo>
+                  <a:pt x="5388958" y="889417"/>
+                </a:lnTo>
+                <a:cubicBezTo>
+                  <a:pt x="5320491" y="969963"/>
+                  <a:pt x="5321907" y="1005331"/>
+                  <a:pt x="5307044" y="1063288"/>
+                </a:cubicBezTo>
+                <a:cubicBezTo>
+                  <a:pt x="5313332" y="1111028"/>
+                  <a:pt x="5317096" y="1110140"/>
+                  <a:pt x="5303837" y="1157176"/>
+                </a:cubicBezTo>
+                <a:cubicBezTo>
+                  <a:pt x="5301103" y="1192124"/>
+                  <a:pt x="5301884" y="1197232"/>
+                  <a:pt x="5286494" y="1210776"/>
+                </a:cubicBezTo>
+                <a:lnTo>
+                  <a:pt x="5282463" y="1301993"/>
+                </a:lnTo>
+                <a:lnTo>
+                  <a:pt x="5252235" y="1360879"/>
+                </a:lnTo>
+                <a:lnTo>
+                  <a:pt x="5244497" y="1404045"/>
+                </a:lnTo>
+                <a:lnTo>
+                  <a:pt x="5223823" y="1429568"/>
+                </a:lnTo>
+                <a:lnTo>
+                  <a:pt x="5224851" y="1430305"/>
+                </a:lnTo>
+                <a:cubicBezTo>
+                  <a:pt x="5226697" y="1432466"/>
+                  <a:pt x="5214738" y="1459891"/>
+                  <a:pt x="5212394" y="1463304"/>
+                </a:cubicBezTo>
+                <a:cubicBezTo>
+                  <a:pt x="5209912" y="1477394"/>
+                  <a:pt x="5213027" y="1501295"/>
+                  <a:pt x="5209958" y="1514846"/>
+                </a:cubicBezTo>
+                <a:lnTo>
+                  <a:pt x="5206417" y="1519731"/>
+                </a:lnTo>
+                <a:lnTo>
+                  <a:pt x="5206640" y="1519929"/>
+                </a:lnTo>
+                <a:cubicBezTo>
+                  <a:pt x="5206490" y="1521210"/>
+                  <a:pt x="5209710" y="1543635"/>
+                  <a:pt x="5207632" y="1546022"/>
+                </a:cubicBezTo>
+                <a:lnTo>
+                  <a:pt x="5212030" y="1578752"/>
+                </a:lnTo>
+                <a:cubicBezTo>
+                  <a:pt x="5206147" y="1605585"/>
+                  <a:pt x="5226381" y="1622803"/>
+                  <a:pt x="5203533" y="1647555"/>
+                </a:cubicBezTo>
+                <a:cubicBezTo>
+                  <a:pt x="5198128" y="1672675"/>
+                  <a:pt x="5203213" y="1694404"/>
+                  <a:pt x="5190877" y="1715685"/>
+                </a:cubicBezTo>
+                <a:cubicBezTo>
+                  <a:pt x="5196815" y="1724301"/>
+                  <a:pt x="5198098" y="1732435"/>
+                  <a:pt x="5184235" y="1740358"/>
+                </a:cubicBezTo>
+                <a:cubicBezTo>
+                  <a:pt x="5182625" y="1763793"/>
+                  <a:pt x="5198368" y="1769422"/>
+                  <a:pt x="5181475" y="1784314"/>
+                </a:cubicBezTo>
+                <a:cubicBezTo>
+                  <a:pt x="5205987" y="1797417"/>
+                  <a:pt x="5195246" y="1798221"/>
+                  <a:pt x="5185845" y="1804434"/>
+                </a:cubicBezTo>
+                <a:lnTo>
+                  <a:pt x="5185068" y="1805316"/>
+                </a:lnTo>
+                <a:lnTo>
+                  <a:pt x="5188593" y="1807109"/>
+                </a:lnTo>
+                <a:lnTo>
+                  <a:pt x="5185920" y="1821003"/>
+                </a:lnTo>
+                <a:lnTo>
+                  <a:pt x="5183543" y="1824832"/>
+                </a:lnTo>
+                <a:cubicBezTo>
+                  <a:pt x="5182284" y="1827468"/>
+                  <a:pt x="5181937" y="1829219"/>
+                  <a:pt x="5182235" y="1830429"/>
+                </a:cubicBezTo>
+                <a:lnTo>
+                  <a:pt x="5182525" y="1830569"/>
+                </a:lnTo>
+                <a:lnTo>
+                  <a:pt x="5180663" y="1835810"/>
+                </a:lnTo>
+                <a:cubicBezTo>
+                  <a:pt x="5176779" y="1844665"/>
+                  <a:pt x="5172297" y="1853278"/>
+                  <a:pt x="5167452" y="1861483"/>
+                </a:cubicBezTo>
+                <a:cubicBezTo>
+                  <a:pt x="5179827" y="1866643"/>
+                  <a:pt x="5166788" y="1884999"/>
+                  <a:pt x="5174266" y="1892417"/>
+                </a:cubicBezTo>
+                <a:lnTo>
+                  <a:pt x="5189262" y="1895114"/>
+                </a:lnTo>
+                <a:lnTo>
+                  <a:pt x="5187100" y="1899379"/>
+                </a:lnTo>
+                <a:lnTo>
+                  <a:pt x="5180471" y="1907867"/>
+                </a:lnTo>
+                <a:cubicBezTo>
+                  <a:pt x="5179609" y="1909162"/>
+                  <a:pt x="5179647" y="1909994"/>
+                  <a:pt x="5181361" y="1910265"/>
+                </a:cubicBezTo>
+                <a:cubicBezTo>
+                  <a:pt x="5180995" y="1914884"/>
+                  <a:pt x="5177893" y="1930292"/>
+                  <a:pt x="5178268" y="1935584"/>
+                </a:cubicBezTo>
+                <a:lnTo>
+                  <a:pt x="5183619" y="1942021"/>
+                </a:lnTo>
+                <a:lnTo>
+                  <a:pt x="5184480" y="1945112"/>
+                </a:lnTo>
+                <a:lnTo>
+                  <a:pt x="5172776" y="1961162"/>
+                </a:lnTo>
+                <a:lnTo>
+                  <a:pt x="5168513" y="1969445"/>
+                </a:lnTo>
+                <a:lnTo>
+                  <a:pt x="5126597" y="2024270"/>
+                </a:lnTo>
+                <a:lnTo>
+                  <a:pt x="5119528" y="2107942"/>
+                </a:lnTo>
+                <a:cubicBezTo>
+                  <a:pt x="5089290" y="2138038"/>
+                  <a:pt x="5110415" y="2159228"/>
+                  <a:pt x="5110356" y="2193455"/>
+                </a:cubicBezTo>
+                <a:cubicBezTo>
+                  <a:pt x="5101302" y="2220953"/>
+                  <a:pt x="5110381" y="2224200"/>
+                  <a:pt x="5104992" y="2260088"/>
+                </a:cubicBezTo>
+                <a:cubicBezTo>
+                  <a:pt x="5096504" y="2291744"/>
+                  <a:pt x="5078225" y="2299003"/>
+                  <a:pt x="5059439" y="2335735"/>
+                </a:cubicBezTo>
+                <a:cubicBezTo>
+                  <a:pt x="5029465" y="2329020"/>
+                  <a:pt x="5058046" y="2407546"/>
+                  <a:pt x="5022061" y="2408995"/>
+                </a:cubicBezTo>
+                <a:cubicBezTo>
+                  <a:pt x="5023289" y="2413465"/>
+                  <a:pt x="5019654" y="2441580"/>
+                  <a:pt x="5022253" y="2445869"/>
+                </a:cubicBezTo>
+                <a:cubicBezTo>
+                  <a:pt x="5022440" y="2449625"/>
+                  <a:pt x="5011241" y="2492743"/>
+                  <a:pt x="5011426" y="2496499"/>
+                </a:cubicBezTo>
+                <a:lnTo>
+                  <a:pt x="4994224" y="2549900"/>
+                </a:lnTo>
+                <a:cubicBezTo>
+                  <a:pt x="4992353" y="2564757"/>
+                  <a:pt x="4998952" y="2582253"/>
+                  <a:pt x="4995245" y="2596456"/>
+                </a:cubicBezTo>
+                <a:lnTo>
+                  <a:pt x="4988570" y="2606088"/>
+                </a:lnTo>
+                <a:cubicBezTo>
+                  <a:pt x="4988504" y="2615842"/>
+                  <a:pt x="4988436" y="2625597"/>
+                  <a:pt x="4988371" y="2635351"/>
+                </a:cubicBezTo>
+                <a:lnTo>
+                  <a:pt x="4983212" y="2665666"/>
+                </a:lnTo>
+                <a:lnTo>
+                  <a:pt x="4968234" y="2715895"/>
+                </a:lnTo>
+                <a:lnTo>
+                  <a:pt x="4975888" y="2725052"/>
+                </a:lnTo>
+                <a:lnTo>
+                  <a:pt x="4980195" y="2726489"/>
+                </a:lnTo>
+                <a:lnTo>
+                  <a:pt x="4976218" y="2740278"/>
+                </a:lnTo>
+                <a:lnTo>
+                  <a:pt x="4980571" y="2751112"/>
+                </a:lnTo>
+                <a:lnTo>
+                  <a:pt x="4973893" y="2760208"/>
+                </a:lnTo>
+                <a:lnTo>
+                  <a:pt x="4979005" y="2790136"/>
+                </a:lnTo>
+                <a:lnTo>
+                  <a:pt x="4986137" y="2804183"/>
+                </a:lnTo>
+                <a:cubicBezTo>
+                  <a:pt x="4986150" y="2811409"/>
+                  <a:pt x="4986162" y="2818634"/>
+                  <a:pt x="4986175" y="2825860"/>
+                </a:cubicBezTo>
+                <a:cubicBezTo>
+                  <a:pt x="4987474" y="2843788"/>
+                  <a:pt x="4992871" y="2886513"/>
+                  <a:pt x="4993936" y="2911749"/>
+                </a:cubicBezTo>
+                <a:cubicBezTo>
+                  <a:pt x="4993313" y="2946689"/>
+                  <a:pt x="4980300" y="2954448"/>
+                  <a:pt x="4992563" y="2977278"/>
+                </a:cubicBezTo>
+                <a:cubicBezTo>
+                  <a:pt x="4985688" y="2983455"/>
+                  <a:pt x="4982051" y="2987749"/>
+                  <a:pt x="4980516" y="2991092"/>
+                </a:cubicBezTo>
+                <a:cubicBezTo>
+                  <a:pt x="4975910" y="3001119"/>
+                  <a:pt x="4990216" y="3002537"/>
+                  <a:pt x="4992801" y="3020247"/>
+                </a:cubicBezTo>
+                <a:cubicBezTo>
+                  <a:pt x="4998517" y="3032637"/>
+                  <a:pt x="5013148" y="3051512"/>
+                  <a:pt x="5014805" y="3065434"/>
+                </a:cubicBezTo>
+                <a:cubicBezTo>
+                  <a:pt x="4998836" y="3057428"/>
+                  <a:pt x="5016840" y="3105196"/>
+                  <a:pt x="5002733" y="3103777"/>
+                </a:cubicBezTo>
+                <a:cubicBezTo>
+                  <a:pt x="5022381" y="3124610"/>
+                  <a:pt x="4997365" y="3128169"/>
+                  <a:pt x="5002941" y="3151828"/>
+                </a:cubicBezTo>
+                <a:cubicBezTo>
+                  <a:pt x="5010264" y="3163902"/>
+                  <a:pt x="5011356" y="3171780"/>
+                  <a:pt x="5002883" y="3180546"/>
+                </a:cubicBezTo>
+                <a:cubicBezTo>
+                  <a:pt x="5038586" y="3236545"/>
+                  <a:pt x="5003723" y="3210316"/>
+                  <a:pt x="5016711" y="3258677"/>
+                </a:cubicBezTo>
+                <a:lnTo>
+                  <a:pt x="5017918" y="3262610"/>
+                </a:lnTo>
+                <a:lnTo>
+                  <a:pt x="5011672" y="3277179"/>
+                </a:lnTo>
+                <a:lnTo>
+                  <a:pt x="5009344" y="3278130"/>
+                </a:lnTo>
+                <a:lnTo>
+                  <a:pt x="5026770" y="3325671"/>
+                </a:lnTo>
+                <a:lnTo>
+                  <a:pt x="5024571" y="3332072"/>
+                </a:lnTo>
+                <a:lnTo>
+                  <a:pt x="5041705" y="3362948"/>
+                </a:lnTo>
+                <a:lnTo>
+                  <a:pt x="5047477" y="3378959"/>
+                </a:lnTo>
+                <a:lnTo>
+                  <a:pt x="5060758" y="3407057"/>
+                </a:lnTo>
+                <a:lnTo>
+                  <a:pt x="5058968" y="3409825"/>
+                </a:lnTo>
+                <a:lnTo>
+                  <a:pt x="5062667" y="3415218"/>
+                </a:lnTo>
+                <a:lnTo>
+                  <a:pt x="5060928" y="3419880"/>
+                </a:lnTo>
+                <a:lnTo>
+                  <a:pt x="5062923" y="3424545"/>
+                </a:lnTo>
+                <a:cubicBezTo>
+                  <a:pt x="5063537" y="3433967"/>
+                  <a:pt x="5063494" y="3466028"/>
+                  <a:pt x="5064623" y="3476412"/>
+                </a:cubicBezTo>
+                <a:lnTo>
+                  <a:pt x="5069684" y="3486850"/>
+                </a:lnTo>
+                <a:lnTo>
+                  <a:pt x="5063339" y="3496391"/>
+                </a:lnTo>
+                <a:lnTo>
+                  <a:pt x="5070139" y="3531201"/>
+                </a:lnTo>
+                <a:lnTo>
+                  <a:pt x="5079896" y="3542019"/>
+                </a:lnTo>
+                <a:lnTo>
+                  <a:pt x="5087540" y="3552249"/>
+                </a:lnTo>
+                <a:lnTo>
+                  <a:pt x="5087902" y="3553678"/>
+                </a:lnTo>
+                <a:lnTo>
+                  <a:pt x="5091509" y="3568021"/>
+                </a:lnTo>
+                <a:lnTo>
+                  <a:pt x="5091934" y="3569719"/>
+                </a:lnTo>
+                <a:lnTo>
+                  <a:pt x="5089362" y="3586412"/>
+                </a:lnTo>
+                <a:lnTo>
+                  <a:pt x="5092358" y="3597336"/>
+                </a:lnTo>
+                <a:lnTo>
+                  <a:pt x="5084254" y="3606007"/>
+                </a:lnTo>
+                <a:cubicBezTo>
+                  <a:pt x="5084262" y="3617747"/>
+                  <a:pt x="5084273" y="3629488"/>
+                  <a:pt x="5084281" y="3641228"/>
+                </a:cubicBezTo>
+                <a:lnTo>
+                  <a:pt x="5091848" y="3653088"/>
+                </a:lnTo>
+                <a:lnTo>
+                  <a:pt x="5097436" y="3664114"/>
+                </a:lnTo>
+                <a:cubicBezTo>
+                  <a:pt x="5097463" y="3664599"/>
+                  <a:pt x="5097491" y="3665084"/>
+                  <a:pt x="5097518" y="3665569"/>
+                </a:cubicBezTo>
+                <a:cubicBezTo>
+                  <a:pt x="5097915" y="3672776"/>
+                  <a:pt x="5096966" y="3688591"/>
+                  <a:pt x="5099829" y="3707357"/>
+                </a:cubicBezTo>
+                <a:cubicBezTo>
+                  <a:pt x="5100505" y="3724716"/>
+                  <a:pt x="5118078" y="3760234"/>
+                  <a:pt x="5114696" y="3778166"/>
+                </a:cubicBezTo>
+                <a:cubicBezTo>
+                  <a:pt x="5141627" y="3845122"/>
+                  <a:pt x="5125427" y="3821305"/>
+                  <a:pt x="5135379" y="3878222"/>
+                </a:cubicBezTo>
+                <a:cubicBezTo>
+                  <a:pt x="5161519" y="3905047"/>
+                  <a:pt x="5125417" y="4015047"/>
+                  <a:pt x="5130138" y="4048117"/>
+                </a:cubicBezTo>
+                <a:cubicBezTo>
+                  <a:pt x="5081804" y="4192084"/>
+                  <a:pt x="5096262" y="4158987"/>
+                  <a:pt x="5090040" y="4219510"/>
+                </a:cubicBezTo>
+                <a:cubicBezTo>
+                  <a:pt x="5104553" y="4280033"/>
+                  <a:pt x="5065380" y="4345686"/>
+                  <a:pt x="5092812" y="4411258"/>
+                </a:cubicBezTo>
+                <a:cubicBezTo>
+                  <a:pt x="5090630" y="4437329"/>
+                  <a:pt x="5083878" y="4473140"/>
+                  <a:pt x="5084599" y="4488531"/>
+                </a:cubicBezTo>
+                <a:cubicBezTo>
+                  <a:pt x="5084423" y="4505410"/>
+                  <a:pt x="5084248" y="4522289"/>
+                  <a:pt x="5084072" y="4539168"/>
+                </a:cubicBezTo>
+                <a:cubicBezTo>
+                  <a:pt x="5072114" y="4567830"/>
+                  <a:pt x="5064305" y="4588197"/>
+                  <a:pt x="5068936" y="4625153"/>
+                </a:cubicBezTo>
+                <a:cubicBezTo>
+                  <a:pt x="5077433" y="4662889"/>
+                  <a:pt x="5065899" y="4679357"/>
+                  <a:pt x="5059114" y="4733115"/>
+                </a:cubicBezTo>
+                <a:cubicBezTo>
+                  <a:pt x="5068687" y="4752352"/>
+                  <a:pt x="5055370" y="4832308"/>
+                  <a:pt x="5037209" y="4844323"/>
+                </a:cubicBezTo>
+                <a:cubicBezTo>
+                  <a:pt x="5033444" y="4857054"/>
+                  <a:pt x="5040194" y="4871554"/>
+                  <a:pt x="5020638" y="4877992"/>
+                </a:cubicBezTo>
+                <a:cubicBezTo>
+                  <a:pt x="4997151" y="4888353"/>
+                  <a:pt x="5034418" y="4931200"/>
+                  <a:pt x="5006413" y="4925805"/>
+                </a:cubicBezTo>
+                <a:cubicBezTo>
+                  <a:pt x="5031964" y="4956261"/>
+                  <a:pt x="4982840" y="4982633"/>
+                  <a:pt x="4971037" y="5009272"/>
+                </a:cubicBezTo>
+                <a:cubicBezTo>
+                  <a:pt x="4973259" y="5034036"/>
+                  <a:pt x="4968375" y="5053859"/>
+                  <a:pt x="4963105" y="5111369"/>
+                </a:cubicBezTo>
+                <a:cubicBezTo>
+                  <a:pt x="4973224" y="5141336"/>
+                  <a:pt x="4937413" y="5161742"/>
+                  <a:pt x="4976341" y="5210876"/>
+                </a:cubicBezTo>
+                <a:cubicBezTo>
+                  <a:pt x="4972455" y="5212581"/>
+                  <a:pt x="4977054" y="5227501"/>
+                  <a:pt x="4980617" y="5269726"/>
+                </a:cubicBezTo>
+                <a:cubicBezTo>
+                  <a:pt x="4984182" y="5311951"/>
+                  <a:pt x="4990390" y="5400671"/>
+                  <a:pt x="4997733" y="5464225"/>
+                </a:cubicBezTo>
+                <a:cubicBezTo>
+                  <a:pt x="5001765" y="5536542"/>
+                  <a:pt x="4990225" y="5517959"/>
+                  <a:pt x="5001400" y="5594585"/>
+                </a:cubicBezTo>
+                <a:cubicBezTo>
+                  <a:pt x="4999908" y="5619318"/>
+                  <a:pt x="4974042" y="5647975"/>
+                  <a:pt x="4983700" y="5667896"/>
+                </a:cubicBezTo>
+                <a:cubicBezTo>
+                  <a:pt x="4976834" y="5696311"/>
+                  <a:pt x="4975579" y="5738356"/>
+                  <a:pt x="4968506" y="5769225"/>
+                </a:cubicBezTo>
+                <a:cubicBezTo>
+                  <a:pt x="4968926" y="5787258"/>
+                  <a:pt x="4969344" y="5805291"/>
+                  <a:pt x="4969765" y="5823324"/>
+                </a:cubicBezTo>
+                <a:cubicBezTo>
+                  <a:pt x="4966122" y="5853058"/>
+                  <a:pt x="4965608" y="5838948"/>
+                  <a:pt x="4966129" y="5862699"/>
+                </a:cubicBezTo>
+                <a:lnTo>
+                  <a:pt x="4970695" y="5906467"/>
+                </a:lnTo>
+                <a:lnTo>
+                  <a:pt x="4991568" y="5939847"/>
+                </a:lnTo>
+                <a:cubicBezTo>
+                  <a:pt x="4998848" y="5955713"/>
+                  <a:pt x="4974731" y="5940131"/>
+                  <a:pt x="4986815" y="5973994"/>
+                </a:cubicBezTo>
+                <a:cubicBezTo>
+                  <a:pt x="4961187" y="5997051"/>
+                  <a:pt x="4983444" y="6032039"/>
+                  <a:pt x="4987776" y="6089693"/>
+                </a:cubicBezTo>
+                <a:lnTo>
+                  <a:pt x="4991621" y="6224938"/>
+                </a:lnTo>
+                <a:cubicBezTo>
+                  <a:pt x="4988442" y="6270972"/>
+                  <a:pt x="5008962" y="6317522"/>
+                  <a:pt x="5017157" y="6370251"/>
+                </a:cubicBezTo>
+                <a:cubicBezTo>
+                  <a:pt x="5025353" y="6422980"/>
+                  <a:pt x="5039938" y="6490855"/>
+                  <a:pt x="5040797" y="6541313"/>
+                </a:cubicBezTo>
+                <a:cubicBezTo>
+                  <a:pt x="5039898" y="6576319"/>
+                  <a:pt x="5031912" y="6591883"/>
+                  <a:pt x="5045375" y="6640957"/>
+                </a:cubicBezTo>
+                <a:cubicBezTo>
+                  <a:pt x="5057505" y="6669536"/>
+                  <a:pt x="5052276" y="6675394"/>
+                  <a:pt x="5058442" y="6705297"/>
+                </a:cubicBezTo>
+                <a:cubicBezTo>
+                  <a:pt x="5057367" y="6727133"/>
+                  <a:pt x="5067901" y="6732087"/>
+                  <a:pt x="5071125" y="6759582"/>
+                </a:cubicBezTo>
+                <a:cubicBezTo>
+                  <a:pt x="5055614" y="6796071"/>
+                  <a:pt x="5051656" y="6769544"/>
+                  <a:pt x="5069172" y="6817746"/>
+                </a:cubicBezTo>
+                <a:cubicBezTo>
+                  <a:pt x="5060956" y="6828354"/>
+                  <a:pt x="5064525" y="6836369"/>
+                  <a:pt x="5072322" y="6843646"/>
+                </a:cubicBezTo>
+                <a:lnTo>
+                  <a:pt x="5091388" y="6857998"/>
+                </a:lnTo>
+                <a:lnTo>
+                  <a:pt x="6096000" y="6857998"/>
+                </a:lnTo>
+                <a:lnTo>
+                  <a:pt x="6096000" y="6858000"/>
+                </a:lnTo>
+                <a:lnTo>
+                  <a:pt x="0" y="6858000"/>
+                </a:lnTo>
+                <a:close/>
+              </a:path>
+            </a:pathLst>
+          </a:custGeom>
+          <a:solidFill>
+            <a:srgbClr val="82766A">
+              <a:alpha val="15000"/>
+            </a:srgbClr>
+          </a:solidFill>
+          <a:ln>
+            <a:noFill/>
+          </a:ln>
+        </p:spPr>
+        <p:style>
+          <a:lnRef idx="2">
+            <a:schemeClr val="accent1">
+              <a:shade val="50000"/>
+            </a:schemeClr>
+          </a:lnRef>
+          <a:fillRef idx="1">
+            <a:schemeClr val="accent1"/>
+          </a:fillRef>
+          <a:effectRef idx="0">
+            <a:schemeClr val="accent1"/>
+          </a:effectRef>
+          <a:fontRef idx="minor">
+            <a:schemeClr val="lt1"/>
+          </a:fontRef>
+        </p:style>
+        <p:txBody>
+          <a:bodyPr wrap="square" rtlCol="0" anchor="ctr">
+            <a:noAutofit/>
+          </a:bodyPr>
+          <a:lstStyle/>
+          <a:p>
+            <a:pPr algn="ctr"/>
+            <a:endParaRPr lang="en-US"/>
+          </a:p>
+        </p:txBody>
+      </p:sp>
+      <p:sp>
+        <p:nvSpPr>
+          <p:cNvPr id="2" name="Rubrik 1">
+            <a:extLst>
+              <a:ext uri="{FF2B5EF4-FFF2-40B4-BE49-F238E27FC236}">
+                <a16:creationId xmlns:a16="http://schemas.microsoft.com/office/drawing/2014/main" id="{99AD5C30-BFB8-32B6-FA55-373B0A70FA3A}"/>
+              </a:ext>
+            </a:extLst>
+          </p:cNvPr>
+          <p:cNvSpPr>
+            <a:spLocks noGrp="1"/>
+          </p:cNvSpPr>
+          <p:nvPr>
+            <p:ph type="title"/>
+          </p:nvPr>
+        </p:nvSpPr>
+        <p:spPr>
+          <a:xfrm>
+            <a:off x="838200" y="609600"/>
+            <a:ext cx="3739341" cy="1330839"/>
+          </a:xfrm>
+        </p:spPr>
+        <p:txBody>
+          <a:bodyPr>
+            <a:normAutofit/>
+          </a:bodyPr>
+          <a:lstStyle/>
+          <a:p>
+            <a:r>
+              <a:rPr lang="sv-SE" dirty="0"/>
+              <a:t>No, </a:t>
+            </a:r>
+            <a:r>
+              <a:rPr lang="sv-SE" dirty="0" err="1"/>
+              <a:t>maybe</a:t>
+            </a:r>
+            <a:r>
+              <a:rPr lang="sv-SE" dirty="0"/>
+              <a:t> not.</a:t>
+            </a:r>
+          </a:p>
+        </p:txBody>
+      </p:sp>
+      <p:sp>
+        <p:nvSpPr>
+          <p:cNvPr id="3" name="Platshållare för innehåll 2">
+            <a:extLst>
+              <a:ext uri="{FF2B5EF4-FFF2-40B4-BE49-F238E27FC236}">
+                <a16:creationId xmlns:a16="http://schemas.microsoft.com/office/drawing/2014/main" id="{EECDCA4F-1498-1B33-5356-0A94BAA41294}"/>
+              </a:ext>
+            </a:extLst>
+          </p:cNvPr>
+          <p:cNvSpPr>
+            <a:spLocks noGrp="1"/>
+          </p:cNvSpPr>
+          <p:nvPr>
+            <p:ph idx="1"/>
+          </p:nvPr>
+        </p:nvSpPr>
+        <p:spPr>
+          <a:xfrm>
+            <a:off x="862366" y="2194102"/>
+            <a:ext cx="3427001" cy="3908586"/>
+          </a:xfrm>
+        </p:spPr>
+        <p:txBody>
+          <a:bodyPr>
+            <a:normAutofit/>
+          </a:bodyPr>
+          <a:lstStyle/>
+          <a:p>
+            <a:r>
+              <a:rPr lang="sv-SE" sz="1700" dirty="0" err="1"/>
+              <a:t>Agree</a:t>
+            </a:r>
+            <a:r>
+              <a:rPr lang="sv-SE" sz="1700" dirty="0"/>
+              <a:t> on a </a:t>
+            </a:r>
+            <a:r>
+              <a:rPr lang="sv-SE" sz="1700" dirty="0" err="1"/>
+              <a:t>naming</a:t>
+            </a:r>
+            <a:r>
+              <a:rPr lang="sv-SE" sz="1700" dirty="0"/>
+              <a:t> </a:t>
+            </a:r>
+            <a:r>
+              <a:rPr lang="sv-SE" sz="1700" dirty="0" err="1"/>
+              <a:t>convention</a:t>
+            </a:r>
+            <a:endParaRPr lang="sv-SE" sz="1700" dirty="0"/>
+          </a:p>
+          <a:p>
+            <a:r>
+              <a:rPr lang="sv-SE" sz="1700" dirty="0"/>
+              <a:t>Make sure </a:t>
+            </a:r>
+            <a:r>
+              <a:rPr lang="sv-SE" sz="1700" dirty="0" err="1"/>
+              <a:t>it’s</a:t>
+            </a:r>
+            <a:r>
+              <a:rPr lang="sv-SE" sz="1700" dirty="0"/>
+              <a:t> </a:t>
+            </a:r>
+            <a:r>
+              <a:rPr lang="sv-SE" sz="1700" dirty="0" err="1"/>
+              <a:t>followed</a:t>
+            </a:r>
+            <a:endParaRPr lang="sv-SE" sz="1700" dirty="0"/>
+          </a:p>
+          <a:p>
+            <a:r>
+              <a:rPr lang="sv-SE" sz="1700" dirty="0" err="1"/>
+              <a:t>Use</a:t>
+            </a:r>
+            <a:r>
+              <a:rPr lang="sv-SE" sz="1700" dirty="0"/>
+              <a:t> </a:t>
+            </a:r>
+            <a:r>
+              <a:rPr lang="sv-SE" sz="1700" dirty="0" err="1"/>
+              <a:t>any</a:t>
+            </a:r>
+            <a:r>
+              <a:rPr lang="sv-SE" sz="1700" dirty="0"/>
+              <a:t> </a:t>
+            </a:r>
+            <a:r>
+              <a:rPr lang="sv-SE" sz="1700" dirty="0" err="1"/>
+              <a:t>naming</a:t>
+            </a:r>
+            <a:r>
+              <a:rPr lang="sv-SE" sz="1700" dirty="0"/>
+              <a:t> </a:t>
+            </a:r>
+            <a:r>
+              <a:rPr lang="sv-SE" sz="1700" dirty="0" err="1"/>
+              <a:t>convention</a:t>
+            </a:r>
+            <a:r>
+              <a:rPr lang="sv-SE" sz="1700" dirty="0"/>
+              <a:t>. Camel-</a:t>
+            </a:r>
+            <a:r>
+              <a:rPr lang="sv-SE" sz="1700" dirty="0" err="1"/>
+              <a:t>case</a:t>
+            </a:r>
+            <a:r>
+              <a:rPr lang="sv-SE" sz="1700" dirty="0"/>
+              <a:t>, Pascal-</a:t>
+            </a:r>
+            <a:r>
+              <a:rPr lang="sv-SE" sz="1700" dirty="0" err="1"/>
+              <a:t>case</a:t>
+            </a:r>
+            <a:r>
+              <a:rPr lang="sv-SE" sz="1700" dirty="0"/>
+              <a:t>, </a:t>
+            </a:r>
+            <a:r>
+              <a:rPr lang="sv-SE" sz="1700" dirty="0" err="1"/>
+              <a:t>whatever-case</a:t>
+            </a:r>
+            <a:r>
+              <a:rPr lang="sv-SE" sz="1700" dirty="0"/>
+              <a:t>.</a:t>
+            </a:r>
+          </a:p>
+          <a:p>
+            <a:r>
+              <a:rPr lang="sv-SE" sz="1700" dirty="0"/>
+              <a:t>Prefix </a:t>
+            </a:r>
+            <a:r>
+              <a:rPr lang="sv-SE" sz="1700" dirty="0" err="1"/>
+              <a:t>whichever</a:t>
+            </a:r>
+            <a:r>
+              <a:rPr lang="sv-SE" sz="1700" dirty="0"/>
+              <a:t> </a:t>
+            </a:r>
+            <a:r>
+              <a:rPr lang="sv-SE" sz="1700" dirty="0" err="1"/>
+              <a:t>you</a:t>
+            </a:r>
+            <a:r>
+              <a:rPr lang="sv-SE" sz="1700" dirty="0"/>
+              <a:t> </a:t>
+            </a:r>
+            <a:r>
+              <a:rPr lang="sv-SE" sz="1700" dirty="0" err="1"/>
+              <a:t>want</a:t>
+            </a:r>
+            <a:r>
+              <a:rPr lang="sv-SE" sz="1700" dirty="0"/>
+              <a:t>, </a:t>
+            </a:r>
+            <a:r>
+              <a:rPr lang="sv-SE" sz="1700" dirty="0" err="1"/>
+              <a:t>but</a:t>
+            </a:r>
+            <a:r>
+              <a:rPr lang="sv-SE" sz="1700" dirty="0"/>
+              <a:t> </a:t>
+            </a:r>
+            <a:r>
+              <a:rPr lang="sv-SE" sz="1700" dirty="0" err="1"/>
+              <a:t>follow</a:t>
+            </a:r>
+            <a:r>
+              <a:rPr lang="sv-SE" sz="1700" dirty="0"/>
+              <a:t> the </a:t>
+            </a:r>
+            <a:r>
+              <a:rPr lang="sv-SE" sz="1700" dirty="0" err="1"/>
+              <a:t>conventions</a:t>
+            </a:r>
+            <a:r>
+              <a:rPr lang="sv-SE" sz="1700" dirty="0"/>
+              <a:t> </a:t>
+            </a:r>
+            <a:r>
+              <a:rPr lang="sv-SE" sz="1700" dirty="0" err="1"/>
+              <a:t>you</a:t>
+            </a:r>
+            <a:r>
+              <a:rPr lang="sv-SE" sz="1700" dirty="0"/>
+              <a:t> </a:t>
+            </a:r>
+            <a:r>
+              <a:rPr lang="sv-SE" sz="1700" dirty="0" err="1"/>
+              <a:t>decided</a:t>
+            </a:r>
+            <a:r>
+              <a:rPr lang="sv-SE" sz="1700" dirty="0"/>
+              <a:t> </a:t>
+            </a:r>
+            <a:r>
+              <a:rPr lang="sv-SE" sz="1700" dirty="0" err="1"/>
+              <a:t>upon</a:t>
+            </a:r>
+            <a:r>
+              <a:rPr lang="sv-SE" sz="1700" dirty="0"/>
+              <a:t>.</a:t>
+            </a:r>
+          </a:p>
+          <a:p>
+            <a:r>
+              <a:rPr lang="sv-SE" sz="1700" dirty="0"/>
+              <a:t>BUT NEVER EVER NAME STORED PROCEDURES </a:t>
+            </a:r>
+            <a:r>
+              <a:rPr lang="sv-SE" sz="1700" dirty="0" err="1"/>
+              <a:t>sp_procname</a:t>
+            </a:r>
+            <a:r>
+              <a:rPr lang="sv-SE" sz="1700" dirty="0"/>
+              <a:t>. </a:t>
+            </a:r>
+            <a:r>
+              <a:rPr lang="sv-SE" sz="1700" dirty="0" err="1"/>
+              <a:t>It’s</a:t>
+            </a:r>
+            <a:r>
+              <a:rPr lang="sv-SE" sz="1700" dirty="0"/>
+              <a:t> UGLY. And it </a:t>
+            </a:r>
+            <a:r>
+              <a:rPr lang="sv-SE" sz="1700" dirty="0" err="1"/>
+              <a:t>will</a:t>
+            </a:r>
+            <a:r>
+              <a:rPr lang="sv-SE" sz="1700" dirty="0"/>
+              <a:t> </a:t>
+            </a:r>
+            <a:r>
+              <a:rPr lang="sv-SE" sz="1700" dirty="0" err="1"/>
+              <a:t>bite</a:t>
+            </a:r>
+            <a:r>
+              <a:rPr lang="sv-SE" sz="1700" dirty="0"/>
+              <a:t> </a:t>
+            </a:r>
+            <a:r>
+              <a:rPr lang="sv-SE" sz="1700" dirty="0" err="1"/>
+              <a:t>you</a:t>
+            </a:r>
+            <a:r>
+              <a:rPr lang="sv-SE" sz="1700" dirty="0"/>
+              <a:t>.</a:t>
+            </a:r>
+          </a:p>
+        </p:txBody>
+      </p:sp>
+      <p:pic>
+        <p:nvPicPr>
+          <p:cNvPr id="2050" name="Picture 2" descr="three young developers of diverse genders reviewing the naming convention for database objects they just agreed on, with a whiteboard displaying the conventions">
+            <a:extLst>
+              <a:ext uri="{FF2B5EF4-FFF2-40B4-BE49-F238E27FC236}">
+                <a16:creationId xmlns:a16="http://schemas.microsoft.com/office/drawing/2014/main" id="{9B105F22-70F7-6962-2F0B-C34A2FFBB60E}"/>
+              </a:ext>
+            </a:extLst>
+          </p:cNvPr>
+          <p:cNvPicPr>
+            <a:picLocks noChangeAspect="1" noChangeArrowheads="1"/>
+          </p:cNvPicPr>
+          <p:nvPr/>
+        </p:nvPicPr>
+        <p:blipFill>
+          <a:blip r:embed="rId2">
+            <a:extLst>
+              <a:ext uri="{28A0092B-C50C-407E-A947-70E740481C1C}">
+                <a14:useLocalDpi xmlns:a14="http://schemas.microsoft.com/office/drawing/2010/main" val="0"/>
+              </a:ext>
+            </a:extLst>
+          </a:blip>
+          <a:stretch>
+            <a:fillRect/>
+          </a:stretch>
+        </p:blipFill>
+        <p:spPr bwMode="auto">
+          <a:xfrm>
+            <a:off x="5744073" y="661916"/>
+            <a:ext cx="5557909" cy="5557909"/>
+          </a:xfrm>
+          <a:prstGeom prst="rect">
+            <a:avLst/>
+          </a:prstGeom>
+          <a:noFill/>
+          <a:extLst>
+            <a:ext uri="{909E8E84-426E-40DD-AFC4-6F175D3DCCD1}">
+              <a14:hiddenFill xmlns:a14="http://schemas.microsoft.com/office/drawing/2010/main">
+                <a:solidFill>
+                  <a:srgbClr val="FFFFFF"/>
+                </a:solidFill>
+              </a14:hiddenFill>
+            </a:ext>
+          </a:extLst>
+        </p:spPr>
+      </p:pic>
+    </p:spTree>
+    <p:extLst>
+      <p:ext uri="{BB962C8B-B14F-4D97-AF65-F5344CB8AC3E}">
+        <p14:creationId xmlns:p14="http://schemas.microsoft.com/office/powerpoint/2010/main" val="1296860044"/>
+      </p:ext>
+    </p:extLst>
+  </p:cSld>
+  <p:clrMapOvr>
+    <a:masterClrMapping/>
+  </p:clrMapOvr>
+  <p:timing>
+    <p:tnLst>
+      <p:par>
+        <p:cTn id="1" dur="indefinite" restart="never" nodeType="tmRoot">
+          <p:childTnLst>
+            <p:seq concurrent="1" nextAc="seek">
+              <p:cTn id="2" dur="indefinite" nodeType="mainSeq">
+                <p:childTnLst>
+                  <p:par>
+                    <p:cTn id="3" fill="hold">
+                      <p:stCondLst>
+                        <p:cond delay="indefinite"/>
+                      </p:stCondLst>
+                      <p:childTnLst>
+                        <p:par>
+                          <p:cTn id="4" fill="hold">
+                            <p:stCondLst>
+                              <p:cond delay="0"/>
+                            </p:stCondLst>
+                            <p:childTnLst>
+                              <p:par>
+                                <p:cTn id="5" presetID="1" presetClass="entr" presetSubtype="0" fill="hold" grpId="0" nodeType="clickEffect">
+                                  <p:stCondLst>
+                                    <p:cond delay="0"/>
+                                  </p:stCondLst>
+                                  <p:childTnLst>
+                                    <p:set>
+                                      <p:cBhvr>
+                                        <p:cTn id="6" dur="1" fill="hold">
+                                          <p:stCondLst>
+                                            <p:cond delay="0"/>
+                                          </p:stCondLst>
+                                        </p:cTn>
+                                        <p:tgtEl>
+                                          <p:spTgt spid="3">
+                                            <p:txEl>
+                                              <p:pRg st="0" end="0"/>
+                                            </p:txEl>
+                                          </p:spTgt>
+                                        </p:tgtEl>
+                                        <p:attrNameLst>
+                                          <p:attrName>style.visibility</p:attrName>
+                                        </p:attrNameLst>
+                                      </p:cBhvr>
+                                      <p:to>
+                                        <p:strVal val="visible"/>
+                                      </p:to>
+                                    </p:set>
+                                  </p:childTnLst>
+                                </p:cTn>
+                              </p:par>
+                            </p:childTnLst>
+                          </p:cTn>
+                        </p:par>
+                      </p:childTnLst>
+                    </p:cTn>
+                  </p:par>
+                  <p:par>
+                    <p:cTn id="7" fill="hold">
+                      <p:stCondLst>
+                        <p:cond delay="indefinite"/>
+                      </p:stCondLst>
+                      <p:childTnLst>
+                        <p:par>
+                          <p:cTn id="8" fill="hold">
+                            <p:stCondLst>
+                              <p:cond delay="0"/>
+                            </p:stCondLst>
+                            <p:childTnLst>
+                              <p:par>
+                                <p:cTn id="9" presetID="1" presetClass="entr" presetSubtype="0" fill="hold" grpId="0" nodeType="clickEffect">
+                                  <p:stCondLst>
+                                    <p:cond delay="0"/>
+                                  </p:stCondLst>
+                                  <p:childTnLst>
+                                    <p:set>
+                                      <p:cBhvr>
+                                        <p:cTn id="10" dur="1" fill="hold">
+                                          <p:stCondLst>
+                                            <p:cond delay="0"/>
+                                          </p:stCondLst>
+                                        </p:cTn>
+                                        <p:tgtEl>
+                                          <p:spTgt spid="3">
+                                            <p:txEl>
+                                              <p:pRg st="1" end="1"/>
+                                            </p:txEl>
+                                          </p:spTgt>
+                                        </p:tgtEl>
+                                        <p:attrNameLst>
+                                          <p:attrName>style.visibility</p:attrName>
+                                        </p:attrNameLst>
+                                      </p:cBhvr>
+                                      <p:to>
+                                        <p:strVal val="visible"/>
+                                      </p:to>
+                                    </p:set>
+                                  </p:childTnLst>
+                                </p:cTn>
+                              </p:par>
+                            </p:childTnLst>
+                          </p:cTn>
+                        </p:par>
+                      </p:childTnLst>
+                    </p:cTn>
+                  </p:par>
+                  <p:par>
+                    <p:cTn id="11" fill="hold">
+                      <p:stCondLst>
+                        <p:cond delay="indefinite"/>
+                      </p:stCondLst>
+                      <p:childTnLst>
+                        <p:par>
+                          <p:cTn id="12" fill="hold">
+                            <p:stCondLst>
+                              <p:cond delay="0"/>
+                            </p:stCondLst>
+                            <p:childTnLst>
+                              <p:par>
+                                <p:cTn id="13" presetID="1" presetClass="entr" presetSubtype="0" fill="hold" grpId="0" nodeType="clickEffect">
+                                  <p:stCondLst>
+                                    <p:cond delay="0"/>
+                                  </p:stCondLst>
+                                  <p:childTnLst>
+                                    <p:set>
+                                      <p:cBhvr>
+                                        <p:cTn id="14" dur="1" fill="hold">
+                                          <p:stCondLst>
+                                            <p:cond delay="0"/>
+                                          </p:stCondLst>
+                                        </p:cTn>
+                                        <p:tgtEl>
+                                          <p:spTgt spid="3">
+                                            <p:txEl>
+                                              <p:pRg st="2" end="2"/>
+                                            </p:txEl>
+                                          </p:spTgt>
+                                        </p:tgtEl>
+                                        <p:attrNameLst>
+                                          <p:attrName>style.visibility</p:attrName>
+                                        </p:attrNameLst>
+                                      </p:cBhvr>
+                                      <p:to>
+                                        <p:strVal val="visible"/>
+                                      </p:to>
+                                    </p:set>
+                                  </p:childTnLst>
+                                </p:cTn>
+                              </p:par>
+                            </p:childTnLst>
+                          </p:cTn>
+                        </p:par>
+                      </p:childTnLst>
+                    </p:cTn>
+                  </p:par>
+                  <p:par>
+                    <p:cTn id="15" fill="hold">
+                      <p:stCondLst>
+                        <p:cond delay="indefinite"/>
+                      </p:stCondLst>
+                      <p:childTnLst>
+                        <p:par>
+                          <p:cTn id="16" fill="hold">
+                            <p:stCondLst>
+                              <p:cond delay="0"/>
+                            </p:stCondLst>
+                            <p:childTnLst>
+                              <p:par>
+                                <p:cTn id="17" presetID="1" presetClass="entr" presetSubtype="0" fill="hold" grpId="0" nodeType="clickEffect">
+                                  <p:stCondLst>
+                                    <p:cond delay="0"/>
+                                  </p:stCondLst>
+                                  <p:childTnLst>
+                                    <p:set>
+                                      <p:cBhvr>
+                                        <p:cTn id="18" dur="1" fill="hold">
+                                          <p:stCondLst>
+                                            <p:cond delay="0"/>
+                                          </p:stCondLst>
+                                        </p:cTn>
+                                        <p:tgtEl>
+                                          <p:spTgt spid="3">
+                                            <p:txEl>
+                                              <p:pRg st="3" end="3"/>
+                                            </p:txEl>
+                                          </p:spTgt>
+                                        </p:tgtEl>
+                                        <p:attrNameLst>
+                                          <p:attrName>style.visibility</p:attrName>
+                                        </p:attrNameLst>
+                                      </p:cBhvr>
+                                      <p:to>
+                                        <p:strVal val="visible"/>
+                                      </p:to>
+                                    </p:set>
+                                  </p:childTnLst>
+                                </p:cTn>
+                              </p:par>
+                            </p:childTnLst>
+                          </p:cTn>
+                        </p:par>
+                      </p:childTnLst>
+                    </p:cTn>
+                  </p:par>
+                  <p:par>
+                    <p:cTn id="19" fill="hold">
+                      <p:stCondLst>
+                        <p:cond delay="indefinite"/>
+                      </p:stCondLst>
+                      <p:childTnLst>
+                        <p:par>
+                          <p:cTn id="20" fill="hold">
+                            <p:stCondLst>
+                              <p:cond delay="0"/>
+                            </p:stCondLst>
+                            <p:childTnLst>
+                              <p:par>
+                                <p:cTn id="21" presetID="1" presetClass="entr" presetSubtype="0" fill="hold" grpId="0" nodeType="clickEffect">
+                                  <p:stCondLst>
+                                    <p:cond delay="0"/>
+                                  </p:stCondLst>
+                                  <p:childTnLst>
+                                    <p:set>
+                                      <p:cBhvr>
+                                        <p:cTn id="22" dur="1" fill="hold">
+                                          <p:stCondLst>
+                                            <p:cond delay="0"/>
+                                          </p:stCondLst>
+                                        </p:cTn>
+                                        <p:tgtEl>
+                                          <p:spTgt spid="3">
+                                            <p:txEl>
+                                              <p:pRg st="4" end="4"/>
+                                            </p:txEl>
+                                          </p:spTgt>
+                                        </p:tgtEl>
+                                        <p:attrNameLst>
+                                          <p:attrName>style.visibility</p:attrName>
+                                        </p:attrNameLst>
+                                      </p:cBhvr>
+                                      <p:to>
+                                        <p:strVal val="visible"/>
+                                      </p:to>
+                                    </p:set>
+                                  </p:childTnLst>
+                                </p:cTn>
+                              </p:par>
+                            </p:childTnLst>
+                          </p:cTn>
+                        </p:par>
+                      </p:childTnLst>
+                    </p:cTn>
+                  </p:par>
+                </p:childTnLst>
+              </p:cTn>
+              <p:prevCondLst>
+                <p:cond evt="onPrev" delay="0">
+                  <p:tgtEl>
+                    <p:sldTgt/>
+                  </p:tgtEl>
+                </p:cond>
+              </p:prevCondLst>
+              <p:nextCondLst>
+                <p:cond evt="onNext" delay="0">
+                  <p:tgtEl>
+                    <p:sldTgt/>
+                  </p:tgtEl>
+                </p:cond>
+              </p:nextCondLst>
+            </p:seq>
+          </p:childTnLst>
+        </p:cTn>
+      </p:par>
+    </p:tnLst>
+    <p:bldLst>
+      <p:bldP spid="3" grpId="0" build="p"/>
+    </p:bldLst>
+  </p:timing>
+</p:sld>
+</file>
+
+<file path=ppt/slides/slide11.xml><?xml version="1.0" encoding="utf-8"?>
+<p:sld xmlns:a="http://schemas.openxmlformats.org/drawingml/2006/main" xmlns:r="http://schemas.openxmlformats.org/officeDocument/2006/relationships" xmlns:p="http://schemas.openxmlformats.org/presentationml/2006/main">
+  <p:cSld>
+    <p:bg>
+      <p:bgPr>
+        <a:solidFill>
+          <a:schemeClr val="bg1"/>
+        </a:solidFill>
+        <a:effectLst/>
+      </p:bgPr>
+    </p:bg>
+    <p:spTree>
+      <p:nvGrpSpPr>
+        <p:cNvPr id="1" name=""/>
+        <p:cNvGrpSpPr/>
+        <p:nvPr/>
+      </p:nvGrpSpPr>
+      <p:grpSpPr>
+        <a:xfrm>
+          <a:off x="0" y="0"/>
+          <a:ext cx="0" cy="0"/>
+          <a:chOff x="0" y="0"/>
+          <a:chExt cx="0" cy="0"/>
+        </a:xfrm>
+      </p:grpSpPr>
+      <p:sp useBgFill="1">
+        <p:nvSpPr>
+          <p:cNvPr id="3079" name="Rectangle 3078">
+            <a:extLst>
+              <a:ext uri="{FF2B5EF4-FFF2-40B4-BE49-F238E27FC236}">
+                <a16:creationId xmlns:a16="http://schemas.microsoft.com/office/drawing/2014/main" id="{D009D6D5-DAC2-4A8B-A17A-E206B9012D09}"/>
+              </a:ext>
+              <a:ext uri="{C183D7F6-B498-43B3-948B-1728B52AA6E4}">
+                <adec:decorative xmlns:adec="http://schemas.microsoft.com/office/drawing/2017/decorative" val="1"/>
+              </a:ext>
+            </a:extLst>
+          </p:cNvPr>
+          <p:cNvSpPr>
+            <a:spLocks noGrp="1" noRot="1" noChangeAspect="1" noMove="1" noResize="1" noEditPoints="1" noAdjustHandles="1" noChangeArrowheads="1" noChangeShapeType="1" noTextEdit="1"/>
+          </p:cNvSpPr>
+          <p:nvPr>
+            <p:extLst>
+              <p:ext uri="{386F3935-93C4-4BCD-93E2-E3B085C9AB24}">
+                <p16:designElem xmlns:p16="http://schemas.microsoft.com/office/powerpoint/2015/main" val="1"/>
+              </p:ext>
+            </p:extLst>
+          </p:nvPr>
+        </p:nvSpPr>
+        <p:spPr>
+          <a:xfrm>
+            <a:off x="0" y="0"/>
+            <a:ext cx="12188952" cy="6858000"/>
+          </a:xfrm>
+          <a:prstGeom prst="rect">
+            <a:avLst/>
+          </a:prstGeom>
+          <a:ln>
+            <a:noFill/>
+          </a:ln>
+        </p:spPr>
+        <p:style>
+          <a:lnRef idx="2">
+            <a:schemeClr val="accent1">
+              <a:shade val="50000"/>
+            </a:schemeClr>
+          </a:lnRef>
+          <a:fillRef idx="1">
+            <a:schemeClr val="accent1"/>
+          </a:fillRef>
+          <a:effectRef idx="0">
+            <a:schemeClr val="accent1"/>
+          </a:effectRef>
+          <a:fontRef idx="minor">
+            <a:schemeClr val="lt1"/>
+          </a:fontRef>
+        </p:style>
+        <p:txBody>
+          <a:bodyPr rtlCol="0" anchor="ctr"/>
+          <a:lstStyle/>
+          <a:p>
+            <a:pPr algn="ctr"/>
+            <a:endParaRPr lang="en-US"/>
+          </a:p>
+        </p:txBody>
+      </p:sp>
+      <p:sp>
+        <p:nvSpPr>
+          <p:cNvPr id="2" name="Rubrik 1">
+            <a:extLst>
+              <a:ext uri="{FF2B5EF4-FFF2-40B4-BE49-F238E27FC236}">
+                <a16:creationId xmlns:a16="http://schemas.microsoft.com/office/drawing/2014/main" id="{E0CC4C72-5F75-8BBD-CEB9-91FF8949FC93}"/>
+              </a:ext>
+            </a:extLst>
+          </p:cNvPr>
+          <p:cNvSpPr>
+            <a:spLocks noGrp="1"/>
+          </p:cNvSpPr>
+          <p:nvPr>
+            <p:ph type="title"/>
+          </p:nvPr>
+        </p:nvSpPr>
+        <p:spPr>
+          <a:xfrm>
+            <a:off x="838201" y="365125"/>
+            <a:ext cx="5251316" cy="1807305"/>
+          </a:xfrm>
+        </p:spPr>
+        <p:txBody>
+          <a:bodyPr>
+            <a:normAutofit/>
+          </a:bodyPr>
+          <a:lstStyle/>
+          <a:p>
+            <a:r>
+              <a:rPr lang="sv-SE" sz="3700"/>
+              <a:t>.NET </a:t>
+            </a:r>
+            <a:r>
+              <a:rPr lang="sv-SE" sz="3700" err="1"/>
+              <a:t>developers</a:t>
+            </a:r>
+            <a:r>
+              <a:rPr lang="sv-SE" sz="3700"/>
+              <a:t> </a:t>
+            </a:r>
+            <a:r>
+              <a:rPr lang="sv-SE" sz="3700" err="1"/>
+              <a:t>use</a:t>
+            </a:r>
+            <a:r>
+              <a:rPr lang="sv-SE" sz="3700"/>
+              <a:t> </a:t>
+            </a:r>
+            <a:r>
+              <a:rPr lang="sv-SE" sz="3700" err="1"/>
+              <a:t>git</a:t>
+            </a:r>
+            <a:r>
+              <a:rPr lang="sv-SE" sz="3700"/>
+              <a:t> and pipelines. </a:t>
+            </a:r>
+            <a:r>
+              <a:rPr lang="sv-SE" sz="3700" err="1"/>
+              <a:t>Databases</a:t>
+            </a:r>
+            <a:r>
+              <a:rPr lang="sv-SE" sz="3700"/>
+              <a:t> </a:t>
+            </a:r>
+            <a:r>
+              <a:rPr lang="sv-SE" sz="3700" err="1"/>
+              <a:t>are</a:t>
+            </a:r>
+            <a:r>
+              <a:rPr lang="sv-SE" sz="3700"/>
+              <a:t> different, right?</a:t>
+            </a:r>
+          </a:p>
+        </p:txBody>
+      </p:sp>
+      <p:sp>
+        <p:nvSpPr>
+          <p:cNvPr id="3" name="Platshållare för innehåll 2">
+            <a:extLst>
+              <a:ext uri="{FF2B5EF4-FFF2-40B4-BE49-F238E27FC236}">
+                <a16:creationId xmlns:a16="http://schemas.microsoft.com/office/drawing/2014/main" id="{FDDBA883-2636-1608-7418-AEBB3030BEF1}"/>
+              </a:ext>
+            </a:extLst>
+          </p:cNvPr>
+          <p:cNvSpPr>
+            <a:spLocks noGrp="1"/>
+          </p:cNvSpPr>
+          <p:nvPr>
+            <p:ph idx="1"/>
+          </p:nvPr>
+        </p:nvSpPr>
+        <p:spPr>
+          <a:xfrm>
+            <a:off x="838200" y="2333297"/>
+            <a:ext cx="4619621" cy="3843666"/>
+          </a:xfrm>
+        </p:spPr>
+        <p:txBody>
+          <a:bodyPr>
+            <a:normAutofit lnSpcReduction="10000"/>
+          </a:bodyPr>
+          <a:lstStyle/>
+          <a:p>
+            <a:r>
+              <a:rPr lang="sv-SE" sz="2000" dirty="0"/>
+              <a:t>NOOOOOOOOOO</a:t>
+            </a:r>
+          </a:p>
+          <a:p>
+            <a:r>
+              <a:rPr lang="sv-SE" sz="2000" dirty="0"/>
+              <a:t>If </a:t>
+            </a:r>
+            <a:r>
+              <a:rPr lang="sv-SE" sz="2000" dirty="0" err="1"/>
+              <a:t>you</a:t>
+            </a:r>
+            <a:r>
+              <a:rPr lang="sv-SE" sz="2000" dirty="0"/>
+              <a:t> </a:t>
+            </a:r>
+            <a:r>
+              <a:rPr lang="sv-SE" sz="2000" dirty="0" err="1"/>
+              <a:t>write</a:t>
+            </a:r>
+            <a:r>
+              <a:rPr lang="sv-SE" sz="2000" dirty="0"/>
+              <a:t> </a:t>
+            </a:r>
+            <a:r>
+              <a:rPr lang="sv-SE" sz="2000" dirty="0" err="1"/>
+              <a:t>database</a:t>
+            </a:r>
+            <a:r>
+              <a:rPr lang="sv-SE" sz="2000" dirty="0"/>
+              <a:t> </a:t>
+            </a:r>
+            <a:r>
+              <a:rPr lang="sv-SE" sz="2000" dirty="0" err="1"/>
+              <a:t>code</a:t>
+            </a:r>
+            <a:r>
+              <a:rPr lang="sv-SE" sz="2000" dirty="0"/>
+              <a:t>, </a:t>
+            </a:r>
+            <a:r>
+              <a:rPr lang="sv-SE" sz="2000" dirty="0" err="1"/>
+              <a:t>you</a:t>
+            </a:r>
+            <a:r>
+              <a:rPr lang="sv-SE" sz="2000" dirty="0"/>
+              <a:t> </a:t>
+            </a:r>
+            <a:r>
+              <a:rPr lang="sv-SE" sz="2000" dirty="0" err="1"/>
+              <a:t>are</a:t>
+            </a:r>
+            <a:r>
+              <a:rPr lang="sv-SE" sz="2000" dirty="0"/>
+              <a:t> a </a:t>
+            </a:r>
+            <a:r>
+              <a:rPr lang="sv-SE" sz="2000" dirty="0" err="1"/>
+              <a:t>developer</a:t>
+            </a:r>
+            <a:r>
+              <a:rPr lang="sv-SE" sz="2000" dirty="0"/>
+              <a:t>.</a:t>
+            </a:r>
+          </a:p>
+          <a:p>
+            <a:r>
+              <a:rPr lang="sv-SE" sz="2000" dirty="0" err="1"/>
+              <a:t>Code</a:t>
+            </a:r>
+            <a:r>
+              <a:rPr lang="sv-SE" sz="2000" dirty="0"/>
+              <a:t> goes </a:t>
+            </a:r>
+            <a:r>
+              <a:rPr lang="sv-SE" sz="2000" dirty="0" err="1"/>
+              <a:t>into</a:t>
+            </a:r>
+            <a:r>
+              <a:rPr lang="sv-SE" sz="2000" dirty="0"/>
+              <a:t> </a:t>
+            </a:r>
+            <a:r>
+              <a:rPr lang="sv-SE" sz="2000" dirty="0" err="1"/>
+              <a:t>git</a:t>
+            </a:r>
+            <a:r>
+              <a:rPr lang="sv-SE" sz="2000"/>
+              <a:t>.</a:t>
+            </a:r>
+            <a:endParaRPr lang="sv-SE" sz="2000" dirty="0"/>
+          </a:p>
+          <a:p>
+            <a:r>
+              <a:rPr lang="sv-SE" sz="2000" dirty="0"/>
+              <a:t>If </a:t>
+            </a:r>
+            <a:r>
+              <a:rPr lang="sv-SE" sz="2000" dirty="0" err="1"/>
+              <a:t>this</a:t>
+            </a:r>
+            <a:r>
+              <a:rPr lang="sv-SE" sz="2000" dirty="0"/>
+              <a:t> </a:t>
+            </a:r>
+            <a:r>
+              <a:rPr lang="sv-SE" sz="2000" dirty="0" err="1"/>
+              <a:t>database</a:t>
+            </a:r>
+            <a:r>
+              <a:rPr lang="sv-SE" sz="2000" dirty="0"/>
+              <a:t> </a:t>
+            </a:r>
+            <a:r>
+              <a:rPr lang="sv-SE" sz="2000" dirty="0" err="1"/>
+              <a:t>code</a:t>
+            </a:r>
+            <a:r>
+              <a:rPr lang="sv-SE" sz="2000" dirty="0"/>
+              <a:t> </a:t>
+            </a:r>
+            <a:r>
+              <a:rPr lang="sv-SE" sz="2000" dirty="0" err="1"/>
+              <a:t>happens</a:t>
+            </a:r>
+            <a:r>
+              <a:rPr lang="sv-SE" sz="2000" dirty="0"/>
+              <a:t> to be DBA-</a:t>
+            </a:r>
+            <a:r>
+              <a:rPr lang="sv-SE" sz="2000" dirty="0" err="1"/>
+              <a:t>thingamajigs</a:t>
+            </a:r>
+            <a:r>
+              <a:rPr lang="sv-SE" sz="2000" dirty="0"/>
+              <a:t>, IT IS STILL CODE. </a:t>
+            </a:r>
+            <a:r>
+              <a:rPr lang="sv-SE" sz="2000" dirty="0" err="1"/>
+              <a:t>Code</a:t>
+            </a:r>
+            <a:r>
+              <a:rPr lang="sv-SE" sz="2000" dirty="0"/>
+              <a:t> goes </a:t>
+            </a:r>
+            <a:r>
+              <a:rPr lang="sv-SE" sz="2000" dirty="0" err="1"/>
+              <a:t>into</a:t>
+            </a:r>
+            <a:r>
+              <a:rPr lang="sv-SE" sz="2000" dirty="0"/>
+              <a:t> </a:t>
+            </a:r>
+            <a:r>
+              <a:rPr lang="sv-SE" sz="2000" dirty="0" err="1"/>
+              <a:t>git</a:t>
+            </a:r>
+            <a:r>
+              <a:rPr lang="sv-SE" sz="2000" dirty="0"/>
+              <a:t>.</a:t>
+            </a:r>
+          </a:p>
+          <a:p>
+            <a:r>
+              <a:rPr lang="sv-SE" sz="2000" dirty="0"/>
+              <a:t>Or </a:t>
+            </a:r>
+            <a:r>
+              <a:rPr lang="sv-SE" sz="2000" dirty="0" err="1"/>
+              <a:t>svn</a:t>
+            </a:r>
+            <a:r>
+              <a:rPr lang="sv-SE" sz="2000" dirty="0"/>
+              <a:t> or </a:t>
+            </a:r>
+            <a:r>
+              <a:rPr lang="sv-SE" sz="2000" dirty="0" err="1"/>
+              <a:t>whatever</a:t>
+            </a:r>
+            <a:r>
+              <a:rPr lang="sv-SE" sz="2000" dirty="0"/>
+              <a:t> source </a:t>
+            </a:r>
+            <a:r>
+              <a:rPr lang="sv-SE" sz="2000" dirty="0" err="1"/>
+              <a:t>control</a:t>
+            </a:r>
+            <a:r>
+              <a:rPr lang="sv-SE" sz="2000" dirty="0"/>
+              <a:t> system </a:t>
+            </a:r>
+            <a:r>
+              <a:rPr lang="sv-SE" sz="2000" dirty="0" err="1"/>
+              <a:t>you</a:t>
+            </a:r>
+            <a:r>
+              <a:rPr lang="sv-SE" sz="2000" dirty="0"/>
+              <a:t> </a:t>
+            </a:r>
+            <a:r>
+              <a:rPr lang="sv-SE" sz="2000" dirty="0" err="1"/>
+              <a:t>use</a:t>
+            </a:r>
+            <a:r>
+              <a:rPr lang="sv-SE" sz="2000" dirty="0"/>
+              <a:t>. </a:t>
+            </a:r>
+            <a:r>
+              <a:rPr lang="sv-SE" sz="2000" dirty="0" err="1"/>
+              <a:t>Don’t</a:t>
+            </a:r>
+            <a:r>
+              <a:rPr lang="sv-SE" sz="2000" dirty="0"/>
+              <a:t> be </a:t>
+            </a:r>
+            <a:r>
+              <a:rPr lang="sv-SE" sz="2000" dirty="0" err="1"/>
+              <a:t>nosy</a:t>
+            </a:r>
+            <a:r>
+              <a:rPr lang="sv-SE" sz="2000" dirty="0"/>
+              <a:t> </a:t>
+            </a:r>
+            <a:r>
+              <a:rPr lang="sv-SE" sz="2000" dirty="0" err="1"/>
+              <a:t>with</a:t>
+            </a:r>
+            <a:r>
+              <a:rPr lang="sv-SE" sz="2000" dirty="0"/>
+              <a:t> </a:t>
+            </a:r>
+            <a:r>
+              <a:rPr lang="sv-SE" sz="2000" dirty="0" err="1"/>
+              <a:t>me.</a:t>
+            </a:r>
+            <a:endParaRPr lang="sv-SE" sz="2000" dirty="0"/>
+          </a:p>
+          <a:p>
+            <a:r>
+              <a:rPr lang="sv-SE" sz="2000" dirty="0" err="1"/>
+              <a:t>Deploy</a:t>
+            </a:r>
+            <a:r>
+              <a:rPr lang="sv-SE" sz="2000" dirty="0"/>
+              <a:t> </a:t>
+            </a:r>
+            <a:r>
+              <a:rPr lang="sv-SE" sz="2000" dirty="0" err="1"/>
+              <a:t>code</a:t>
+            </a:r>
+            <a:r>
+              <a:rPr lang="sv-SE" sz="2000" dirty="0"/>
+              <a:t> </a:t>
+            </a:r>
+            <a:r>
+              <a:rPr lang="sv-SE" sz="2000" dirty="0" err="1"/>
+              <a:t>using</a:t>
+            </a:r>
+            <a:r>
+              <a:rPr lang="sv-SE" sz="2000" dirty="0"/>
+              <a:t> </a:t>
+            </a:r>
+            <a:r>
+              <a:rPr lang="sv-SE" sz="2000" dirty="0" err="1"/>
+              <a:t>deployment</a:t>
+            </a:r>
+            <a:r>
+              <a:rPr lang="sv-SE" sz="2000" dirty="0"/>
+              <a:t> </a:t>
+            </a:r>
+            <a:r>
+              <a:rPr lang="sv-SE" sz="2000" dirty="0" err="1"/>
+              <a:t>tools</a:t>
+            </a:r>
+            <a:r>
+              <a:rPr lang="sv-SE" sz="2000" dirty="0"/>
+              <a:t>. </a:t>
+            </a:r>
+            <a:r>
+              <a:rPr lang="sv-SE" sz="2000" dirty="0" err="1"/>
+              <a:t>Database</a:t>
+            </a:r>
+            <a:r>
+              <a:rPr lang="sv-SE" sz="2000" dirty="0"/>
+              <a:t> </a:t>
+            </a:r>
+            <a:r>
+              <a:rPr lang="sv-SE" sz="2000" dirty="0" err="1"/>
+              <a:t>code</a:t>
+            </a:r>
+            <a:r>
+              <a:rPr lang="sv-SE" sz="2000" dirty="0"/>
+              <a:t> </a:t>
+            </a:r>
+            <a:r>
+              <a:rPr lang="sv-SE" sz="2000" dirty="0" err="1"/>
+              <a:t>too</a:t>
+            </a:r>
+            <a:r>
+              <a:rPr lang="sv-SE" sz="2000" dirty="0"/>
+              <a:t>.</a:t>
+            </a:r>
+          </a:p>
+        </p:txBody>
+      </p:sp>
+      <p:pic>
+        <p:nvPicPr>
+          <p:cNvPr id="3074" name="Picture 2" descr="an overworked DBA deploying directly to production">
+            <a:extLst>
+              <a:ext uri="{FF2B5EF4-FFF2-40B4-BE49-F238E27FC236}">
+                <a16:creationId xmlns:a16="http://schemas.microsoft.com/office/drawing/2014/main" id="{9125AC9A-34F2-3A6D-8FFB-EDD2D7D5A159}"/>
+              </a:ext>
+            </a:extLst>
+          </p:cNvPr>
+          <p:cNvPicPr>
+            <a:picLocks noChangeAspect="1" noChangeArrowheads="1"/>
+          </p:cNvPicPr>
+          <p:nvPr/>
+        </p:nvPicPr>
+        <p:blipFill rotWithShape="1">
+          <a:blip r:embed="rId2">
+            <a:extLst>
+              <a:ext uri="{28A0092B-C50C-407E-A947-70E740481C1C}">
+                <a14:useLocalDpi xmlns:a14="http://schemas.microsoft.com/office/drawing/2010/main" val="0"/>
+              </a:ext>
+            </a:extLst>
+          </a:blip>
+          <a:srcRect r="13054"/>
+          <a:stretch/>
+        </p:blipFill>
+        <p:spPr bwMode="auto">
+          <a:xfrm>
+            <a:off x="6229215" y="10"/>
+            <a:ext cx="5962785" cy="6857990"/>
+          </a:xfrm>
+          <a:custGeom>
+            <a:avLst/>
+            <a:gdLst/>
+            <a:ahLst/>
+            <a:cxnLst/>
+            <a:rect l="l" t="t" r="r" b="b"/>
+            <a:pathLst>
+              <a:path w="5962785" h="6858000">
+                <a:moveTo>
+                  <a:pt x="1044839" y="0"/>
+                </a:moveTo>
+                <a:lnTo>
+                  <a:pt x="5962785" y="0"/>
+                </a:lnTo>
+                <a:lnTo>
+                  <a:pt x="5962785" y="6858000"/>
+                </a:lnTo>
+                <a:lnTo>
+                  <a:pt x="1469886" y="6858000"/>
+                </a:lnTo>
+                <a:lnTo>
+                  <a:pt x="1416006" y="6823984"/>
+                </a:lnTo>
+                <a:cubicBezTo>
+                  <a:pt x="1356767" y="6787940"/>
+                  <a:pt x="1296437" y="6755500"/>
+                  <a:pt x="1232473" y="6733873"/>
+                </a:cubicBezTo>
+                <a:cubicBezTo>
+                  <a:pt x="1145250" y="6705037"/>
+                  <a:pt x="1060933" y="6654575"/>
+                  <a:pt x="1075471" y="6503186"/>
+                </a:cubicBezTo>
+                <a:cubicBezTo>
+                  <a:pt x="1078378" y="6459932"/>
+                  <a:pt x="1055118" y="6427493"/>
+                  <a:pt x="1020229" y="6438306"/>
+                </a:cubicBezTo>
+                <a:cubicBezTo>
+                  <a:pt x="953358" y="6459932"/>
+                  <a:pt x="921375" y="6398656"/>
+                  <a:pt x="883579" y="6351798"/>
+                </a:cubicBezTo>
+                <a:cubicBezTo>
+                  <a:pt x="816707" y="6268895"/>
+                  <a:pt x="752743" y="6182387"/>
+                  <a:pt x="645167" y="6167969"/>
+                </a:cubicBezTo>
+                <a:cubicBezTo>
+                  <a:pt x="665519" y="6103088"/>
+                  <a:pt x="700408" y="6110298"/>
+                  <a:pt x="732391" y="6124716"/>
+                </a:cubicBezTo>
+                <a:cubicBezTo>
+                  <a:pt x="816707" y="6160761"/>
+                  <a:pt x="901023" y="6200410"/>
+                  <a:pt x="985339" y="6236455"/>
+                </a:cubicBezTo>
+                <a:cubicBezTo>
+                  <a:pt x="1040581" y="6258081"/>
+                  <a:pt x="1095822" y="6290522"/>
+                  <a:pt x="1168509" y="6265291"/>
+                </a:cubicBezTo>
+                <a:cubicBezTo>
+                  <a:pt x="1104545" y="6135530"/>
+                  <a:pt x="996969" y="6110298"/>
+                  <a:pt x="909746" y="6070649"/>
+                </a:cubicBezTo>
+                <a:cubicBezTo>
+                  <a:pt x="802169" y="6020185"/>
+                  <a:pt x="738206" y="5926470"/>
+                  <a:pt x="659704" y="5818335"/>
+                </a:cubicBezTo>
+                <a:cubicBezTo>
+                  <a:pt x="738206" y="5789500"/>
+                  <a:pt x="787632" y="5868798"/>
+                  <a:pt x="851597" y="5865193"/>
+                </a:cubicBezTo>
+                <a:cubicBezTo>
+                  <a:pt x="854504" y="5854380"/>
+                  <a:pt x="860319" y="5832753"/>
+                  <a:pt x="860319" y="5832753"/>
+                </a:cubicBezTo>
+                <a:cubicBezTo>
+                  <a:pt x="755650" y="5775081"/>
+                  <a:pt x="709132" y="5666947"/>
+                  <a:pt x="691686" y="5533581"/>
+                </a:cubicBezTo>
+                <a:cubicBezTo>
+                  <a:pt x="685872" y="5465095"/>
+                  <a:pt x="648075" y="5443468"/>
+                  <a:pt x="610278" y="5411029"/>
+                </a:cubicBezTo>
+                <a:cubicBezTo>
+                  <a:pt x="482350" y="5299289"/>
+                  <a:pt x="345700" y="5198364"/>
+                  <a:pt x="238123" y="5046976"/>
+                </a:cubicBezTo>
+                <a:cubicBezTo>
+                  <a:pt x="363144" y="5064998"/>
+                  <a:pt x="461997" y="5165924"/>
+                  <a:pt x="592833" y="5209177"/>
+                </a:cubicBezTo>
+                <a:cubicBezTo>
+                  <a:pt x="488165" y="5043371"/>
+                  <a:pt x="351514" y="4956864"/>
+                  <a:pt x="226494" y="4855939"/>
+                </a:cubicBezTo>
+                <a:cubicBezTo>
+                  <a:pt x="168344" y="4809081"/>
+                  <a:pt x="116011" y="4751408"/>
+                  <a:pt x="49139" y="4726177"/>
+                </a:cubicBezTo>
+                <a:cubicBezTo>
+                  <a:pt x="25879" y="4718968"/>
+                  <a:pt x="-14825" y="4700947"/>
+                  <a:pt x="5527" y="4650483"/>
+                </a:cubicBezTo>
+                <a:cubicBezTo>
+                  <a:pt x="22972" y="4607230"/>
+                  <a:pt x="54954" y="4621648"/>
+                  <a:pt x="84029" y="4632460"/>
+                </a:cubicBezTo>
+                <a:cubicBezTo>
+                  <a:pt x="153807" y="4661296"/>
+                  <a:pt x="229401" y="4661296"/>
+                  <a:pt x="325347" y="4661296"/>
+                </a:cubicBezTo>
+                <a:cubicBezTo>
+                  <a:pt x="243939" y="4524326"/>
+                  <a:pt x="95658" y="4567580"/>
+                  <a:pt x="25879" y="4423401"/>
+                </a:cubicBezTo>
+                <a:cubicBezTo>
+                  <a:pt x="113103" y="4398170"/>
+                  <a:pt x="179975" y="4448632"/>
+                  <a:pt x="249753" y="4459446"/>
+                </a:cubicBezTo>
+                <a:cubicBezTo>
+                  <a:pt x="313718" y="4470259"/>
+                  <a:pt x="328254" y="4445028"/>
+                  <a:pt x="313718" y="4365729"/>
+                </a:cubicBezTo>
+                <a:cubicBezTo>
+                  <a:pt x="290458" y="4243177"/>
+                  <a:pt x="325347" y="4181900"/>
+                  <a:pt x="418386" y="4214341"/>
+                </a:cubicBezTo>
+                <a:cubicBezTo>
+                  <a:pt x="505609" y="4246781"/>
+                  <a:pt x="514332" y="4199922"/>
+                  <a:pt x="491072" y="4131438"/>
+                </a:cubicBezTo>
+                <a:cubicBezTo>
+                  <a:pt x="456183" y="4030512"/>
+                  <a:pt x="493979" y="3951214"/>
+                  <a:pt x="520147" y="3864706"/>
+                </a:cubicBezTo>
+                <a:cubicBezTo>
+                  <a:pt x="560851" y="3734945"/>
+                  <a:pt x="543407" y="3670064"/>
+                  <a:pt x="459090" y="3572743"/>
+                </a:cubicBezTo>
+                <a:cubicBezTo>
+                  <a:pt x="409664" y="3518676"/>
+                  <a:pt x="360236" y="3471818"/>
+                  <a:pt x="290458" y="3424959"/>
+                </a:cubicBezTo>
+                <a:cubicBezTo>
+                  <a:pt x="450368" y="3399728"/>
+                  <a:pt x="284643" y="3313221"/>
+                  <a:pt x="339884" y="3259153"/>
+                </a:cubicBezTo>
+                <a:cubicBezTo>
+                  <a:pt x="453275" y="3237527"/>
+                  <a:pt x="543407" y="3410542"/>
+                  <a:pt x="697501" y="3360078"/>
+                </a:cubicBezTo>
+                <a:cubicBezTo>
+                  <a:pt x="511425" y="3212294"/>
+                  <a:pt x="302087" y="3165436"/>
+                  <a:pt x="165437" y="2967190"/>
+                </a:cubicBezTo>
+                <a:cubicBezTo>
+                  <a:pt x="197419" y="2923937"/>
+                  <a:pt x="229401" y="2967190"/>
+                  <a:pt x="255568" y="2949167"/>
+                </a:cubicBezTo>
+                <a:cubicBezTo>
+                  <a:pt x="255568" y="2938354"/>
+                  <a:pt x="560851" y="3006840"/>
+                  <a:pt x="578296" y="2725691"/>
+                </a:cubicBezTo>
+                <a:cubicBezTo>
+                  <a:pt x="584111" y="2725691"/>
+                  <a:pt x="589926" y="2725691"/>
+                  <a:pt x="595740" y="2714876"/>
+                </a:cubicBezTo>
+                <a:cubicBezTo>
+                  <a:pt x="627722" y="2675228"/>
+                  <a:pt x="598648" y="2581510"/>
+                  <a:pt x="650982" y="2574301"/>
+                </a:cubicBezTo>
+                <a:cubicBezTo>
+                  <a:pt x="709132" y="2567092"/>
+                  <a:pt x="764373" y="2534653"/>
+                  <a:pt x="825429" y="2552674"/>
+                </a:cubicBezTo>
+                <a:cubicBezTo>
+                  <a:pt x="871949" y="2567092"/>
+                  <a:pt x="921375" y="2585115"/>
+                  <a:pt x="970802" y="2585115"/>
+                </a:cubicBezTo>
+                <a:cubicBezTo>
+                  <a:pt x="1023136" y="2585115"/>
+                  <a:pt x="1095822" y="2707668"/>
+                  <a:pt x="1127805" y="2545465"/>
+                </a:cubicBezTo>
+                <a:cubicBezTo>
+                  <a:pt x="1127805" y="2538257"/>
+                  <a:pt x="1217936" y="2556280"/>
+                  <a:pt x="1267362" y="2563488"/>
+                </a:cubicBezTo>
+                <a:cubicBezTo>
+                  <a:pt x="1308067" y="2570698"/>
+                  <a:pt x="1357494" y="2603137"/>
+                  <a:pt x="1386568" y="2538257"/>
+                </a:cubicBezTo>
+                <a:cubicBezTo>
+                  <a:pt x="1401105" y="2498607"/>
+                  <a:pt x="1331326" y="2426518"/>
+                  <a:pt x="1270270" y="2419309"/>
+                </a:cubicBezTo>
+                <a:cubicBezTo>
+                  <a:pt x="1215029" y="2412101"/>
+                  <a:pt x="1159787" y="2404892"/>
+                  <a:pt x="1107453" y="2419309"/>
+                </a:cubicBezTo>
+                <a:cubicBezTo>
+                  <a:pt x="1043489" y="2437331"/>
+                  <a:pt x="1008599" y="2408495"/>
+                  <a:pt x="991154" y="2343615"/>
+                </a:cubicBezTo>
+                <a:cubicBezTo>
+                  <a:pt x="970802" y="2275131"/>
+                  <a:pt x="933005" y="2239085"/>
+                  <a:pt x="880671" y="2206645"/>
+                </a:cubicBezTo>
+                <a:cubicBezTo>
+                  <a:pt x="752743" y="2127346"/>
+                  <a:pt x="630630" y="2033629"/>
+                  <a:pt x="491072" y="1986771"/>
+                </a:cubicBezTo>
+                <a:cubicBezTo>
+                  <a:pt x="464905" y="1979562"/>
+                  <a:pt x="432923" y="1965145"/>
+                  <a:pt x="421293" y="1903868"/>
+                </a:cubicBezTo>
+                <a:cubicBezTo>
+                  <a:pt x="799262" y="1997584"/>
+                  <a:pt x="1142342" y="2239085"/>
+                  <a:pt x="1531941" y="2224667"/>
+                </a:cubicBezTo>
+                <a:cubicBezTo>
+                  <a:pt x="1427272" y="2148974"/>
+                  <a:pt x="1302252" y="2145369"/>
+                  <a:pt x="1188861" y="2091301"/>
+                </a:cubicBezTo>
+                <a:cubicBezTo>
+                  <a:pt x="1270270" y="2051652"/>
+                  <a:pt x="1345864" y="2094906"/>
+                  <a:pt x="1421458" y="2116532"/>
+                </a:cubicBezTo>
+                <a:cubicBezTo>
+                  <a:pt x="1485422" y="2134554"/>
+                  <a:pt x="1543571" y="2138160"/>
+                  <a:pt x="1549386" y="2026420"/>
+                </a:cubicBezTo>
+                <a:cubicBezTo>
+                  <a:pt x="1549386" y="2015607"/>
+                  <a:pt x="1549386" y="2008398"/>
+                  <a:pt x="1549386" y="1997584"/>
+                </a:cubicBezTo>
+                <a:cubicBezTo>
+                  <a:pt x="1526126" y="1950727"/>
+                  <a:pt x="1494144" y="1929099"/>
+                  <a:pt x="1453440" y="1914682"/>
+                </a:cubicBezTo>
+                <a:cubicBezTo>
+                  <a:pt x="1430180" y="1907473"/>
+                  <a:pt x="1398198" y="1893056"/>
+                  <a:pt x="1398198" y="1860614"/>
+                </a:cubicBezTo>
+                <a:cubicBezTo>
+                  <a:pt x="1401105" y="1738063"/>
+                  <a:pt x="1322604" y="1702018"/>
+                  <a:pt x="1247011" y="1665972"/>
+                </a:cubicBezTo>
+                <a:cubicBezTo>
+                  <a:pt x="1287715" y="1604696"/>
+                  <a:pt x="1322604" y="1647950"/>
+                  <a:pt x="1354586" y="1644345"/>
+                </a:cubicBezTo>
+                <a:cubicBezTo>
+                  <a:pt x="1374939" y="1640741"/>
+                  <a:pt x="1395290" y="1637138"/>
+                  <a:pt x="1395290" y="1604696"/>
+                </a:cubicBezTo>
+                <a:cubicBezTo>
+                  <a:pt x="1395290" y="1579465"/>
+                  <a:pt x="1386568" y="1547025"/>
+                  <a:pt x="1366216" y="1547025"/>
+                </a:cubicBezTo>
+                <a:cubicBezTo>
+                  <a:pt x="1238288" y="1543420"/>
+                  <a:pt x="1165601" y="1370405"/>
+                  <a:pt x="1031858" y="1370405"/>
+                </a:cubicBezTo>
+                <a:cubicBezTo>
+                  <a:pt x="950450" y="1370405"/>
+                  <a:pt x="1072563" y="1273083"/>
+                  <a:pt x="1005692" y="1233435"/>
+                </a:cubicBezTo>
+                <a:cubicBezTo>
+                  <a:pt x="991154" y="1222621"/>
+                  <a:pt x="1046396" y="1208203"/>
+                  <a:pt x="1069655" y="1211808"/>
+                </a:cubicBezTo>
+                <a:cubicBezTo>
+                  <a:pt x="1092915" y="1215412"/>
+                  <a:pt x="1113268" y="1240644"/>
+                  <a:pt x="1142342" y="1222621"/>
+                </a:cubicBezTo>
+                <a:cubicBezTo>
+                  <a:pt x="1156879" y="1157741"/>
+                  <a:pt x="1119082" y="1132510"/>
+                  <a:pt x="1084193" y="1114487"/>
+                </a:cubicBezTo>
+                <a:cubicBezTo>
+                  <a:pt x="1008599" y="1071234"/>
+                  <a:pt x="933005" y="1020771"/>
+                  <a:pt x="848689" y="1006353"/>
+                </a:cubicBezTo>
+                <a:cubicBezTo>
+                  <a:pt x="819615" y="1002748"/>
+                  <a:pt x="802169" y="984726"/>
+                  <a:pt x="805077" y="948681"/>
+                </a:cubicBezTo>
+                <a:cubicBezTo>
+                  <a:pt x="810892" y="901822"/>
+                  <a:pt x="839967" y="916240"/>
+                  <a:pt x="863226" y="919844"/>
+                </a:cubicBezTo>
+                <a:cubicBezTo>
+                  <a:pt x="877764" y="923450"/>
+                  <a:pt x="892301" y="934263"/>
+                  <a:pt x="906838" y="909031"/>
+                </a:cubicBezTo>
+                <a:cubicBezTo>
+                  <a:pt x="566666" y="653113"/>
+                  <a:pt x="386404" y="667532"/>
+                  <a:pt x="5527" y="458471"/>
+                </a:cubicBezTo>
+                <a:cubicBezTo>
+                  <a:pt x="89843" y="418822"/>
+                  <a:pt x="150900" y="447658"/>
+                  <a:pt x="209049" y="454867"/>
+                </a:cubicBezTo>
+                <a:cubicBezTo>
+                  <a:pt x="354422" y="472890"/>
+                  <a:pt x="264290" y="505329"/>
+                  <a:pt x="409664" y="526956"/>
+                </a:cubicBezTo>
+                <a:cubicBezTo>
+                  <a:pt x="479443" y="537770"/>
+                  <a:pt x="543407" y="573815"/>
+                  <a:pt x="621908" y="516143"/>
+                </a:cubicBezTo>
+                <a:cubicBezTo>
+                  <a:pt x="674242" y="476494"/>
+                  <a:pt x="758558" y="519747"/>
+                  <a:pt x="822522" y="552188"/>
+                </a:cubicBezTo>
+                <a:cubicBezTo>
+                  <a:pt x="874856" y="581024"/>
+                  <a:pt x="927190" y="588232"/>
+                  <a:pt x="996969" y="552188"/>
+                </a:cubicBezTo>
+                <a:cubicBezTo>
+                  <a:pt x="933005" y="530562"/>
+                  <a:pt x="883579" y="512539"/>
+                  <a:pt x="834151" y="498120"/>
+                </a:cubicBezTo>
+                <a:cubicBezTo>
+                  <a:pt x="793447" y="487307"/>
+                  <a:pt x="770187" y="462076"/>
+                  <a:pt x="773095" y="408008"/>
+                </a:cubicBezTo>
+                <a:cubicBezTo>
+                  <a:pt x="773095" y="379172"/>
+                  <a:pt x="764373" y="339523"/>
+                  <a:pt x="793447" y="325106"/>
+                </a:cubicBezTo>
+                <a:cubicBezTo>
+                  <a:pt x="816707" y="310688"/>
+                  <a:pt x="848689" y="325106"/>
+                  <a:pt x="860319" y="350336"/>
+                </a:cubicBezTo>
+                <a:cubicBezTo>
+                  <a:pt x="874856" y="397195"/>
+                  <a:pt x="889393" y="440449"/>
+                  <a:pt x="938820" y="444054"/>
+                </a:cubicBezTo>
+                <a:cubicBezTo>
+                  <a:pt x="1005692" y="451262"/>
+                  <a:pt x="967894" y="422426"/>
+                  <a:pt x="956265" y="386381"/>
+                </a:cubicBezTo>
+                <a:cubicBezTo>
+                  <a:pt x="944635" y="346733"/>
+                  <a:pt x="979525" y="335919"/>
+                  <a:pt x="1002784" y="343127"/>
+                </a:cubicBezTo>
+                <a:cubicBezTo>
+                  <a:pt x="1090008" y="375569"/>
+                  <a:pt x="1180139" y="317897"/>
+                  <a:pt x="1270270" y="364755"/>
+                </a:cubicBezTo>
+                <a:cubicBezTo>
+                  <a:pt x="1247011" y="249411"/>
+                  <a:pt x="1197583" y="198949"/>
+                  <a:pt x="1092915" y="180926"/>
+                </a:cubicBezTo>
+                <a:cubicBezTo>
+                  <a:pt x="1055118" y="177322"/>
+                  <a:pt x="1014414" y="184530"/>
+                  <a:pt x="979525" y="152090"/>
+                </a:cubicBezTo>
+                <a:cubicBezTo>
+                  <a:pt x="959172" y="134068"/>
+                  <a:pt x="938820" y="112441"/>
+                  <a:pt x="953358" y="76396"/>
+                </a:cubicBezTo>
+                <a:cubicBezTo>
+                  <a:pt x="962080" y="51165"/>
+                  <a:pt x="985339" y="51165"/>
+                  <a:pt x="1005692" y="58373"/>
+                </a:cubicBezTo>
+                <a:cubicBezTo>
+                  <a:pt x="1090008" y="98023"/>
+                  <a:pt x="1180139" y="108837"/>
+                  <a:pt x="1267362" y="123254"/>
+                </a:cubicBezTo>
+                <a:cubicBezTo>
+                  <a:pt x="1281900" y="126859"/>
+                  <a:pt x="1296437" y="134068"/>
+                  <a:pt x="1310975" y="98023"/>
+                </a:cubicBezTo>
+                <a:cubicBezTo>
+                  <a:pt x="1260095" y="81803"/>
+                  <a:pt x="1209941" y="62879"/>
+                  <a:pt x="1159787" y="43505"/>
+                </a:cubicBezTo>
+                <a:close/>
+              </a:path>
+            </a:pathLst>
+          </a:custGeom>
+          <a:noFill/>
+          <a:extLst>
+            <a:ext uri="{909E8E84-426E-40DD-AFC4-6F175D3DCCD1}">
+              <a14:hiddenFill xmlns:a14="http://schemas.microsoft.com/office/drawing/2010/main">
+                <a:solidFill>
+                  <a:srgbClr val="FFFFFF"/>
+                </a:solidFill>
+              </a14:hiddenFill>
+            </a:ext>
+          </a:extLst>
+        </p:spPr>
+      </p:pic>
+    </p:spTree>
+    <p:extLst>
+      <p:ext uri="{BB962C8B-B14F-4D97-AF65-F5344CB8AC3E}">
+        <p14:creationId xmlns:p14="http://schemas.microsoft.com/office/powerpoint/2010/main" val="359683542"/>
+      </p:ext>
+    </p:extLst>
+  </p:cSld>
+  <p:clrMapOvr>
+    <a:masterClrMapping/>
+  </p:clrMapOvr>
+  <p:timing>
+    <p:tnLst>
+      <p:par>
+        <p:cTn id="1" dur="indefinite" restart="never" nodeType="tmRoot">
+          <p:childTnLst>
+            <p:seq concurrent="1" nextAc="seek">
+              <p:cTn id="2" dur="indefinite" nodeType="mainSeq">
+                <p:childTnLst>
+                  <p:par>
+                    <p:cTn id="3" fill="hold">
+                      <p:stCondLst>
+                        <p:cond delay="indefinite"/>
+                      </p:stCondLst>
+                      <p:childTnLst>
+                        <p:par>
+                          <p:cTn id="4" fill="hold">
+                            <p:stCondLst>
+                              <p:cond delay="0"/>
+                            </p:stCondLst>
+                            <p:childTnLst>
+                              <p:par>
+                                <p:cTn id="5" presetID="1" presetClass="entr" presetSubtype="0" fill="hold" grpId="0" nodeType="clickEffect">
+                                  <p:stCondLst>
+                                    <p:cond delay="0"/>
+                                  </p:stCondLst>
+                                  <p:childTnLst>
+                                    <p:set>
+                                      <p:cBhvr>
+                                        <p:cTn id="6" dur="1" fill="hold">
+                                          <p:stCondLst>
+                                            <p:cond delay="0"/>
+                                          </p:stCondLst>
+                                        </p:cTn>
+                                        <p:tgtEl>
+                                          <p:spTgt spid="3">
+                                            <p:txEl>
+                                              <p:pRg st="0" end="0"/>
+                                            </p:txEl>
+                                          </p:spTgt>
+                                        </p:tgtEl>
+                                        <p:attrNameLst>
+                                          <p:attrName>style.visibility</p:attrName>
+                                        </p:attrNameLst>
+                                      </p:cBhvr>
+                                      <p:to>
+                                        <p:strVal val="visible"/>
+                                      </p:to>
+                                    </p:set>
+                                  </p:childTnLst>
+                                </p:cTn>
+                              </p:par>
+                            </p:childTnLst>
+                          </p:cTn>
+                        </p:par>
+                      </p:childTnLst>
+                    </p:cTn>
+                  </p:par>
+                  <p:par>
+                    <p:cTn id="7" fill="hold">
+                      <p:stCondLst>
+                        <p:cond delay="indefinite"/>
+                      </p:stCondLst>
+                      <p:childTnLst>
+                        <p:par>
+                          <p:cTn id="8" fill="hold">
+                            <p:stCondLst>
+                              <p:cond delay="0"/>
+                            </p:stCondLst>
+                            <p:childTnLst>
+                              <p:par>
+                                <p:cTn id="9" presetID="1" presetClass="entr" presetSubtype="0" fill="hold" grpId="0" nodeType="clickEffect">
+                                  <p:stCondLst>
+                                    <p:cond delay="0"/>
+                                  </p:stCondLst>
+                                  <p:childTnLst>
+                                    <p:set>
+                                      <p:cBhvr>
+                                        <p:cTn id="10" dur="1" fill="hold">
+                                          <p:stCondLst>
+                                            <p:cond delay="0"/>
+                                          </p:stCondLst>
+                                        </p:cTn>
+                                        <p:tgtEl>
+                                          <p:spTgt spid="3">
+                                            <p:txEl>
+                                              <p:pRg st="1" end="1"/>
+                                            </p:txEl>
+                                          </p:spTgt>
+                                        </p:tgtEl>
+                                        <p:attrNameLst>
+                                          <p:attrName>style.visibility</p:attrName>
+                                        </p:attrNameLst>
+                                      </p:cBhvr>
+                                      <p:to>
+                                        <p:strVal val="visible"/>
+                                      </p:to>
+                                    </p:set>
+                                  </p:childTnLst>
+                                </p:cTn>
+                              </p:par>
+                            </p:childTnLst>
+                          </p:cTn>
+                        </p:par>
+                      </p:childTnLst>
+                    </p:cTn>
+                  </p:par>
+                  <p:par>
+                    <p:cTn id="11" fill="hold">
+                      <p:stCondLst>
+                        <p:cond delay="indefinite"/>
+                      </p:stCondLst>
+                      <p:childTnLst>
+                        <p:par>
+                          <p:cTn id="12" fill="hold">
+                            <p:stCondLst>
+                              <p:cond delay="0"/>
+                            </p:stCondLst>
+                            <p:childTnLst>
+                              <p:par>
+                                <p:cTn id="13" presetID="1" presetClass="entr" presetSubtype="0" fill="hold" grpId="0" nodeType="clickEffect">
+                                  <p:stCondLst>
+                                    <p:cond delay="0"/>
+                                  </p:stCondLst>
+                                  <p:childTnLst>
+                                    <p:set>
+                                      <p:cBhvr>
+                                        <p:cTn id="14" dur="1" fill="hold">
+                                          <p:stCondLst>
+                                            <p:cond delay="0"/>
+                                          </p:stCondLst>
+                                        </p:cTn>
+                                        <p:tgtEl>
+                                          <p:spTgt spid="3">
+                                            <p:txEl>
+                                              <p:pRg st="2" end="2"/>
+                                            </p:txEl>
+                                          </p:spTgt>
+                                        </p:tgtEl>
+                                        <p:attrNameLst>
+                                          <p:attrName>style.visibility</p:attrName>
+                                        </p:attrNameLst>
+                                      </p:cBhvr>
+                                      <p:to>
+                                        <p:strVal val="visible"/>
+                                      </p:to>
+                                    </p:set>
+                                  </p:childTnLst>
+                                </p:cTn>
+                              </p:par>
+                            </p:childTnLst>
+                          </p:cTn>
+                        </p:par>
+                      </p:childTnLst>
+                    </p:cTn>
+                  </p:par>
+                  <p:par>
+                    <p:cTn id="15" fill="hold">
+                      <p:stCondLst>
+                        <p:cond delay="indefinite"/>
+                      </p:stCondLst>
+                      <p:childTnLst>
+                        <p:par>
+                          <p:cTn id="16" fill="hold">
+                            <p:stCondLst>
+                              <p:cond delay="0"/>
+                            </p:stCondLst>
+                            <p:childTnLst>
+                              <p:par>
+                                <p:cTn id="17" presetID="1" presetClass="entr" presetSubtype="0" fill="hold" grpId="0" nodeType="clickEffect">
+                                  <p:stCondLst>
+                                    <p:cond delay="0"/>
+                                  </p:stCondLst>
+                                  <p:childTnLst>
+                                    <p:set>
+                                      <p:cBhvr>
+                                        <p:cTn id="18" dur="1" fill="hold">
+                                          <p:stCondLst>
+                                            <p:cond delay="0"/>
+                                          </p:stCondLst>
+                                        </p:cTn>
+                                        <p:tgtEl>
+                                          <p:spTgt spid="3">
+                                            <p:txEl>
+                                              <p:pRg st="3" end="3"/>
+                                            </p:txEl>
+                                          </p:spTgt>
+                                        </p:tgtEl>
+                                        <p:attrNameLst>
+                                          <p:attrName>style.visibility</p:attrName>
+                                        </p:attrNameLst>
+                                      </p:cBhvr>
+                                      <p:to>
+                                        <p:strVal val="visible"/>
+                                      </p:to>
+                                    </p:set>
+                                  </p:childTnLst>
+                                </p:cTn>
+                              </p:par>
+                            </p:childTnLst>
+                          </p:cTn>
+                        </p:par>
+                      </p:childTnLst>
+                    </p:cTn>
+                  </p:par>
+                  <p:par>
+                    <p:cTn id="19" fill="hold">
+                      <p:stCondLst>
+                        <p:cond delay="indefinite"/>
+                      </p:stCondLst>
+                      <p:childTnLst>
+                        <p:par>
+                          <p:cTn id="20" fill="hold">
+                            <p:stCondLst>
+                              <p:cond delay="0"/>
+                            </p:stCondLst>
+                            <p:childTnLst>
+                              <p:par>
+                                <p:cTn id="21" presetID="1" presetClass="entr" presetSubtype="0" fill="hold" grpId="0" nodeType="clickEffect">
+                                  <p:stCondLst>
+                                    <p:cond delay="0"/>
+                                  </p:stCondLst>
+                                  <p:childTnLst>
+                                    <p:set>
+                                      <p:cBhvr>
+                                        <p:cTn id="22" dur="1" fill="hold">
+                                          <p:stCondLst>
+                                            <p:cond delay="0"/>
+                                          </p:stCondLst>
+                                        </p:cTn>
+                                        <p:tgtEl>
+                                          <p:spTgt spid="3">
+                                            <p:txEl>
+                                              <p:pRg st="4" end="4"/>
+                                            </p:txEl>
+                                          </p:spTgt>
+                                        </p:tgtEl>
+                                        <p:attrNameLst>
+                                          <p:attrName>style.visibility</p:attrName>
+                                        </p:attrNameLst>
+                                      </p:cBhvr>
+                                      <p:to>
+                                        <p:strVal val="visible"/>
+                                      </p:to>
+                                    </p:set>
+                                  </p:childTnLst>
+                                </p:cTn>
+                              </p:par>
+                            </p:childTnLst>
+                          </p:cTn>
+                        </p:par>
+                      </p:childTnLst>
+                    </p:cTn>
+                  </p:par>
+                  <p:par>
+                    <p:cTn id="23" fill="hold">
+                      <p:stCondLst>
+                        <p:cond delay="indefinite"/>
+                      </p:stCondLst>
+                      <p:childTnLst>
+                        <p:par>
+                          <p:cTn id="24" fill="hold">
+                            <p:stCondLst>
+                              <p:cond delay="0"/>
+                            </p:stCondLst>
+                            <p:childTnLst>
+                              <p:par>
+                                <p:cTn id="25" presetID="1" presetClass="entr" presetSubtype="0" fill="hold" grpId="0" nodeType="clickEffect">
+                                  <p:stCondLst>
+                                    <p:cond delay="0"/>
+                                  </p:stCondLst>
+                                  <p:childTnLst>
+                                    <p:set>
+                                      <p:cBhvr>
+                                        <p:cTn id="26" dur="1" fill="hold">
+                                          <p:stCondLst>
+                                            <p:cond delay="0"/>
+                                          </p:stCondLst>
+                                        </p:cTn>
+                                        <p:tgtEl>
+                                          <p:spTgt spid="3">
+                                            <p:txEl>
+                                              <p:pRg st="5" end="5"/>
+                                            </p:txEl>
+                                          </p:spTgt>
+                                        </p:tgtEl>
+                                        <p:attrNameLst>
+                                          <p:attrName>style.visibility</p:attrName>
+                                        </p:attrNameLst>
+                                      </p:cBhvr>
+                                      <p:to>
+                                        <p:strVal val="visible"/>
+                                      </p:to>
+                                    </p:set>
+                                  </p:childTnLst>
+                                </p:cTn>
+                              </p:par>
+                            </p:childTnLst>
+                          </p:cTn>
+                        </p:par>
+                      </p:childTnLst>
+                    </p:cTn>
+                  </p:par>
+                </p:childTnLst>
+              </p:cTn>
+              <p:prevCondLst>
+                <p:cond evt="onPrev" delay="0">
+                  <p:tgtEl>
+                    <p:sldTgt/>
+                  </p:tgtEl>
+                </p:cond>
+              </p:prevCondLst>
+              <p:nextCondLst>
+                <p:cond evt="onNext" delay="0">
+                  <p:tgtEl>
+                    <p:sldTgt/>
+                  </p:tgtEl>
+                </p:cond>
+              </p:nextCondLst>
+            </p:seq>
+          </p:childTnLst>
+        </p:cTn>
+      </p:par>
+    </p:tnLst>
+    <p:bldLst>
+      <p:bldP spid="3" grpId="0" build="p"/>
+    </p:bldLst>
+  </p:timing>
+</p:sld>
+</file>
+
+<file path=ppt/slides/slide12.xml><?xml version="1.0" encoding="utf-8"?>
+<p:sld xmlns:a="http://schemas.openxmlformats.org/drawingml/2006/main" xmlns:r="http://schemas.openxmlformats.org/officeDocument/2006/relationships" xmlns:p="http://schemas.openxmlformats.org/presentationml/2006/main">
+  <p:cSld>
+    <p:bg>
+      <p:bgPr>
+        <a:solidFill>
+          <a:schemeClr val="bg1"/>
+        </a:solidFill>
+        <a:effectLst/>
+      </p:bgPr>
+    </p:bg>
+    <p:spTree>
+      <p:nvGrpSpPr>
+        <p:cNvPr id="1" name=""/>
+        <p:cNvGrpSpPr/>
+        <p:nvPr/>
+      </p:nvGrpSpPr>
+      <p:grpSpPr>
+        <a:xfrm>
+          <a:off x="0" y="0"/>
+          <a:ext cx="0" cy="0"/>
+          <a:chOff x="0" y="0"/>
+          <a:chExt cx="0" cy="0"/>
+        </a:xfrm>
+      </p:grpSpPr>
+      <p:sp useBgFill="1">
+        <p:nvSpPr>
+          <p:cNvPr id="1034" name="Rectangle 1030">
+            <a:extLst>
+              <a:ext uri="{FF2B5EF4-FFF2-40B4-BE49-F238E27FC236}">
+                <a16:creationId xmlns:a16="http://schemas.microsoft.com/office/drawing/2014/main" id="{0671A8AE-40A1-4631-A6B8-581AFF065482}"/>
+              </a:ext>
+              <a:ext uri="{C183D7F6-B498-43B3-948B-1728B52AA6E4}">
+                <adec:decorative xmlns:adec="http://schemas.microsoft.com/office/drawing/2017/decorative" val="1"/>
+              </a:ext>
+            </a:extLst>
+          </p:cNvPr>
+          <p:cNvSpPr>
+            <a:spLocks noGrp="1" noRot="1" noChangeAspect="1" noMove="1" noResize="1" noEditPoints="1" noAdjustHandles="1" noChangeArrowheads="1" noChangeShapeType="1" noTextEdit="1"/>
+          </p:cNvSpPr>
+          <p:nvPr>
+            <p:extLst>
+              <p:ext uri="{386F3935-93C4-4BCD-93E2-E3B085C9AB24}">
+                <p16:designElem xmlns:p16="http://schemas.microsoft.com/office/powerpoint/2015/main" val="1"/>
+              </p:ext>
+            </p:extLst>
+          </p:nvPr>
+        </p:nvSpPr>
+        <p:spPr>
+          <a:xfrm>
+            <a:off x="0" y="0"/>
+            <a:ext cx="12192000" cy="6858000"/>
+          </a:xfrm>
+          <a:prstGeom prst="rect">
+            <a:avLst/>
+          </a:prstGeom>
+          <a:ln>
+            <a:noFill/>
+          </a:ln>
+        </p:spPr>
+        <p:style>
+          <a:lnRef idx="2">
+            <a:schemeClr val="accent1">
+              <a:shade val="50000"/>
+            </a:schemeClr>
+          </a:lnRef>
+          <a:fillRef idx="1">
+            <a:schemeClr val="accent1"/>
+          </a:fillRef>
+          <a:effectRef idx="0">
+            <a:schemeClr val="accent1"/>
+          </a:effectRef>
+          <a:fontRef idx="minor">
+            <a:schemeClr val="lt1"/>
+          </a:fontRef>
+        </p:style>
+        <p:txBody>
+          <a:bodyPr rtlCol="0" anchor="ctr"/>
+          <a:lstStyle/>
+          <a:p>
+            <a:pPr algn="ctr"/>
+            <a:endParaRPr lang="en-US"/>
+          </a:p>
+        </p:txBody>
+      </p:sp>
+      <p:pic>
+        <p:nvPicPr>
+          <p:cNvPr id="1026" name="Picture 2" descr="En bild som visar inomhus, klädsel, person, möbler&#10;&#10;Automatiskt genererad beskrivning">
+            <a:extLst>
+              <a:ext uri="{FF2B5EF4-FFF2-40B4-BE49-F238E27FC236}">
+                <a16:creationId xmlns:a16="http://schemas.microsoft.com/office/drawing/2014/main" id="{C3AC07DD-5280-D520-A2FA-44A5B832C2E8}"/>
+              </a:ext>
+            </a:extLst>
+          </p:cNvPr>
+          <p:cNvPicPr>
+            <a:picLocks noChangeAspect="1" noChangeArrowheads="1"/>
+          </p:cNvPicPr>
+          <p:nvPr/>
+        </p:nvPicPr>
+        <p:blipFill rotWithShape="1">
+          <a:blip r:embed="rId2">
+            <a:extLst>
+              <a:ext uri="{28A0092B-C50C-407E-A947-70E740481C1C}">
+                <a14:useLocalDpi xmlns:a14="http://schemas.microsoft.com/office/drawing/2010/main" val="0"/>
+              </a:ext>
+            </a:extLst>
+          </a:blip>
+          <a:srcRect t="28079" r="9089" b="-2"/>
+          <a:stretch/>
+        </p:blipFill>
+        <p:spPr bwMode="auto">
+          <a:xfrm>
+            <a:off x="3523488" y="10"/>
+            <a:ext cx="8668512" cy="6857990"/>
+          </a:xfrm>
+          <a:prstGeom prst="rect">
+            <a:avLst/>
+          </a:prstGeom>
+          <a:noFill/>
+          <a:extLst>
+            <a:ext uri="{909E8E84-426E-40DD-AFC4-6F175D3DCCD1}">
+              <a14:hiddenFill xmlns:a14="http://schemas.microsoft.com/office/drawing/2010/main">
+                <a:solidFill>
+                  <a:srgbClr val="FFFFFF"/>
+                </a:solidFill>
+              </a14:hiddenFill>
+            </a:ext>
+          </a:extLst>
+        </p:spPr>
+      </p:pic>
+      <p:sp>
+        <p:nvSpPr>
+          <p:cNvPr id="1033" name="Rectangle 1032">
+            <a:extLst>
+              <a:ext uri="{FF2B5EF4-FFF2-40B4-BE49-F238E27FC236}">
+                <a16:creationId xmlns:a16="http://schemas.microsoft.com/office/drawing/2014/main" id="{AB58EF07-17C2-48CF-ABB0-EEF1F17CB8F0}"/>
+              </a:ext>
+              <a:ext uri="{C183D7F6-B498-43B3-948B-1728B52AA6E4}">
+                <adec:decorative xmlns:adec="http://schemas.microsoft.com/office/drawing/2017/decorative" val="1"/>
+              </a:ext>
+            </a:extLst>
+          </p:cNvPr>
+          <p:cNvSpPr>
+            <a:spLocks noGrp="1" noRot="1" noChangeAspect="1" noMove="1" noResize="1" noEditPoints="1" noAdjustHandles="1" noChangeArrowheads="1" noChangeShapeType="1" noTextEdit="1"/>
+          </p:cNvSpPr>
+          <p:nvPr>
+            <p:extLst>
+              <p:ext uri="{386F3935-93C4-4BCD-93E2-E3B085C9AB24}">
+                <p16:designElem xmlns:p16="http://schemas.microsoft.com/office/powerpoint/2015/main" val="1"/>
+              </p:ext>
+            </p:extLst>
+          </p:nvPr>
+        </p:nvSpPr>
+        <p:spPr>
+          <a:xfrm>
+            <a:off x="3" y="0"/>
+            <a:ext cx="9339206" cy="6858000"/>
+          </a:xfrm>
+          <a:prstGeom prst="rect">
+            <a:avLst/>
+          </a:prstGeom>
+          <a:gradFill>
+            <a:gsLst>
+              <a:gs pos="58000">
+                <a:schemeClr val="tx1"/>
+              </a:gs>
+              <a:gs pos="33000">
+                <a:schemeClr val="tx1">
+                  <a:alpha val="64000"/>
+                </a:schemeClr>
+              </a:gs>
+              <a:gs pos="0">
+                <a:schemeClr val="tx1">
+                  <a:alpha val="0"/>
+                </a:schemeClr>
+              </a:gs>
+              <a:gs pos="100000">
+                <a:schemeClr val="tx1"/>
+              </a:gs>
+            </a:gsLst>
+            <a:lin ang="10800000" scaled="0"/>
+          </a:gradFill>
+          <a:ln>
+            <a:noFill/>
+          </a:ln>
+        </p:spPr>
+        <p:style>
+          <a:lnRef idx="2">
+            <a:schemeClr val="accent1">
+              <a:shade val="50000"/>
+            </a:schemeClr>
+          </a:lnRef>
+          <a:fillRef idx="1">
+            <a:schemeClr val="accent1"/>
+          </a:fillRef>
+          <a:effectRef idx="0">
+            <a:schemeClr val="accent1"/>
+          </a:effectRef>
+          <a:fontRef idx="minor">
+            <a:schemeClr val="lt1"/>
+          </a:fontRef>
+        </p:style>
+        <p:txBody>
+          <a:bodyPr rtlCol="0" anchor="ctr"/>
+          <a:lstStyle/>
+          <a:p>
+            <a:pPr algn="ctr"/>
+            <a:endParaRPr lang="en-US" dirty="0"/>
+          </a:p>
+        </p:txBody>
+      </p:sp>
+      <p:sp>
+        <p:nvSpPr>
+          <p:cNvPr id="2" name="Rubrik 1">
+            <a:extLst>
+              <a:ext uri="{FF2B5EF4-FFF2-40B4-BE49-F238E27FC236}">
+                <a16:creationId xmlns:a16="http://schemas.microsoft.com/office/drawing/2014/main" id="{097D046C-8378-99B4-92AE-619EA6DF9D39}"/>
+              </a:ext>
+            </a:extLst>
+          </p:cNvPr>
+          <p:cNvSpPr>
+            <a:spLocks noGrp="1"/>
+          </p:cNvSpPr>
+          <p:nvPr>
+            <p:ph type="title"/>
+          </p:nvPr>
+        </p:nvSpPr>
+        <p:spPr>
+          <a:xfrm>
+            <a:off x="477981" y="1122363"/>
+            <a:ext cx="4023360" cy="3204134"/>
+          </a:xfrm>
+        </p:spPr>
+        <p:txBody>
+          <a:bodyPr vert="horz" lIns="91440" tIns="45720" rIns="91440" bIns="45720" rtlCol="0" anchor="b">
+            <a:normAutofit/>
+          </a:bodyPr>
+          <a:lstStyle/>
+          <a:p>
+            <a:r>
+              <a:rPr lang="en-US" sz="4800">
+                <a:solidFill>
+                  <a:schemeClr val="bg1"/>
+                </a:solidFill>
+              </a:rPr>
+              <a:t>Test environments – build them, use them</a:t>
+            </a:r>
+          </a:p>
+        </p:txBody>
+      </p:sp>
+      <p:sp>
+        <p:nvSpPr>
+          <p:cNvPr id="3" name="Platshållare för innehåll 2">
+            <a:extLst>
+              <a:ext uri="{FF2B5EF4-FFF2-40B4-BE49-F238E27FC236}">
+                <a16:creationId xmlns:a16="http://schemas.microsoft.com/office/drawing/2014/main" id="{109C3B7A-DB97-0C2B-874B-AF6CB3588A70}"/>
+              </a:ext>
+            </a:extLst>
+          </p:cNvPr>
+          <p:cNvSpPr>
+            <a:spLocks noGrp="1"/>
+          </p:cNvSpPr>
+          <p:nvPr>
+            <p:ph idx="1"/>
+          </p:nvPr>
+        </p:nvSpPr>
+        <p:spPr>
+          <a:xfrm>
+            <a:off x="477980" y="4872922"/>
+            <a:ext cx="4023359" cy="1208141"/>
+          </a:xfrm>
+        </p:spPr>
+        <p:txBody>
+          <a:bodyPr vert="horz" lIns="91440" tIns="45720" rIns="91440" bIns="45720" rtlCol="0">
+            <a:normAutofit/>
+          </a:bodyPr>
+          <a:lstStyle/>
+          <a:p>
+            <a:pPr marL="0" indent="0">
+              <a:buNone/>
+            </a:pPr>
+            <a:r>
+              <a:rPr lang="en-US" sz="2000" dirty="0">
+                <a:solidFill>
+                  <a:schemeClr val="bg1"/>
+                </a:solidFill>
+              </a:rPr>
+              <a:t>This is when Magnus tells you about when he went from working with databases to becoming a DBA.</a:t>
+            </a:r>
+          </a:p>
+        </p:txBody>
+      </p:sp>
+      <p:sp>
+        <p:nvSpPr>
+          <p:cNvPr id="1035" name="Rectangle 1034">
+            <a:extLst>
+              <a:ext uri="{FF2B5EF4-FFF2-40B4-BE49-F238E27FC236}">
+                <a16:creationId xmlns:a16="http://schemas.microsoft.com/office/drawing/2014/main" id="{AF2F604E-43BE-4DC3-B983-E071523364F8}"/>
+              </a:ext>
+              <a:ext uri="{C183D7F6-B498-43B3-948B-1728B52AA6E4}">
+                <adec:decorative xmlns:adec="http://schemas.microsoft.com/office/drawing/2017/decorative" val="1"/>
+              </a:ext>
+            </a:extLst>
+          </p:cNvPr>
+          <p:cNvSpPr>
+            <a:spLocks noGrp="1" noRot="1" noChangeAspect="1" noMove="1" noResize="1" noEditPoints="1" noAdjustHandles="1" noChangeArrowheads="1" noChangeShapeType="1" noTextEdit="1"/>
+          </p:cNvSpPr>
+          <p:nvPr>
+            <p:extLst>
+              <p:ext uri="{386F3935-93C4-4BCD-93E2-E3B085C9AB24}">
+                <p16:designElem xmlns:p16="http://schemas.microsoft.com/office/powerpoint/2015/main" val="1"/>
+              </p:ext>
+            </p:extLst>
+          </p:nvPr>
+        </p:nvSpPr>
+        <p:spPr>
+          <a:xfrm rot="5400000">
+            <a:off x="759921" y="346791"/>
+            <a:ext cx="146304" cy="704088"/>
+          </a:xfrm>
+          <a:prstGeom prst="rect">
+            <a:avLst/>
+          </a:prstGeom>
+          <a:solidFill>
+            <a:schemeClr val="accent2"/>
+          </a:solidFill>
+          <a:ln>
+            <a:noFill/>
+          </a:ln>
+        </p:spPr>
+        <p:style>
+          <a:lnRef idx="2">
+            <a:schemeClr val="accent1">
+              <a:shade val="50000"/>
+            </a:schemeClr>
+          </a:lnRef>
+          <a:fillRef idx="1">
+            <a:schemeClr val="accent1"/>
+          </a:fillRef>
+          <a:effectRef idx="0">
+            <a:schemeClr val="accent1"/>
+          </a:effectRef>
+          <a:fontRef idx="minor">
+            <a:schemeClr val="lt1"/>
+          </a:fontRef>
+        </p:style>
+        <p:txBody>
+          <a:bodyPr rtlCol="0" anchor="ctr"/>
+          <a:lstStyle/>
+          <a:p>
+            <a:pPr algn="ctr"/>
+            <a:endParaRPr lang="en-US">
+              <a:solidFill>
+                <a:prstClr val="white"/>
+              </a:solidFill>
+              <a:latin typeface="Calibri" panose="020F0502020204030204"/>
+            </a:endParaRPr>
+          </a:p>
+        </p:txBody>
+      </p:sp>
+      <p:sp>
+        <p:nvSpPr>
+          <p:cNvPr id="1037" name="Rectangle 1036">
+            <a:extLst>
+              <a:ext uri="{FF2B5EF4-FFF2-40B4-BE49-F238E27FC236}">
+                <a16:creationId xmlns:a16="http://schemas.microsoft.com/office/drawing/2014/main" id="{08C9B587-E65E-4B52-B37C-ABEBB6E87928}"/>
+              </a:ext>
+              <a:ext uri="{C183D7F6-B498-43B3-948B-1728B52AA6E4}">
+                <adec:decorative xmlns:adec="http://schemas.microsoft.com/office/drawing/2017/decorative" val="1"/>
+              </a:ext>
+            </a:extLst>
+          </p:cNvPr>
+          <p:cNvSpPr>
+            <a:spLocks noGrp="1" noRot="1" noChangeAspect="1" noMove="1" noResize="1" noEditPoints="1" noAdjustHandles="1" noChangeArrowheads="1" noChangeShapeType="1" noTextEdit="1"/>
+          </p:cNvSpPr>
+          <p:nvPr>
+            <p:extLst>
+              <p:ext uri="{386F3935-93C4-4BCD-93E2-E3B085C9AB24}">
+                <p16:designElem xmlns:p16="http://schemas.microsoft.com/office/powerpoint/2015/main" val="1"/>
+              </p:ext>
+            </p:extLst>
+          </p:nvPr>
+        </p:nvSpPr>
+        <p:spPr>
+          <a:xfrm>
+            <a:off x="481029" y="4546920"/>
+            <a:ext cx="3977640" cy="18288"/>
+          </a:xfrm>
+          <a:prstGeom prst="rect">
+            <a:avLst/>
+          </a:prstGeom>
+          <a:solidFill>
+            <a:schemeClr val="tx1"/>
+          </a:solidFill>
+          <a:ln w="3175">
+            <a:noFill/>
+          </a:ln>
+          <a:effectLst/>
+        </p:spPr>
+        <p:style>
+          <a:lnRef idx="2">
+            <a:schemeClr val="accent1">
+              <a:shade val="50000"/>
+            </a:schemeClr>
+          </a:lnRef>
+          <a:fillRef idx="1">
+            <a:schemeClr val="accent1"/>
+          </a:fillRef>
+          <a:effectRef idx="0">
+            <a:schemeClr val="accent1"/>
+          </a:effectRef>
+          <a:fontRef idx="minor">
+            <a:schemeClr val="lt1"/>
+          </a:fontRef>
+        </p:style>
+        <p:txBody>
+          <a:bodyPr rtlCol="0" anchor="ctr"/>
+          <a:lstStyle/>
+          <a:p>
+            <a:pPr marL="0" marR="0" lvl="0" indent="0" algn="ctr" defTabSz="914400" rtl="0" eaLnBrk="1" fontAlgn="auto" latinLnBrk="0" hangingPunct="1">
+              <a:lnSpc>
+                <a:spcPct val="100000"/>
+              </a:lnSpc>
+              <a:spcBef>
+                <a:spcPts val="0"/>
+              </a:spcBef>
+              <a:spcAft>
+                <a:spcPts val="0"/>
+              </a:spcAft>
+              <a:buClrTx/>
+              <a:buSzTx/>
+              <a:buFontTx/>
+              <a:buNone/>
+              <a:tabLst/>
+              <a:defRPr/>
+            </a:pPr>
+            <a:endParaRPr kumimoji="0" lang="en-US" sz="1800" b="0" i="0" u="none" strike="noStrike" kern="1200" cap="none" spc="0" normalizeH="0" baseline="0" noProof="0">
+              <a:ln>
+                <a:noFill/>
+              </a:ln>
+              <a:solidFill>
+                <a:prstClr val="white"/>
+              </a:solidFill>
+              <a:effectLst/>
+              <a:uLnTx/>
+              <a:uFillTx/>
+              <a:latin typeface="Calibri" panose="020F0502020204030204"/>
+              <a:ea typeface="+mn-ea"/>
+              <a:cs typeface="+mn-cs"/>
+            </a:endParaRPr>
+          </a:p>
+        </p:txBody>
+      </p:sp>
+    </p:spTree>
+    <p:extLst>
+      <p:ext uri="{BB962C8B-B14F-4D97-AF65-F5344CB8AC3E}">
+        <p14:creationId xmlns:p14="http://schemas.microsoft.com/office/powerpoint/2010/main" val="1016061463"/>
+      </p:ext>
+    </p:extLst>
+  </p:cSld>
+  <p:clrMapOvr>
+    <a:masterClrMapping/>
+  </p:clrMapOvr>
+</p:sld>
+</file>
+
 <file path=ppt/slides/slide2.xml><?xml version="1.0" encoding="utf-8"?>
 <p:sld xmlns:a="http://schemas.openxmlformats.org/drawingml/2006/main" xmlns:r="http://schemas.openxmlformats.org/officeDocument/2006/relationships" xmlns:p="http://schemas.openxmlformats.org/presentationml/2006/main">
   <p:cSld>
@@ -10004,6 +14093,186 @@
   <p:clrMapOvr>
     <a:overrideClrMapping bg1="lt1" tx1="dk1" bg2="lt2" tx2="dk2" accent1="accent1" accent2="accent2" accent3="accent3" accent4="accent4" accent5="accent5" accent6="accent6" hlink="hlink" folHlink="folHlink"/>
   </p:clrMapOvr>
+  <p:timing>
+    <p:tnLst>
+      <p:par>
+        <p:cTn id="1" dur="indefinite" restart="never" nodeType="tmRoot">
+          <p:childTnLst>
+            <p:seq concurrent="1" nextAc="seek">
+              <p:cTn id="2" dur="indefinite" nodeType="mainSeq">
+                <p:childTnLst>
+                  <p:par>
+                    <p:cTn id="3" fill="hold">
+                      <p:stCondLst>
+                        <p:cond delay="indefinite"/>
+                      </p:stCondLst>
+                      <p:childTnLst>
+                        <p:par>
+                          <p:cTn id="4" fill="hold">
+                            <p:stCondLst>
+                              <p:cond delay="0"/>
+                            </p:stCondLst>
+                            <p:childTnLst>
+                              <p:par>
+                                <p:cTn id="5" presetID="1" presetClass="entr" presetSubtype="0" fill="hold" grpId="0" nodeType="clickEffect">
+                                  <p:stCondLst>
+                                    <p:cond delay="0"/>
+                                  </p:stCondLst>
+                                  <p:childTnLst>
+                                    <p:set>
+                                      <p:cBhvr>
+                                        <p:cTn id="6" dur="1" fill="hold">
+                                          <p:stCondLst>
+                                            <p:cond delay="0"/>
+                                          </p:stCondLst>
+                                        </p:cTn>
+                                        <p:tgtEl>
+                                          <p:spTgt spid="9">
+                                            <p:txEl>
+                                              <p:pRg st="0" end="0"/>
+                                            </p:txEl>
+                                          </p:spTgt>
+                                        </p:tgtEl>
+                                        <p:attrNameLst>
+                                          <p:attrName>style.visibility</p:attrName>
+                                        </p:attrNameLst>
+                                      </p:cBhvr>
+                                      <p:to>
+                                        <p:strVal val="visible"/>
+                                      </p:to>
+                                    </p:set>
+                                  </p:childTnLst>
+                                </p:cTn>
+                              </p:par>
+                            </p:childTnLst>
+                          </p:cTn>
+                        </p:par>
+                      </p:childTnLst>
+                    </p:cTn>
+                  </p:par>
+                  <p:par>
+                    <p:cTn id="7" fill="hold">
+                      <p:stCondLst>
+                        <p:cond delay="indefinite"/>
+                      </p:stCondLst>
+                      <p:childTnLst>
+                        <p:par>
+                          <p:cTn id="8" fill="hold">
+                            <p:stCondLst>
+                              <p:cond delay="0"/>
+                            </p:stCondLst>
+                            <p:childTnLst>
+                              <p:par>
+                                <p:cTn id="9" presetID="1" presetClass="entr" presetSubtype="0" fill="hold" grpId="0" nodeType="clickEffect">
+                                  <p:stCondLst>
+                                    <p:cond delay="0"/>
+                                  </p:stCondLst>
+                                  <p:childTnLst>
+                                    <p:set>
+                                      <p:cBhvr>
+                                        <p:cTn id="10" dur="1" fill="hold">
+                                          <p:stCondLst>
+                                            <p:cond delay="0"/>
+                                          </p:stCondLst>
+                                        </p:cTn>
+                                        <p:tgtEl>
+                                          <p:spTgt spid="9">
+                                            <p:txEl>
+                                              <p:pRg st="1" end="1"/>
+                                            </p:txEl>
+                                          </p:spTgt>
+                                        </p:tgtEl>
+                                        <p:attrNameLst>
+                                          <p:attrName>style.visibility</p:attrName>
+                                        </p:attrNameLst>
+                                      </p:cBhvr>
+                                      <p:to>
+                                        <p:strVal val="visible"/>
+                                      </p:to>
+                                    </p:set>
+                                  </p:childTnLst>
+                                </p:cTn>
+                              </p:par>
+                            </p:childTnLst>
+                          </p:cTn>
+                        </p:par>
+                      </p:childTnLst>
+                    </p:cTn>
+                  </p:par>
+                  <p:par>
+                    <p:cTn id="11" fill="hold">
+                      <p:stCondLst>
+                        <p:cond delay="indefinite"/>
+                      </p:stCondLst>
+                      <p:childTnLst>
+                        <p:par>
+                          <p:cTn id="12" fill="hold">
+                            <p:stCondLst>
+                              <p:cond delay="0"/>
+                            </p:stCondLst>
+                            <p:childTnLst>
+                              <p:par>
+                                <p:cTn id="13" presetID="1" presetClass="entr" presetSubtype="0" fill="hold" grpId="0" nodeType="clickEffect">
+                                  <p:stCondLst>
+                                    <p:cond delay="0"/>
+                                  </p:stCondLst>
+                                  <p:childTnLst>
+                                    <p:set>
+                                      <p:cBhvr>
+                                        <p:cTn id="14" dur="1" fill="hold">
+                                          <p:stCondLst>
+                                            <p:cond delay="0"/>
+                                          </p:stCondLst>
+                                        </p:cTn>
+                                        <p:tgtEl>
+                                          <p:spTgt spid="9">
+                                            <p:txEl>
+                                              <p:pRg st="2" end="2"/>
+                                            </p:txEl>
+                                          </p:spTgt>
+                                        </p:tgtEl>
+                                        <p:attrNameLst>
+                                          <p:attrName>style.visibility</p:attrName>
+                                        </p:attrNameLst>
+                                      </p:cBhvr>
+                                      <p:to>
+                                        <p:strVal val="visible"/>
+                                      </p:to>
+                                    </p:set>
+                                  </p:childTnLst>
+                                </p:cTn>
+                              </p:par>
+                            </p:childTnLst>
+                          </p:cTn>
+                        </p:par>
+                      </p:childTnLst>
+                    </p:cTn>
+                  </p:par>
+                </p:childTnLst>
+              </p:cTn>
+              <p:prevCondLst>
+                <p:cond evt="onPrev" delay="0">
+                  <p:tgtEl>
+                    <p:sldTgt/>
+                  </p:tgtEl>
+                </p:cond>
+              </p:prevCondLst>
+              <p:nextCondLst>
+                <p:cond evt="onNext" delay="0">
+                  <p:tgtEl>
+                    <p:sldTgt/>
+                  </p:tgtEl>
+                </p:cond>
+              </p:nextCondLst>
+            </p:seq>
+          </p:childTnLst>
+        </p:cTn>
+      </p:par>
+    </p:tnLst>
+    <p:bldLst>
+      <p:bldP spid="9" grpId="0" build="p"/>
+    </p:bldLst>
+  </p:timing>
 </p:sld>
 </file>
 
@@ -10450,10 +14719,29 @@
               <a:t>Let’s use </a:t>
             </a:r>
             <a:r>
-              <a:rPr lang="en-GB" sz="2200"/>
+              <a:rPr lang="en-GB" sz="2200" dirty="0" err="1"/>
               <a:t>autoshrink</a:t>
             </a:r>
-            <a:endParaRPr lang="LID4096" sz="2200" dirty="0"/>
+            <a:endParaRPr lang="en-GB" sz="2200" dirty="0"/>
+          </a:p>
+          <a:p>
+            <a:r>
+              <a:rPr lang="en-GB" sz="2200" dirty="0"/>
+              <a:t>Or at least shrink them manually once per day..</a:t>
+            </a:r>
+          </a:p>
+          <a:p>
+            <a:r>
+              <a:rPr lang="en-GB" sz="2200" dirty="0"/>
+              <a:t>Index maintenance tends to grow the transaction log file. SHRINK IT IMMEDIATELY AFTER</a:t>
+            </a:r>
+          </a:p>
+          <a:p>
+            <a:r>
+              <a:rPr lang="en-GB" sz="900" dirty="0"/>
+              <a:t>You do know I’m kidding, right?</a:t>
+            </a:r>
+            <a:endParaRPr lang="LID4096" sz="900" dirty="0"/>
           </a:p>
         </p:txBody>
       </p:sp>
@@ -10624,6 +14912,4298 @@
   <p:clrMapOvr>
     <a:masterClrMapping/>
   </p:clrMapOvr>
+  <p:timing>
+    <p:tnLst>
+      <p:par>
+        <p:cTn id="1" dur="indefinite" restart="never" nodeType="tmRoot">
+          <p:childTnLst>
+            <p:seq concurrent="1" nextAc="seek">
+              <p:cTn id="2" dur="indefinite" nodeType="mainSeq">
+                <p:childTnLst>
+                  <p:par>
+                    <p:cTn id="3" fill="hold">
+                      <p:stCondLst>
+                        <p:cond delay="indefinite"/>
+                      </p:stCondLst>
+                      <p:childTnLst>
+                        <p:par>
+                          <p:cTn id="4" fill="hold">
+                            <p:stCondLst>
+                              <p:cond delay="0"/>
+                            </p:stCondLst>
+                            <p:childTnLst>
+                              <p:par>
+                                <p:cTn id="5" presetID="1" presetClass="entr" presetSubtype="0" fill="hold" grpId="0" nodeType="clickEffect">
+                                  <p:stCondLst>
+                                    <p:cond delay="0"/>
+                                  </p:stCondLst>
+                                  <p:childTnLst>
+                                    <p:set>
+                                      <p:cBhvr>
+                                        <p:cTn id="6" dur="1" fill="hold">
+                                          <p:stCondLst>
+                                            <p:cond delay="0"/>
+                                          </p:stCondLst>
+                                        </p:cTn>
+                                        <p:tgtEl>
+                                          <p:spTgt spid="3">
+                                            <p:txEl>
+                                              <p:pRg st="0" end="0"/>
+                                            </p:txEl>
+                                          </p:spTgt>
+                                        </p:tgtEl>
+                                        <p:attrNameLst>
+                                          <p:attrName>style.visibility</p:attrName>
+                                        </p:attrNameLst>
+                                      </p:cBhvr>
+                                      <p:to>
+                                        <p:strVal val="visible"/>
+                                      </p:to>
+                                    </p:set>
+                                  </p:childTnLst>
+                                </p:cTn>
+                              </p:par>
+                            </p:childTnLst>
+                          </p:cTn>
+                        </p:par>
+                      </p:childTnLst>
+                    </p:cTn>
+                  </p:par>
+                  <p:par>
+                    <p:cTn id="7" fill="hold">
+                      <p:stCondLst>
+                        <p:cond delay="indefinite"/>
+                      </p:stCondLst>
+                      <p:childTnLst>
+                        <p:par>
+                          <p:cTn id="8" fill="hold">
+                            <p:stCondLst>
+                              <p:cond delay="0"/>
+                            </p:stCondLst>
+                            <p:childTnLst>
+                              <p:par>
+                                <p:cTn id="9" presetID="1" presetClass="entr" presetSubtype="0" fill="hold" grpId="0" nodeType="clickEffect">
+                                  <p:stCondLst>
+                                    <p:cond delay="0"/>
+                                  </p:stCondLst>
+                                  <p:childTnLst>
+                                    <p:set>
+                                      <p:cBhvr>
+                                        <p:cTn id="10" dur="1" fill="hold">
+                                          <p:stCondLst>
+                                            <p:cond delay="0"/>
+                                          </p:stCondLst>
+                                        </p:cTn>
+                                        <p:tgtEl>
+                                          <p:spTgt spid="3">
+                                            <p:txEl>
+                                              <p:pRg st="1" end="1"/>
+                                            </p:txEl>
+                                          </p:spTgt>
+                                        </p:tgtEl>
+                                        <p:attrNameLst>
+                                          <p:attrName>style.visibility</p:attrName>
+                                        </p:attrNameLst>
+                                      </p:cBhvr>
+                                      <p:to>
+                                        <p:strVal val="visible"/>
+                                      </p:to>
+                                    </p:set>
+                                  </p:childTnLst>
+                                </p:cTn>
+                              </p:par>
+                            </p:childTnLst>
+                          </p:cTn>
+                        </p:par>
+                      </p:childTnLst>
+                    </p:cTn>
+                  </p:par>
+                  <p:par>
+                    <p:cTn id="11" fill="hold">
+                      <p:stCondLst>
+                        <p:cond delay="indefinite"/>
+                      </p:stCondLst>
+                      <p:childTnLst>
+                        <p:par>
+                          <p:cTn id="12" fill="hold">
+                            <p:stCondLst>
+                              <p:cond delay="0"/>
+                            </p:stCondLst>
+                            <p:childTnLst>
+                              <p:par>
+                                <p:cTn id="13" presetID="1" presetClass="entr" presetSubtype="0" fill="hold" grpId="0" nodeType="clickEffect">
+                                  <p:stCondLst>
+                                    <p:cond delay="0"/>
+                                  </p:stCondLst>
+                                  <p:childTnLst>
+                                    <p:set>
+                                      <p:cBhvr>
+                                        <p:cTn id="14" dur="1" fill="hold">
+                                          <p:stCondLst>
+                                            <p:cond delay="0"/>
+                                          </p:stCondLst>
+                                        </p:cTn>
+                                        <p:tgtEl>
+                                          <p:spTgt spid="3">
+                                            <p:txEl>
+                                              <p:pRg st="2" end="2"/>
+                                            </p:txEl>
+                                          </p:spTgt>
+                                        </p:tgtEl>
+                                        <p:attrNameLst>
+                                          <p:attrName>style.visibility</p:attrName>
+                                        </p:attrNameLst>
+                                      </p:cBhvr>
+                                      <p:to>
+                                        <p:strVal val="visible"/>
+                                      </p:to>
+                                    </p:set>
+                                  </p:childTnLst>
+                                </p:cTn>
+                              </p:par>
+                            </p:childTnLst>
+                          </p:cTn>
+                        </p:par>
+                      </p:childTnLst>
+                    </p:cTn>
+                  </p:par>
+                  <p:par>
+                    <p:cTn id="15" fill="hold">
+                      <p:stCondLst>
+                        <p:cond delay="indefinite"/>
+                      </p:stCondLst>
+                      <p:childTnLst>
+                        <p:par>
+                          <p:cTn id="16" fill="hold">
+                            <p:stCondLst>
+                              <p:cond delay="0"/>
+                            </p:stCondLst>
+                            <p:childTnLst>
+                              <p:par>
+                                <p:cTn id="17" presetID="1" presetClass="entr" presetSubtype="0" fill="hold" grpId="0" nodeType="clickEffect">
+                                  <p:stCondLst>
+                                    <p:cond delay="0"/>
+                                  </p:stCondLst>
+                                  <p:childTnLst>
+                                    <p:set>
+                                      <p:cBhvr>
+                                        <p:cTn id="18" dur="1" fill="hold">
+                                          <p:stCondLst>
+                                            <p:cond delay="0"/>
+                                          </p:stCondLst>
+                                        </p:cTn>
+                                        <p:tgtEl>
+                                          <p:spTgt spid="3">
+                                            <p:txEl>
+                                              <p:pRg st="3" end="3"/>
+                                            </p:txEl>
+                                          </p:spTgt>
+                                        </p:tgtEl>
+                                        <p:attrNameLst>
+                                          <p:attrName>style.visibility</p:attrName>
+                                        </p:attrNameLst>
+                                      </p:cBhvr>
+                                      <p:to>
+                                        <p:strVal val="visible"/>
+                                      </p:to>
+                                    </p:set>
+                                  </p:childTnLst>
+                                </p:cTn>
+                              </p:par>
+                            </p:childTnLst>
+                          </p:cTn>
+                        </p:par>
+                      </p:childTnLst>
+                    </p:cTn>
+                  </p:par>
+                  <p:par>
+                    <p:cTn id="19" fill="hold">
+                      <p:stCondLst>
+                        <p:cond delay="indefinite"/>
+                      </p:stCondLst>
+                      <p:childTnLst>
+                        <p:par>
+                          <p:cTn id="20" fill="hold">
+                            <p:stCondLst>
+                              <p:cond delay="0"/>
+                            </p:stCondLst>
+                            <p:childTnLst>
+                              <p:par>
+                                <p:cTn id="21" presetID="1" presetClass="entr" presetSubtype="0" fill="hold" grpId="0" nodeType="clickEffect">
+                                  <p:stCondLst>
+                                    <p:cond delay="0"/>
+                                  </p:stCondLst>
+                                  <p:childTnLst>
+                                    <p:set>
+                                      <p:cBhvr>
+                                        <p:cTn id="22" dur="1" fill="hold">
+                                          <p:stCondLst>
+                                            <p:cond delay="0"/>
+                                          </p:stCondLst>
+                                        </p:cTn>
+                                        <p:tgtEl>
+                                          <p:spTgt spid="3">
+                                            <p:txEl>
+                                              <p:pRg st="4" end="4"/>
+                                            </p:txEl>
+                                          </p:spTgt>
+                                        </p:tgtEl>
+                                        <p:attrNameLst>
+                                          <p:attrName>style.visibility</p:attrName>
+                                        </p:attrNameLst>
+                                      </p:cBhvr>
+                                      <p:to>
+                                        <p:strVal val="visible"/>
+                                      </p:to>
+                                    </p:set>
+                                  </p:childTnLst>
+                                </p:cTn>
+                              </p:par>
+                            </p:childTnLst>
+                          </p:cTn>
+                        </p:par>
+                      </p:childTnLst>
+                    </p:cTn>
+                  </p:par>
+                </p:childTnLst>
+              </p:cTn>
+              <p:prevCondLst>
+                <p:cond evt="onPrev" delay="0">
+                  <p:tgtEl>
+                    <p:sldTgt/>
+                  </p:tgtEl>
+                </p:cond>
+              </p:prevCondLst>
+              <p:nextCondLst>
+                <p:cond evt="onNext" delay="0">
+                  <p:tgtEl>
+                    <p:sldTgt/>
+                  </p:tgtEl>
+                </p:cond>
+              </p:nextCondLst>
+            </p:seq>
+          </p:childTnLst>
+        </p:cTn>
+      </p:par>
+    </p:tnLst>
+    <p:bldLst>
+      <p:bldP spid="3" grpId="0" build="p"/>
+    </p:bldLst>
+  </p:timing>
+</p:sld>
+</file>
+
+<file path=ppt/slides/slide6.xml><?xml version="1.0" encoding="utf-8"?>
+<p:sld xmlns:a="http://schemas.openxmlformats.org/drawingml/2006/main" xmlns:r="http://schemas.openxmlformats.org/officeDocument/2006/relationships" xmlns:p="http://schemas.openxmlformats.org/presentationml/2006/main">
+  <p:cSld>
+    <p:bg>
+      <p:bgPr>
+        <a:solidFill>
+          <a:schemeClr val="bg1"/>
+        </a:solidFill>
+        <a:effectLst/>
+      </p:bgPr>
+    </p:bg>
+    <p:spTree>
+      <p:nvGrpSpPr>
+        <p:cNvPr id="1" name=""/>
+        <p:cNvGrpSpPr/>
+        <p:nvPr/>
+      </p:nvGrpSpPr>
+      <p:grpSpPr>
+        <a:xfrm>
+          <a:off x="0" y="0"/>
+          <a:ext cx="0" cy="0"/>
+          <a:chOff x="0" y="0"/>
+          <a:chExt cx="0" cy="0"/>
+        </a:xfrm>
+      </p:grpSpPr>
+      <p:sp useBgFill="1">
+        <p:nvSpPr>
+          <p:cNvPr id="1040" name="Rectangle 1039">
+            <a:extLst>
+              <a:ext uri="{FF2B5EF4-FFF2-40B4-BE49-F238E27FC236}">
+                <a16:creationId xmlns:a16="http://schemas.microsoft.com/office/drawing/2014/main" id="{F13C74B1-5B17-4795-BED0-7140497B445A}"/>
+              </a:ext>
+              <a:ext uri="{C183D7F6-B498-43B3-948B-1728B52AA6E4}">
+                <adec:decorative xmlns:adec="http://schemas.microsoft.com/office/drawing/2017/decorative" val="1"/>
+              </a:ext>
+            </a:extLst>
+          </p:cNvPr>
+          <p:cNvSpPr>
+            <a:spLocks noGrp="1" noRot="1" noChangeAspect="1" noMove="1" noResize="1" noEditPoints="1" noAdjustHandles="1" noChangeArrowheads="1" noChangeShapeType="1" noTextEdit="1"/>
+          </p:cNvSpPr>
+          <p:nvPr>
+            <p:extLst>
+              <p:ext uri="{386F3935-93C4-4BCD-93E2-E3B085C9AB24}">
+                <p16:designElem xmlns:p16="http://schemas.microsoft.com/office/powerpoint/2015/main" val="1"/>
+              </p:ext>
+            </p:extLst>
+          </p:nvPr>
+        </p:nvSpPr>
+        <p:spPr>
+          <a:xfrm>
+            <a:off x="0" y="0"/>
+            <a:ext cx="12188952" cy="6858000"/>
+          </a:xfrm>
+          <a:prstGeom prst="rect">
+            <a:avLst/>
+          </a:prstGeom>
+          <a:ln>
+            <a:noFill/>
+          </a:ln>
+        </p:spPr>
+        <p:style>
+          <a:lnRef idx="2">
+            <a:schemeClr val="accent1">
+              <a:shade val="50000"/>
+            </a:schemeClr>
+          </a:lnRef>
+          <a:fillRef idx="1">
+            <a:schemeClr val="accent1"/>
+          </a:fillRef>
+          <a:effectRef idx="0">
+            <a:schemeClr val="accent1"/>
+          </a:effectRef>
+          <a:fontRef idx="minor">
+            <a:schemeClr val="lt1"/>
+          </a:fontRef>
+        </p:style>
+        <p:txBody>
+          <a:bodyPr rtlCol="0" anchor="ctr"/>
+          <a:lstStyle/>
+          <a:p>
+            <a:pPr algn="ctr"/>
+            <a:endParaRPr lang="en-US"/>
+          </a:p>
+        </p:txBody>
+      </p:sp>
+      <p:sp>
+        <p:nvSpPr>
+          <p:cNvPr id="2" name="Rubrik 1">
+            <a:extLst>
+              <a:ext uri="{FF2B5EF4-FFF2-40B4-BE49-F238E27FC236}">
+                <a16:creationId xmlns:a16="http://schemas.microsoft.com/office/drawing/2014/main" id="{5FB92DFE-CBAD-B81E-0B3F-29763559954A}"/>
+              </a:ext>
+            </a:extLst>
+          </p:cNvPr>
+          <p:cNvSpPr>
+            <a:spLocks noGrp="1"/>
+          </p:cNvSpPr>
+          <p:nvPr>
+            <p:ph type="title"/>
+          </p:nvPr>
+        </p:nvSpPr>
+        <p:spPr>
+          <a:xfrm>
+            <a:off x="640080" y="325369"/>
+            <a:ext cx="4368602" cy="1956841"/>
+          </a:xfrm>
+        </p:spPr>
+        <p:txBody>
+          <a:bodyPr anchor="b">
+            <a:normAutofit/>
+          </a:bodyPr>
+          <a:lstStyle/>
+          <a:p>
+            <a:r>
+              <a:rPr lang="sv-SE" sz="5000"/>
+              <a:t>Taking backups is pretty cool.</a:t>
+            </a:r>
+          </a:p>
+        </p:txBody>
+      </p:sp>
+      <p:sp>
+        <p:nvSpPr>
+          <p:cNvPr id="1042" name="sketchy line">
+            <a:extLst>
+              <a:ext uri="{FF2B5EF4-FFF2-40B4-BE49-F238E27FC236}">
+                <a16:creationId xmlns:a16="http://schemas.microsoft.com/office/drawing/2014/main" id="{D4974D33-8DC5-464E-8C6D-BE58F0669C17}"/>
+              </a:ext>
+              <a:ext uri="{C183D7F6-B498-43B3-948B-1728B52AA6E4}">
+                <adec:decorative xmlns:adec="http://schemas.microsoft.com/office/drawing/2017/decorative" val="1"/>
+              </a:ext>
+            </a:extLst>
+          </p:cNvPr>
+          <p:cNvSpPr>
+            <a:spLocks noGrp="1" noRot="1" noChangeAspect="1" noMove="1" noResize="1" noEditPoints="1" noAdjustHandles="1" noChangeArrowheads="1" noChangeShapeType="1" noTextEdit="1"/>
+          </p:cNvSpPr>
+          <p:nvPr>
+            <p:extLst>
+              <p:ext uri="{386F3935-93C4-4BCD-93E2-E3B085C9AB24}">
+                <p16:designElem xmlns:p16="http://schemas.microsoft.com/office/powerpoint/2015/main" val="1"/>
+              </p:ext>
+            </p:extLst>
+          </p:nvPr>
+        </p:nvSpPr>
+        <p:spPr>
+          <a:xfrm>
+            <a:off x="640080" y="2586994"/>
+            <a:ext cx="3474720" cy="18288"/>
+          </a:xfrm>
+          <a:custGeom>
+            <a:avLst/>
+            <a:gdLst>
+              <a:gd name="connsiteX0" fmla="*/ 0 w 3474720"/>
+              <a:gd name="connsiteY0" fmla="*/ 0 h 18288"/>
+              <a:gd name="connsiteX1" fmla="*/ 694944 w 3474720"/>
+              <a:gd name="connsiteY1" fmla="*/ 0 h 18288"/>
+              <a:gd name="connsiteX2" fmla="*/ 1355141 w 3474720"/>
+              <a:gd name="connsiteY2" fmla="*/ 0 h 18288"/>
+              <a:gd name="connsiteX3" fmla="*/ 2015338 w 3474720"/>
+              <a:gd name="connsiteY3" fmla="*/ 0 h 18288"/>
+              <a:gd name="connsiteX4" fmla="*/ 2779776 w 3474720"/>
+              <a:gd name="connsiteY4" fmla="*/ 0 h 18288"/>
+              <a:gd name="connsiteX5" fmla="*/ 3474720 w 3474720"/>
+              <a:gd name="connsiteY5" fmla="*/ 0 h 18288"/>
+              <a:gd name="connsiteX6" fmla="*/ 3474720 w 3474720"/>
+              <a:gd name="connsiteY6" fmla="*/ 18288 h 18288"/>
+              <a:gd name="connsiteX7" fmla="*/ 2779776 w 3474720"/>
+              <a:gd name="connsiteY7" fmla="*/ 18288 h 18288"/>
+              <a:gd name="connsiteX8" fmla="*/ 2189074 w 3474720"/>
+              <a:gd name="connsiteY8" fmla="*/ 18288 h 18288"/>
+              <a:gd name="connsiteX9" fmla="*/ 1528877 w 3474720"/>
+              <a:gd name="connsiteY9" fmla="*/ 18288 h 18288"/>
+              <a:gd name="connsiteX10" fmla="*/ 868680 w 3474720"/>
+              <a:gd name="connsiteY10" fmla="*/ 18288 h 18288"/>
+              <a:gd name="connsiteX11" fmla="*/ 0 w 3474720"/>
+              <a:gd name="connsiteY11" fmla="*/ 18288 h 18288"/>
+              <a:gd name="connsiteX12" fmla="*/ 0 w 3474720"/>
+              <a:gd name="connsiteY12" fmla="*/ 0 h 18288"/>
+            </a:gdLst>
+            <a:ahLst/>
+            <a:cxnLst>
+              <a:cxn ang="0">
+                <a:pos x="connsiteX0" y="connsiteY0"/>
+              </a:cxn>
+              <a:cxn ang="0">
+                <a:pos x="connsiteX1" y="connsiteY1"/>
+              </a:cxn>
+              <a:cxn ang="0">
+                <a:pos x="connsiteX2" y="connsiteY2"/>
+              </a:cxn>
+              <a:cxn ang="0">
+                <a:pos x="connsiteX3" y="connsiteY3"/>
+              </a:cxn>
+              <a:cxn ang="0">
+                <a:pos x="connsiteX4" y="connsiteY4"/>
+              </a:cxn>
+              <a:cxn ang="0">
+                <a:pos x="connsiteX5" y="connsiteY5"/>
+              </a:cxn>
+              <a:cxn ang="0">
+                <a:pos x="connsiteX6" y="connsiteY6"/>
+              </a:cxn>
+              <a:cxn ang="0">
+                <a:pos x="connsiteX7" y="connsiteY7"/>
+              </a:cxn>
+              <a:cxn ang="0">
+                <a:pos x="connsiteX8" y="connsiteY8"/>
+              </a:cxn>
+              <a:cxn ang="0">
+                <a:pos x="connsiteX9" y="connsiteY9"/>
+              </a:cxn>
+              <a:cxn ang="0">
+                <a:pos x="connsiteX10" y="connsiteY10"/>
+              </a:cxn>
+              <a:cxn ang="0">
+                <a:pos x="connsiteX11" y="connsiteY11"/>
+              </a:cxn>
+              <a:cxn ang="0">
+                <a:pos x="connsiteX12" y="connsiteY12"/>
+              </a:cxn>
+            </a:cxnLst>
+            <a:rect l="l" t="t" r="r" b="b"/>
+            <a:pathLst>
+              <a:path w="3474720" h="18288" fill="none" extrusionOk="0">
+                <a:moveTo>
+                  <a:pt x="0" y="0"/>
+                </a:moveTo>
+                <a:cubicBezTo>
+                  <a:pt x="224454" y="-14544"/>
+                  <a:pt x="495407" y="26540"/>
+                  <a:pt x="694944" y="0"/>
+                </a:cubicBezTo>
+                <a:cubicBezTo>
+                  <a:pt x="894481" y="-26540"/>
+                  <a:pt x="1130063" y="24713"/>
+                  <a:pt x="1355141" y="0"/>
+                </a:cubicBezTo>
+                <a:cubicBezTo>
+                  <a:pt x="1580219" y="-24713"/>
+                  <a:pt x="1820099" y="26695"/>
+                  <a:pt x="2015338" y="0"/>
+                </a:cubicBezTo>
+                <a:cubicBezTo>
+                  <a:pt x="2210577" y="-26695"/>
+                  <a:pt x="2402045" y="165"/>
+                  <a:pt x="2779776" y="0"/>
+                </a:cubicBezTo>
+                <a:cubicBezTo>
+                  <a:pt x="3157507" y="-165"/>
+                  <a:pt x="3286859" y="-15571"/>
+                  <a:pt x="3474720" y="0"/>
+                </a:cubicBezTo>
+                <a:cubicBezTo>
+                  <a:pt x="3474286" y="7551"/>
+                  <a:pt x="3474253" y="9822"/>
+                  <a:pt x="3474720" y="18288"/>
+                </a:cubicBezTo>
+                <a:cubicBezTo>
+                  <a:pt x="3233904" y="29845"/>
+                  <a:pt x="2945134" y="-5256"/>
+                  <a:pt x="2779776" y="18288"/>
+                </a:cubicBezTo>
+                <a:cubicBezTo>
+                  <a:pt x="2614418" y="41832"/>
+                  <a:pt x="2339768" y="22709"/>
+                  <a:pt x="2189074" y="18288"/>
+                </a:cubicBezTo>
+                <a:cubicBezTo>
+                  <a:pt x="2038380" y="13867"/>
+                  <a:pt x="1817434" y="-4947"/>
+                  <a:pt x="1528877" y="18288"/>
+                </a:cubicBezTo>
+                <a:cubicBezTo>
+                  <a:pt x="1240320" y="41523"/>
+                  <a:pt x="1042447" y="37198"/>
+                  <a:pt x="868680" y="18288"/>
+                </a:cubicBezTo>
+                <a:cubicBezTo>
+                  <a:pt x="694913" y="-622"/>
+                  <a:pt x="233232" y="44909"/>
+                  <a:pt x="0" y="18288"/>
+                </a:cubicBezTo>
+                <a:cubicBezTo>
+                  <a:pt x="60" y="11696"/>
+                  <a:pt x="66" y="3758"/>
+                  <a:pt x="0" y="0"/>
+                </a:cubicBezTo>
+                <a:close/>
+              </a:path>
+              <a:path w="3474720" h="18288" stroke="0" extrusionOk="0">
+                <a:moveTo>
+                  <a:pt x="0" y="0"/>
+                </a:moveTo>
+                <a:cubicBezTo>
+                  <a:pt x="202328" y="-14716"/>
+                  <a:pt x="332722" y="-11499"/>
+                  <a:pt x="625450" y="0"/>
+                </a:cubicBezTo>
+                <a:cubicBezTo>
+                  <a:pt x="918178" y="11499"/>
+                  <a:pt x="1096688" y="5123"/>
+                  <a:pt x="1389888" y="0"/>
+                </a:cubicBezTo>
+                <a:cubicBezTo>
+                  <a:pt x="1683088" y="-5123"/>
+                  <a:pt x="1835981" y="-14038"/>
+                  <a:pt x="1980590" y="0"/>
+                </a:cubicBezTo>
+                <a:cubicBezTo>
+                  <a:pt x="2125199" y="14038"/>
+                  <a:pt x="2396099" y="-7203"/>
+                  <a:pt x="2571293" y="0"/>
+                </a:cubicBezTo>
+                <a:cubicBezTo>
+                  <a:pt x="2746487" y="7203"/>
+                  <a:pt x="3041609" y="-12036"/>
+                  <a:pt x="3474720" y="0"/>
+                </a:cubicBezTo>
+                <a:cubicBezTo>
+                  <a:pt x="3474638" y="4406"/>
+                  <a:pt x="3474631" y="9982"/>
+                  <a:pt x="3474720" y="18288"/>
+                </a:cubicBezTo>
+                <a:cubicBezTo>
+                  <a:pt x="3324873" y="21876"/>
+                  <a:pt x="3136771" y="12587"/>
+                  <a:pt x="2814523" y="18288"/>
+                </a:cubicBezTo>
+                <a:cubicBezTo>
+                  <a:pt x="2492275" y="23989"/>
+                  <a:pt x="2294402" y="47111"/>
+                  <a:pt x="2154326" y="18288"/>
+                </a:cubicBezTo>
+                <a:cubicBezTo>
+                  <a:pt x="2014250" y="-10535"/>
+                  <a:pt x="1820317" y="33903"/>
+                  <a:pt x="1494130" y="18288"/>
+                </a:cubicBezTo>
+                <a:cubicBezTo>
+                  <a:pt x="1167943" y="2673"/>
+                  <a:pt x="948432" y="14868"/>
+                  <a:pt x="729691" y="18288"/>
+                </a:cubicBezTo>
+                <a:cubicBezTo>
+                  <a:pt x="510950" y="21708"/>
+                  <a:pt x="264032" y="24354"/>
+                  <a:pt x="0" y="18288"/>
+                </a:cubicBezTo>
+                <a:cubicBezTo>
+                  <a:pt x="189" y="14288"/>
+                  <a:pt x="-703" y="3747"/>
+                  <a:pt x="0" y="0"/>
+                </a:cubicBezTo>
+                <a:close/>
+              </a:path>
+            </a:pathLst>
+          </a:custGeom>
+          <a:solidFill>
+            <a:schemeClr val="accent2"/>
+          </a:solidFill>
+          <a:ln w="44450" cap="rnd">
+            <a:solidFill>
+              <a:schemeClr val="accent2"/>
+            </a:solidFill>
+            <a:round/>
+            <a:extLst>
+              <a:ext uri="{C807C97D-BFC1-408E-A445-0C87EB9F89A2}">
+                <ask:lineSketchStyleProps xmlns:ask="http://schemas.microsoft.com/office/drawing/2018/sketchyshapes" sd="2863741219">
+                  <a:prstGeom prst="rect">
+                    <a:avLst/>
+                  </a:prstGeom>
+                  <ask:type>
+                    <ask:lineSketchFreehand/>
+                  </ask:type>
+                </ask:lineSketchStyleProps>
+              </a:ext>
+            </a:extLst>
+          </a:ln>
+        </p:spPr>
+        <p:style>
+          <a:lnRef idx="2">
+            <a:schemeClr val="accent1">
+              <a:shade val="50000"/>
+            </a:schemeClr>
+          </a:lnRef>
+          <a:fillRef idx="1">
+            <a:schemeClr val="accent1"/>
+          </a:fillRef>
+          <a:effectRef idx="0">
+            <a:schemeClr val="accent1"/>
+          </a:effectRef>
+          <a:fontRef idx="minor">
+            <a:schemeClr val="lt1"/>
+          </a:fontRef>
+        </p:style>
+        <p:txBody>
+          <a:bodyPr rtlCol="0" anchor="ctr"/>
+          <a:lstStyle/>
+          <a:p>
+            <a:pPr algn="ctr"/>
+            <a:endParaRPr lang="en-US"/>
+          </a:p>
+        </p:txBody>
+      </p:sp>
+      <p:sp>
+        <p:nvSpPr>
+          <p:cNvPr id="3" name="Platshållare för innehåll 2">
+            <a:extLst>
+              <a:ext uri="{FF2B5EF4-FFF2-40B4-BE49-F238E27FC236}">
+                <a16:creationId xmlns:a16="http://schemas.microsoft.com/office/drawing/2014/main" id="{42DDA1D0-D19C-C73B-AD74-7031964DA4AD}"/>
+              </a:ext>
+            </a:extLst>
+          </p:cNvPr>
+          <p:cNvSpPr>
+            <a:spLocks noGrp="1"/>
+          </p:cNvSpPr>
+          <p:nvPr>
+            <p:ph idx="1"/>
+          </p:nvPr>
+        </p:nvSpPr>
+        <p:spPr>
+          <a:xfrm>
+            <a:off x="640080" y="2872899"/>
+            <a:ext cx="4243589" cy="3320668"/>
+          </a:xfrm>
+        </p:spPr>
+        <p:txBody>
+          <a:bodyPr>
+            <a:normAutofit fontScale="92500"/>
+          </a:bodyPr>
+          <a:lstStyle/>
+          <a:p>
+            <a:pPr marL="0" indent="0">
+              <a:buNone/>
+            </a:pPr>
+            <a:r>
+              <a:rPr lang="sv-SE" sz="2200" dirty="0" err="1"/>
+              <a:t>Being</a:t>
+            </a:r>
+            <a:r>
+              <a:rPr lang="sv-SE" sz="2200" dirty="0"/>
+              <a:t> </a:t>
+            </a:r>
+            <a:r>
+              <a:rPr lang="sv-SE" sz="2200" dirty="0" err="1"/>
+              <a:t>able</a:t>
+            </a:r>
+            <a:r>
+              <a:rPr lang="sv-SE" sz="2200" dirty="0"/>
+              <a:t> to </a:t>
+            </a:r>
+            <a:r>
+              <a:rPr lang="sv-SE" sz="2200" dirty="0" err="1"/>
+              <a:t>restore</a:t>
+            </a:r>
+            <a:r>
+              <a:rPr lang="sv-SE" sz="2200" dirty="0"/>
+              <a:t> backups is </a:t>
+            </a:r>
+            <a:r>
+              <a:rPr lang="sv-SE" sz="2200" dirty="0" err="1"/>
+              <a:t>way</a:t>
+            </a:r>
+            <a:r>
+              <a:rPr lang="sv-SE" sz="2200" dirty="0"/>
+              <a:t> </a:t>
+            </a:r>
+            <a:r>
+              <a:rPr lang="sv-SE" sz="2200" dirty="0" err="1"/>
+              <a:t>cooler</a:t>
+            </a:r>
+            <a:r>
+              <a:rPr lang="sv-SE" sz="2200" dirty="0"/>
+              <a:t>.</a:t>
+            </a:r>
+          </a:p>
+          <a:p>
+            <a:pPr marL="0" indent="0">
+              <a:buNone/>
+            </a:pPr>
+            <a:endParaRPr lang="sv-SE" sz="2200" dirty="0"/>
+          </a:p>
+          <a:p>
+            <a:pPr>
+              <a:buFontTx/>
+              <a:buChar char="-"/>
+            </a:pPr>
+            <a:r>
+              <a:rPr lang="sv-SE" sz="2200" dirty="0"/>
+              <a:t>The backup </a:t>
+            </a:r>
+            <a:r>
+              <a:rPr lang="sv-SE" sz="2200" dirty="0" err="1"/>
+              <a:t>job</a:t>
+            </a:r>
+            <a:r>
+              <a:rPr lang="sv-SE" sz="2200" dirty="0"/>
+              <a:t> </a:t>
+            </a:r>
+            <a:r>
+              <a:rPr lang="sv-SE" sz="2200" dirty="0" err="1"/>
+              <a:t>finished</a:t>
+            </a:r>
+            <a:r>
+              <a:rPr lang="sv-SE" sz="2200" dirty="0"/>
+              <a:t> </a:t>
+            </a:r>
+            <a:r>
+              <a:rPr lang="sv-SE" sz="2200" dirty="0" err="1"/>
+              <a:t>successfully</a:t>
+            </a:r>
+            <a:r>
+              <a:rPr lang="sv-SE" sz="2200" dirty="0"/>
+              <a:t>. </a:t>
+            </a:r>
+            <a:r>
+              <a:rPr lang="sv-SE" sz="2200" dirty="0" err="1"/>
+              <a:t>Did</a:t>
+            </a:r>
+            <a:r>
+              <a:rPr lang="sv-SE" sz="2200" dirty="0"/>
+              <a:t> it do </a:t>
+            </a:r>
+            <a:r>
+              <a:rPr lang="sv-SE" sz="2200" dirty="0" err="1"/>
+              <a:t>anything</a:t>
+            </a:r>
+            <a:r>
+              <a:rPr lang="sv-SE" sz="2200" dirty="0"/>
+              <a:t>?</a:t>
+            </a:r>
+          </a:p>
+          <a:p>
+            <a:pPr>
+              <a:buFontTx/>
+              <a:buChar char="-"/>
+            </a:pPr>
+            <a:r>
+              <a:rPr lang="sv-SE" sz="2200" dirty="0" err="1"/>
+              <a:t>Where</a:t>
+            </a:r>
+            <a:r>
+              <a:rPr lang="sv-SE" sz="2200" dirty="0"/>
+              <a:t> do </a:t>
+            </a:r>
+            <a:r>
+              <a:rPr lang="sv-SE" sz="2200" dirty="0" err="1"/>
+              <a:t>you</a:t>
+            </a:r>
+            <a:r>
+              <a:rPr lang="sv-SE" sz="2200" dirty="0"/>
+              <a:t> store backups?</a:t>
+            </a:r>
+          </a:p>
+          <a:p>
+            <a:pPr>
+              <a:buFontTx/>
+              <a:buChar char="-"/>
+            </a:pPr>
+            <a:r>
+              <a:rPr lang="sv-SE" sz="2200" dirty="0" err="1"/>
+              <a:t>Where</a:t>
+            </a:r>
+            <a:r>
+              <a:rPr lang="sv-SE" sz="2200" dirty="0"/>
+              <a:t> do </a:t>
+            </a:r>
+            <a:r>
+              <a:rPr lang="sv-SE" sz="2200" dirty="0" err="1"/>
+              <a:t>you</a:t>
+            </a:r>
+            <a:r>
+              <a:rPr lang="sv-SE" sz="2200" dirty="0"/>
+              <a:t> test backups?</a:t>
+            </a:r>
+          </a:p>
+          <a:p>
+            <a:pPr lvl="1">
+              <a:buFontTx/>
+              <a:buChar char="-"/>
+            </a:pPr>
+            <a:r>
+              <a:rPr lang="sv-SE" sz="2200" dirty="0" err="1"/>
+              <a:t>Yes</a:t>
+            </a:r>
+            <a:r>
+              <a:rPr lang="sv-SE" sz="2200" dirty="0"/>
+              <a:t>. </a:t>
+            </a:r>
+            <a:r>
+              <a:rPr lang="sv-SE" sz="2200" dirty="0" err="1"/>
+              <a:t>That’s</a:t>
+            </a:r>
+            <a:r>
+              <a:rPr lang="sv-SE" sz="2200" dirty="0"/>
+              <a:t> a </a:t>
+            </a:r>
+            <a:r>
+              <a:rPr lang="sv-SE" sz="2200" dirty="0" err="1"/>
+              <a:t>thing</a:t>
+            </a:r>
+            <a:r>
+              <a:rPr lang="sv-SE" sz="2200" dirty="0"/>
+              <a:t>. It </a:t>
+            </a:r>
+            <a:r>
+              <a:rPr lang="sv-SE" sz="2200" dirty="0" err="1"/>
+              <a:t>really</a:t>
+            </a:r>
+            <a:r>
+              <a:rPr lang="sv-SE" sz="2200" dirty="0"/>
+              <a:t> is.</a:t>
+            </a:r>
+            <a:endParaRPr lang="sv-SE" sz="2600" dirty="0"/>
+          </a:p>
+          <a:p>
+            <a:pPr marL="0" indent="0">
+              <a:buNone/>
+            </a:pPr>
+            <a:endParaRPr lang="sv-SE" sz="2200" dirty="0"/>
+          </a:p>
+        </p:txBody>
+      </p:sp>
+      <p:pic>
+        <p:nvPicPr>
+          <p:cNvPr id="1028" name="Picture 4" descr="a database ripping his hair in agony after a database restore has failed">
+            <a:extLst>
+              <a:ext uri="{FF2B5EF4-FFF2-40B4-BE49-F238E27FC236}">
+                <a16:creationId xmlns:a16="http://schemas.microsoft.com/office/drawing/2014/main" id="{E0F8E64D-48BB-82B8-AE7F-DF43149E87D1}"/>
+              </a:ext>
+            </a:extLst>
+          </p:cNvPr>
+          <p:cNvPicPr>
+            <a:picLocks noChangeAspect="1" noChangeArrowheads="1"/>
+          </p:cNvPicPr>
+          <p:nvPr/>
+        </p:nvPicPr>
+        <p:blipFill rotWithShape="1">
+          <a:blip r:embed="rId2">
+            <a:extLst>
+              <a:ext uri="{28A0092B-C50C-407E-A947-70E740481C1C}">
+                <a14:useLocalDpi xmlns:a14="http://schemas.microsoft.com/office/drawing/2010/main" val="0"/>
+              </a:ext>
+            </a:extLst>
+          </a:blip>
+          <a:srcRect b="303"/>
+          <a:stretch/>
+        </p:blipFill>
+        <p:spPr bwMode="auto">
+          <a:xfrm>
+            <a:off x="5311702" y="10"/>
+            <a:ext cx="6878775" cy="6857990"/>
+          </a:xfrm>
+          <a:custGeom>
+            <a:avLst/>
+            <a:gdLst/>
+            <a:ahLst/>
+            <a:cxnLst/>
+            <a:rect l="l" t="t" r="r" b="b"/>
+            <a:pathLst>
+              <a:path w="6878775" h="6858000">
+                <a:moveTo>
+                  <a:pt x="1102973" y="0"/>
+                </a:moveTo>
+                <a:lnTo>
+                  <a:pt x="1160688" y="0"/>
+                </a:lnTo>
+                <a:lnTo>
+                  <a:pt x="983189" y="331786"/>
+                </a:lnTo>
+                <a:cubicBezTo>
+                  <a:pt x="914866" y="469145"/>
+                  <a:pt x="850355" y="608712"/>
+                  <a:pt x="789261" y="750263"/>
+                </a:cubicBezTo>
+                <a:cubicBezTo>
+                  <a:pt x="774307" y="784928"/>
+                  <a:pt x="759992" y="819849"/>
+                  <a:pt x="745295" y="854514"/>
+                </a:cubicBezTo>
+                <a:cubicBezTo>
+                  <a:pt x="756682" y="845393"/>
+                  <a:pt x="765489" y="833492"/>
+                  <a:pt x="770857" y="819975"/>
+                </a:cubicBezTo>
+                <a:cubicBezTo>
+                  <a:pt x="879943" y="589569"/>
+                  <a:pt x="999605" y="365513"/>
+                  <a:pt x="1131329" y="148742"/>
+                </a:cubicBezTo>
+                <a:lnTo>
+                  <a:pt x="1227589" y="0"/>
+                </a:lnTo>
+                <a:lnTo>
+                  <a:pt x="6878775" y="0"/>
+                </a:lnTo>
+                <a:lnTo>
+                  <a:pt x="6878775" y="6858000"/>
+                </a:lnTo>
+                <a:lnTo>
+                  <a:pt x="713521" y="6858000"/>
+                </a:lnTo>
+                <a:lnTo>
+                  <a:pt x="625642" y="6670527"/>
+                </a:lnTo>
+                <a:cubicBezTo>
+                  <a:pt x="507232" y="6398531"/>
+                  <a:pt x="403083" y="6118381"/>
+                  <a:pt x="312785" y="5830359"/>
+                </a:cubicBezTo>
+                <a:cubicBezTo>
+                  <a:pt x="278149" y="5719759"/>
+                  <a:pt x="248879" y="5607635"/>
+                  <a:pt x="212198" y="5480401"/>
+                </a:cubicBezTo>
+                <a:cubicBezTo>
+                  <a:pt x="212208" y="5491601"/>
+                  <a:pt x="212803" y="5502788"/>
+                  <a:pt x="213988" y="5513923"/>
+                </a:cubicBezTo>
+                <a:cubicBezTo>
+                  <a:pt x="264089" y="5723695"/>
+                  <a:pt x="307290" y="5935370"/>
+                  <a:pt x="365826" y="6142729"/>
+                </a:cubicBezTo>
+                <a:cubicBezTo>
+                  <a:pt x="433152" y="6380817"/>
+                  <a:pt x="510068" y="6614016"/>
+                  <a:pt x="597975" y="6841549"/>
+                </a:cubicBezTo>
+                <a:lnTo>
+                  <a:pt x="604824" y="6858000"/>
+                </a:lnTo>
+                <a:lnTo>
+                  <a:pt x="552056" y="6858000"/>
+                </a:lnTo>
+                <a:lnTo>
+                  <a:pt x="539576" y="6828295"/>
+                </a:lnTo>
+                <a:cubicBezTo>
+                  <a:pt x="380597" y="6414594"/>
+                  <a:pt x="260223" y="5988893"/>
+                  <a:pt x="171555" y="5552906"/>
+                </a:cubicBezTo>
+                <a:cubicBezTo>
+                  <a:pt x="91163" y="5157998"/>
+                  <a:pt x="43746" y="4758899"/>
+                  <a:pt x="12305" y="4357388"/>
+                </a:cubicBezTo>
+                <a:cubicBezTo>
+                  <a:pt x="-14281" y="4013908"/>
+                  <a:pt x="4507" y="3672965"/>
+                  <a:pt x="46684" y="3331516"/>
+                </a:cubicBezTo>
+                <a:cubicBezTo>
+                  <a:pt x="127203" y="2664286"/>
+                  <a:pt x="277819" y="2007265"/>
+                  <a:pt x="496065" y="1371196"/>
+                </a:cubicBezTo>
+                <a:cubicBezTo>
+                  <a:pt x="636273" y="966066"/>
+                  <a:pt x="800445" y="573253"/>
+                  <a:pt x="995723" y="196614"/>
+                </a:cubicBezTo>
+                <a:close/>
+              </a:path>
+            </a:pathLst>
+          </a:custGeom>
+          <a:noFill/>
+          <a:extLst>
+            <a:ext uri="{909E8E84-426E-40DD-AFC4-6F175D3DCCD1}">
+              <a14:hiddenFill xmlns:a14="http://schemas.microsoft.com/office/drawing/2010/main">
+                <a:solidFill>
+                  <a:srgbClr val="FFFFFF"/>
+                </a:solidFill>
+              </a14:hiddenFill>
+            </a:ext>
+          </a:extLst>
+        </p:spPr>
+      </p:pic>
+    </p:spTree>
+    <p:extLst>
+      <p:ext uri="{BB962C8B-B14F-4D97-AF65-F5344CB8AC3E}">
+        <p14:creationId xmlns:p14="http://schemas.microsoft.com/office/powerpoint/2010/main" val="2960422327"/>
+      </p:ext>
+    </p:extLst>
+  </p:cSld>
+  <p:clrMapOvr>
+    <a:masterClrMapping/>
+  </p:clrMapOvr>
+  <p:timing>
+    <p:tnLst>
+      <p:par>
+        <p:cTn id="1" dur="indefinite" restart="never" nodeType="tmRoot">
+          <p:childTnLst>
+            <p:seq concurrent="1" nextAc="seek">
+              <p:cTn id="2" dur="indefinite" nodeType="mainSeq">
+                <p:childTnLst>
+                  <p:par>
+                    <p:cTn id="3" fill="hold">
+                      <p:stCondLst>
+                        <p:cond delay="indefinite"/>
+                      </p:stCondLst>
+                      <p:childTnLst>
+                        <p:par>
+                          <p:cTn id="4" fill="hold">
+                            <p:stCondLst>
+                              <p:cond delay="0"/>
+                            </p:stCondLst>
+                            <p:childTnLst>
+                              <p:par>
+                                <p:cTn id="5" presetID="1" presetClass="entr" presetSubtype="0" fill="hold" grpId="0" nodeType="clickEffect">
+                                  <p:stCondLst>
+                                    <p:cond delay="0"/>
+                                  </p:stCondLst>
+                                  <p:childTnLst>
+                                    <p:set>
+                                      <p:cBhvr>
+                                        <p:cTn id="6" dur="1" fill="hold">
+                                          <p:stCondLst>
+                                            <p:cond delay="0"/>
+                                          </p:stCondLst>
+                                        </p:cTn>
+                                        <p:tgtEl>
+                                          <p:spTgt spid="3">
+                                            <p:txEl>
+                                              <p:pRg st="0" end="0"/>
+                                            </p:txEl>
+                                          </p:spTgt>
+                                        </p:tgtEl>
+                                        <p:attrNameLst>
+                                          <p:attrName>style.visibility</p:attrName>
+                                        </p:attrNameLst>
+                                      </p:cBhvr>
+                                      <p:to>
+                                        <p:strVal val="visible"/>
+                                      </p:to>
+                                    </p:set>
+                                  </p:childTnLst>
+                                </p:cTn>
+                              </p:par>
+                            </p:childTnLst>
+                          </p:cTn>
+                        </p:par>
+                      </p:childTnLst>
+                    </p:cTn>
+                  </p:par>
+                  <p:par>
+                    <p:cTn id="7" fill="hold">
+                      <p:stCondLst>
+                        <p:cond delay="indefinite"/>
+                      </p:stCondLst>
+                      <p:childTnLst>
+                        <p:par>
+                          <p:cTn id="8" fill="hold">
+                            <p:stCondLst>
+                              <p:cond delay="0"/>
+                            </p:stCondLst>
+                            <p:childTnLst>
+                              <p:par>
+                                <p:cTn id="9" presetID="1" presetClass="entr" presetSubtype="0" fill="hold" grpId="0" nodeType="clickEffect">
+                                  <p:stCondLst>
+                                    <p:cond delay="0"/>
+                                  </p:stCondLst>
+                                  <p:childTnLst>
+                                    <p:set>
+                                      <p:cBhvr>
+                                        <p:cTn id="10" dur="1" fill="hold">
+                                          <p:stCondLst>
+                                            <p:cond delay="0"/>
+                                          </p:stCondLst>
+                                        </p:cTn>
+                                        <p:tgtEl>
+                                          <p:spTgt spid="3">
+                                            <p:txEl>
+                                              <p:pRg st="2" end="2"/>
+                                            </p:txEl>
+                                          </p:spTgt>
+                                        </p:tgtEl>
+                                        <p:attrNameLst>
+                                          <p:attrName>style.visibility</p:attrName>
+                                        </p:attrNameLst>
+                                      </p:cBhvr>
+                                      <p:to>
+                                        <p:strVal val="visible"/>
+                                      </p:to>
+                                    </p:set>
+                                  </p:childTnLst>
+                                </p:cTn>
+                              </p:par>
+                            </p:childTnLst>
+                          </p:cTn>
+                        </p:par>
+                      </p:childTnLst>
+                    </p:cTn>
+                  </p:par>
+                  <p:par>
+                    <p:cTn id="11" fill="hold">
+                      <p:stCondLst>
+                        <p:cond delay="indefinite"/>
+                      </p:stCondLst>
+                      <p:childTnLst>
+                        <p:par>
+                          <p:cTn id="12" fill="hold">
+                            <p:stCondLst>
+                              <p:cond delay="0"/>
+                            </p:stCondLst>
+                            <p:childTnLst>
+                              <p:par>
+                                <p:cTn id="13" presetID="1" presetClass="entr" presetSubtype="0" fill="hold" grpId="0" nodeType="clickEffect">
+                                  <p:stCondLst>
+                                    <p:cond delay="0"/>
+                                  </p:stCondLst>
+                                  <p:childTnLst>
+                                    <p:set>
+                                      <p:cBhvr>
+                                        <p:cTn id="14" dur="1" fill="hold">
+                                          <p:stCondLst>
+                                            <p:cond delay="0"/>
+                                          </p:stCondLst>
+                                        </p:cTn>
+                                        <p:tgtEl>
+                                          <p:spTgt spid="3">
+                                            <p:txEl>
+                                              <p:pRg st="3" end="3"/>
+                                            </p:txEl>
+                                          </p:spTgt>
+                                        </p:tgtEl>
+                                        <p:attrNameLst>
+                                          <p:attrName>style.visibility</p:attrName>
+                                        </p:attrNameLst>
+                                      </p:cBhvr>
+                                      <p:to>
+                                        <p:strVal val="visible"/>
+                                      </p:to>
+                                    </p:set>
+                                  </p:childTnLst>
+                                </p:cTn>
+                              </p:par>
+                            </p:childTnLst>
+                          </p:cTn>
+                        </p:par>
+                      </p:childTnLst>
+                    </p:cTn>
+                  </p:par>
+                  <p:par>
+                    <p:cTn id="15" fill="hold">
+                      <p:stCondLst>
+                        <p:cond delay="indefinite"/>
+                      </p:stCondLst>
+                      <p:childTnLst>
+                        <p:par>
+                          <p:cTn id="16" fill="hold">
+                            <p:stCondLst>
+                              <p:cond delay="0"/>
+                            </p:stCondLst>
+                            <p:childTnLst>
+                              <p:par>
+                                <p:cTn id="17" presetID="1" presetClass="entr" presetSubtype="0" fill="hold" grpId="0" nodeType="clickEffect">
+                                  <p:stCondLst>
+                                    <p:cond delay="0"/>
+                                  </p:stCondLst>
+                                  <p:childTnLst>
+                                    <p:set>
+                                      <p:cBhvr>
+                                        <p:cTn id="18" dur="1" fill="hold">
+                                          <p:stCondLst>
+                                            <p:cond delay="0"/>
+                                          </p:stCondLst>
+                                        </p:cTn>
+                                        <p:tgtEl>
+                                          <p:spTgt spid="3">
+                                            <p:txEl>
+                                              <p:pRg st="4" end="4"/>
+                                            </p:txEl>
+                                          </p:spTgt>
+                                        </p:tgtEl>
+                                        <p:attrNameLst>
+                                          <p:attrName>style.visibility</p:attrName>
+                                        </p:attrNameLst>
+                                      </p:cBhvr>
+                                      <p:to>
+                                        <p:strVal val="visible"/>
+                                      </p:to>
+                                    </p:set>
+                                  </p:childTnLst>
+                                </p:cTn>
+                              </p:par>
+                              <p:par>
+                                <p:cTn id="19" presetID="1" presetClass="entr" presetSubtype="0" fill="hold" grpId="0" nodeType="withEffect">
+                                  <p:stCondLst>
+                                    <p:cond delay="0"/>
+                                  </p:stCondLst>
+                                  <p:childTnLst>
+                                    <p:set>
+                                      <p:cBhvr>
+                                        <p:cTn id="20" dur="1" fill="hold">
+                                          <p:stCondLst>
+                                            <p:cond delay="0"/>
+                                          </p:stCondLst>
+                                        </p:cTn>
+                                        <p:tgtEl>
+                                          <p:spTgt spid="3">
+                                            <p:txEl>
+                                              <p:pRg st="5" end="5"/>
+                                            </p:txEl>
+                                          </p:spTgt>
+                                        </p:tgtEl>
+                                        <p:attrNameLst>
+                                          <p:attrName>style.visibility</p:attrName>
+                                        </p:attrNameLst>
+                                      </p:cBhvr>
+                                      <p:to>
+                                        <p:strVal val="visible"/>
+                                      </p:to>
+                                    </p:set>
+                                  </p:childTnLst>
+                                </p:cTn>
+                              </p:par>
+                            </p:childTnLst>
+                          </p:cTn>
+                        </p:par>
+                      </p:childTnLst>
+                    </p:cTn>
+                  </p:par>
+                </p:childTnLst>
+              </p:cTn>
+              <p:prevCondLst>
+                <p:cond evt="onPrev" delay="0">
+                  <p:tgtEl>
+                    <p:sldTgt/>
+                  </p:tgtEl>
+                </p:cond>
+              </p:prevCondLst>
+              <p:nextCondLst>
+                <p:cond evt="onNext" delay="0">
+                  <p:tgtEl>
+                    <p:sldTgt/>
+                  </p:tgtEl>
+                </p:cond>
+              </p:nextCondLst>
+            </p:seq>
+          </p:childTnLst>
+        </p:cTn>
+      </p:par>
+    </p:tnLst>
+    <p:bldLst>
+      <p:bldP spid="3" grpId="0" build="p"/>
+    </p:bldLst>
+  </p:timing>
+</p:sld>
+</file>
+
+<file path=ppt/slides/slide7.xml><?xml version="1.0" encoding="utf-8"?>
+<p:sld xmlns:a="http://schemas.openxmlformats.org/drawingml/2006/main" xmlns:r="http://schemas.openxmlformats.org/officeDocument/2006/relationships" xmlns:p="http://schemas.openxmlformats.org/presentationml/2006/main">
+  <p:cSld>
+    <p:spTree>
+      <p:nvGrpSpPr>
+        <p:cNvPr id="1" name=""/>
+        <p:cNvGrpSpPr/>
+        <p:nvPr/>
+      </p:nvGrpSpPr>
+      <p:grpSpPr>
+        <a:xfrm>
+          <a:off x="0" y="0"/>
+          <a:ext cx="0" cy="0"/>
+          <a:chOff x="0" y="0"/>
+          <a:chExt cx="0" cy="0"/>
+        </a:xfrm>
+      </p:grpSpPr>
+      <p:sp>
+        <p:nvSpPr>
+          <p:cNvPr id="2" name="Rubrik 1">
+            <a:extLst>
+              <a:ext uri="{FF2B5EF4-FFF2-40B4-BE49-F238E27FC236}">
+                <a16:creationId xmlns:a16="http://schemas.microsoft.com/office/drawing/2014/main" id="{5FB92DFE-CBAD-B81E-0B3F-29763559954A}"/>
+              </a:ext>
+            </a:extLst>
+          </p:cNvPr>
+          <p:cNvSpPr>
+            <a:spLocks noGrp="1"/>
+          </p:cNvSpPr>
+          <p:nvPr>
+            <p:ph type="title"/>
+          </p:nvPr>
+        </p:nvSpPr>
+        <p:spPr>
+          <a:xfrm>
+            <a:off x="640080" y="325369"/>
+            <a:ext cx="4368602" cy="1956841"/>
+          </a:xfrm>
+        </p:spPr>
+        <p:txBody>
+          <a:bodyPr anchor="b">
+            <a:normAutofit/>
+          </a:bodyPr>
+          <a:lstStyle/>
+          <a:p>
+            <a:r>
+              <a:rPr lang="sv-SE" sz="3600" dirty="0" err="1"/>
+              <a:t>But</a:t>
+            </a:r>
+            <a:r>
+              <a:rPr lang="sv-SE" sz="3600" dirty="0"/>
+              <a:t> Magnus, </a:t>
+            </a:r>
+            <a:r>
+              <a:rPr lang="sv-SE" sz="3600" dirty="0" err="1"/>
+              <a:t>that</a:t>
+            </a:r>
+            <a:r>
+              <a:rPr lang="sv-SE" sz="3600" dirty="0"/>
+              <a:t> </a:t>
+            </a:r>
+            <a:r>
+              <a:rPr lang="sv-SE" sz="3600" dirty="0" err="1"/>
+              <a:t>would</a:t>
+            </a:r>
+            <a:r>
+              <a:rPr lang="sv-SE" sz="3600" dirty="0"/>
+              <a:t> never </a:t>
+            </a:r>
+            <a:r>
+              <a:rPr lang="sv-SE" sz="3600" dirty="0" err="1"/>
+              <a:t>happen</a:t>
+            </a:r>
+            <a:r>
+              <a:rPr lang="sv-SE" sz="3600" dirty="0"/>
+              <a:t> in a ”real shop”, right?</a:t>
+            </a:r>
+          </a:p>
+        </p:txBody>
+      </p:sp>
+      <p:sp>
+        <p:nvSpPr>
+          <p:cNvPr id="3" name="Platshållare för innehåll 2">
+            <a:extLst>
+              <a:ext uri="{FF2B5EF4-FFF2-40B4-BE49-F238E27FC236}">
+                <a16:creationId xmlns:a16="http://schemas.microsoft.com/office/drawing/2014/main" id="{42DDA1D0-D19C-C73B-AD74-7031964DA4AD}"/>
+              </a:ext>
+            </a:extLst>
+          </p:cNvPr>
+          <p:cNvSpPr>
+            <a:spLocks noGrp="1"/>
+          </p:cNvSpPr>
+          <p:nvPr>
+            <p:ph idx="1"/>
+          </p:nvPr>
+        </p:nvSpPr>
+        <p:spPr>
+          <a:xfrm>
+            <a:off x="640080" y="4964159"/>
+            <a:ext cx="4243589" cy="1568472"/>
+          </a:xfrm>
+          <a:ln>
+            <a:solidFill>
+              <a:srgbClr val="FF0000"/>
+            </a:solidFill>
+          </a:ln>
+        </p:spPr>
+        <p:txBody>
+          <a:bodyPr>
+            <a:normAutofit/>
+          </a:bodyPr>
+          <a:lstStyle/>
+          <a:p>
+            <a:pPr>
+              <a:buFontTx/>
+              <a:buChar char="-"/>
+            </a:pPr>
+            <a:r>
+              <a:rPr lang="sv-SE" sz="2200" dirty="0" err="1"/>
+              <a:t>Take</a:t>
+            </a:r>
+            <a:r>
+              <a:rPr lang="sv-SE" sz="2200" dirty="0"/>
+              <a:t> a backup</a:t>
+            </a:r>
+          </a:p>
+          <a:p>
+            <a:pPr>
+              <a:buFontTx/>
+              <a:buChar char="-"/>
+            </a:pPr>
+            <a:r>
+              <a:rPr lang="sv-SE" sz="2200" dirty="0"/>
+              <a:t>Test it</a:t>
+            </a:r>
+          </a:p>
+          <a:p>
+            <a:pPr>
+              <a:buFontTx/>
+              <a:buChar char="-"/>
+            </a:pPr>
+            <a:r>
+              <a:rPr lang="sv-SE" sz="2200" dirty="0"/>
+              <a:t>Store it as far from </a:t>
+            </a:r>
+            <a:r>
+              <a:rPr lang="sv-SE" sz="2200" dirty="0" err="1"/>
+              <a:t>your</a:t>
+            </a:r>
+            <a:r>
+              <a:rPr lang="sv-SE" sz="2200" dirty="0"/>
+              <a:t> data </a:t>
+            </a:r>
+            <a:r>
+              <a:rPr lang="sv-SE" sz="2200" dirty="0" err="1"/>
+              <a:t>files</a:t>
+            </a:r>
+            <a:r>
+              <a:rPr lang="sv-SE" sz="2200" dirty="0"/>
+              <a:t> as </a:t>
+            </a:r>
+            <a:r>
+              <a:rPr lang="sv-SE" sz="2200" dirty="0" err="1"/>
+              <a:t>you</a:t>
+            </a:r>
+            <a:r>
+              <a:rPr lang="sv-SE" sz="2200" dirty="0"/>
+              <a:t> </a:t>
+            </a:r>
+            <a:r>
+              <a:rPr lang="sv-SE" sz="2200" dirty="0" err="1"/>
+              <a:t>possibly</a:t>
+            </a:r>
+            <a:r>
+              <a:rPr lang="sv-SE" sz="2200" dirty="0"/>
+              <a:t> </a:t>
+            </a:r>
+            <a:r>
+              <a:rPr lang="sv-SE" sz="2200" dirty="0" err="1"/>
+              <a:t>can</a:t>
+            </a:r>
+            <a:r>
+              <a:rPr lang="sv-SE" sz="2200" dirty="0"/>
+              <a:t>!</a:t>
+            </a:r>
+          </a:p>
+        </p:txBody>
+      </p:sp>
+      <p:pic>
+        <p:nvPicPr>
+          <p:cNvPr id="1028" name="Picture 4" descr="a database ripping his hair in agony after a database restore has failed">
+            <a:extLst>
+              <a:ext uri="{FF2B5EF4-FFF2-40B4-BE49-F238E27FC236}">
+                <a16:creationId xmlns:a16="http://schemas.microsoft.com/office/drawing/2014/main" id="{E0F8E64D-48BB-82B8-AE7F-DF43149E87D1}"/>
+              </a:ext>
+            </a:extLst>
+          </p:cNvPr>
+          <p:cNvPicPr>
+            <a:picLocks noChangeAspect="1" noChangeArrowheads="1"/>
+          </p:cNvPicPr>
+          <p:nvPr/>
+        </p:nvPicPr>
+        <p:blipFill rotWithShape="1">
+          <a:blip r:embed="rId2">
+            <a:extLst>
+              <a:ext uri="{28A0092B-C50C-407E-A947-70E740481C1C}">
+                <a14:useLocalDpi xmlns:a14="http://schemas.microsoft.com/office/drawing/2010/main" val="0"/>
+              </a:ext>
+            </a:extLst>
+          </a:blip>
+          <a:srcRect b="303"/>
+          <a:stretch/>
+        </p:blipFill>
+        <p:spPr bwMode="auto">
+          <a:xfrm>
+            <a:off x="5311702" y="10"/>
+            <a:ext cx="6878775" cy="6857990"/>
+          </a:xfrm>
+          <a:custGeom>
+            <a:avLst/>
+            <a:gdLst/>
+            <a:ahLst/>
+            <a:cxnLst/>
+            <a:rect l="l" t="t" r="r" b="b"/>
+            <a:pathLst>
+              <a:path w="6878775" h="6858000">
+                <a:moveTo>
+                  <a:pt x="1102973" y="0"/>
+                </a:moveTo>
+                <a:lnTo>
+                  <a:pt x="1160688" y="0"/>
+                </a:lnTo>
+                <a:lnTo>
+                  <a:pt x="983189" y="331786"/>
+                </a:lnTo>
+                <a:cubicBezTo>
+                  <a:pt x="914866" y="469145"/>
+                  <a:pt x="850355" y="608712"/>
+                  <a:pt x="789261" y="750263"/>
+                </a:cubicBezTo>
+                <a:cubicBezTo>
+                  <a:pt x="774307" y="784928"/>
+                  <a:pt x="759992" y="819849"/>
+                  <a:pt x="745295" y="854514"/>
+                </a:cubicBezTo>
+                <a:cubicBezTo>
+                  <a:pt x="756682" y="845393"/>
+                  <a:pt x="765489" y="833492"/>
+                  <a:pt x="770857" y="819975"/>
+                </a:cubicBezTo>
+                <a:cubicBezTo>
+                  <a:pt x="879943" y="589569"/>
+                  <a:pt x="999605" y="365513"/>
+                  <a:pt x="1131329" y="148742"/>
+                </a:cubicBezTo>
+                <a:lnTo>
+                  <a:pt x="1227589" y="0"/>
+                </a:lnTo>
+                <a:lnTo>
+                  <a:pt x="6878775" y="0"/>
+                </a:lnTo>
+                <a:lnTo>
+                  <a:pt x="6878775" y="6858000"/>
+                </a:lnTo>
+                <a:lnTo>
+                  <a:pt x="713521" y="6858000"/>
+                </a:lnTo>
+                <a:lnTo>
+                  <a:pt x="625642" y="6670527"/>
+                </a:lnTo>
+                <a:cubicBezTo>
+                  <a:pt x="507232" y="6398531"/>
+                  <a:pt x="403083" y="6118381"/>
+                  <a:pt x="312785" y="5830359"/>
+                </a:cubicBezTo>
+                <a:cubicBezTo>
+                  <a:pt x="278149" y="5719759"/>
+                  <a:pt x="248879" y="5607635"/>
+                  <a:pt x="212198" y="5480401"/>
+                </a:cubicBezTo>
+                <a:cubicBezTo>
+                  <a:pt x="212208" y="5491601"/>
+                  <a:pt x="212803" y="5502788"/>
+                  <a:pt x="213988" y="5513923"/>
+                </a:cubicBezTo>
+                <a:cubicBezTo>
+                  <a:pt x="264089" y="5723695"/>
+                  <a:pt x="307290" y="5935370"/>
+                  <a:pt x="365826" y="6142729"/>
+                </a:cubicBezTo>
+                <a:cubicBezTo>
+                  <a:pt x="433152" y="6380817"/>
+                  <a:pt x="510068" y="6614016"/>
+                  <a:pt x="597975" y="6841549"/>
+                </a:cubicBezTo>
+                <a:lnTo>
+                  <a:pt x="604824" y="6858000"/>
+                </a:lnTo>
+                <a:lnTo>
+                  <a:pt x="552056" y="6858000"/>
+                </a:lnTo>
+                <a:lnTo>
+                  <a:pt x="539576" y="6828295"/>
+                </a:lnTo>
+                <a:cubicBezTo>
+                  <a:pt x="380597" y="6414594"/>
+                  <a:pt x="260223" y="5988893"/>
+                  <a:pt x="171555" y="5552906"/>
+                </a:cubicBezTo>
+                <a:cubicBezTo>
+                  <a:pt x="91163" y="5157998"/>
+                  <a:pt x="43746" y="4758899"/>
+                  <a:pt x="12305" y="4357388"/>
+                </a:cubicBezTo>
+                <a:cubicBezTo>
+                  <a:pt x="-14281" y="4013908"/>
+                  <a:pt x="4507" y="3672965"/>
+                  <a:pt x="46684" y="3331516"/>
+                </a:cubicBezTo>
+                <a:cubicBezTo>
+                  <a:pt x="127203" y="2664286"/>
+                  <a:pt x="277819" y="2007265"/>
+                  <a:pt x="496065" y="1371196"/>
+                </a:cubicBezTo>
+                <a:cubicBezTo>
+                  <a:pt x="636273" y="966066"/>
+                  <a:pt x="800445" y="573253"/>
+                  <a:pt x="995723" y="196614"/>
+                </a:cubicBezTo>
+                <a:close/>
+              </a:path>
+            </a:pathLst>
+          </a:custGeom>
+          <a:noFill/>
+          <a:extLst>
+            <a:ext uri="{909E8E84-426E-40DD-AFC4-6F175D3DCCD1}">
+              <a14:hiddenFill xmlns:a14="http://schemas.microsoft.com/office/drawing/2010/main">
+                <a:solidFill>
+                  <a:srgbClr val="FFFFFF"/>
+                </a:solidFill>
+              </a14:hiddenFill>
+            </a:ext>
+          </a:extLst>
+        </p:spPr>
+      </p:pic>
+      <p:graphicFrame>
+        <p:nvGraphicFramePr>
+          <p:cNvPr id="4" name="Tabell 3">
+            <a:extLst>
+              <a:ext uri="{FF2B5EF4-FFF2-40B4-BE49-F238E27FC236}">
+                <a16:creationId xmlns:a16="http://schemas.microsoft.com/office/drawing/2014/main" id="{6C575C17-AB25-D24C-15BB-7D20D304CDDC}"/>
+              </a:ext>
+            </a:extLst>
+          </p:cNvPr>
+          <p:cNvGraphicFramePr>
+            <a:graphicFrameLocks noGrp="1"/>
+          </p:cNvGraphicFramePr>
+          <p:nvPr>
+            <p:extLst>
+              <p:ext uri="{D42A27DB-BD31-4B8C-83A1-F6EECF244321}">
+                <p14:modId xmlns:p14="http://schemas.microsoft.com/office/powerpoint/2010/main" val="707416377"/>
+              </p:ext>
+            </p:extLst>
+          </p:nvPr>
+        </p:nvGraphicFramePr>
+        <p:xfrm>
+          <a:off x="114662" y="2953366"/>
+          <a:ext cx="5045530" cy="1678524"/>
+        </p:xfrm>
+        <a:graphic>
+          <a:graphicData uri="http://schemas.openxmlformats.org/drawingml/2006/table">
+            <a:tbl>
+              <a:tblPr firstRow="1" bandRow="1">
+                <a:tableStyleId>{5C22544A-7EE6-4342-B048-85BDC9FD1C3A}</a:tableStyleId>
+              </a:tblPr>
+              <a:tblGrid>
+                <a:gridCol w="1009106">
+                  <a:extLst>
+                    <a:ext uri="{9D8B030D-6E8A-4147-A177-3AD203B41FA5}">
+                      <a16:colId xmlns:a16="http://schemas.microsoft.com/office/drawing/2014/main" val="4054115538"/>
+                    </a:ext>
+                  </a:extLst>
+                </a:gridCol>
+                <a:gridCol w="1009106">
+                  <a:extLst>
+                    <a:ext uri="{9D8B030D-6E8A-4147-A177-3AD203B41FA5}">
+                      <a16:colId xmlns:a16="http://schemas.microsoft.com/office/drawing/2014/main" val="262542270"/>
+                    </a:ext>
+                  </a:extLst>
+                </a:gridCol>
+                <a:gridCol w="1009106">
+                  <a:extLst>
+                    <a:ext uri="{9D8B030D-6E8A-4147-A177-3AD203B41FA5}">
+                      <a16:colId xmlns:a16="http://schemas.microsoft.com/office/drawing/2014/main" val="2496504217"/>
+                    </a:ext>
+                  </a:extLst>
+                </a:gridCol>
+                <a:gridCol w="1009106">
+                  <a:extLst>
+                    <a:ext uri="{9D8B030D-6E8A-4147-A177-3AD203B41FA5}">
+                      <a16:colId xmlns:a16="http://schemas.microsoft.com/office/drawing/2014/main" val="3018041008"/>
+                    </a:ext>
+                  </a:extLst>
+                </a:gridCol>
+                <a:gridCol w="1009106">
+                  <a:extLst>
+                    <a:ext uri="{9D8B030D-6E8A-4147-A177-3AD203B41FA5}">
+                      <a16:colId xmlns:a16="http://schemas.microsoft.com/office/drawing/2014/main" val="3295760725"/>
+                    </a:ext>
+                  </a:extLst>
+                </a:gridCol>
+              </a:tblGrid>
+              <a:tr h="703164">
+                <a:tc>
+                  <a:txBody>
+                    <a:bodyPr/>
+                    <a:lstStyle/>
+                    <a:p>
+                      <a:r>
+                        <a:rPr lang="sv-SE" sz="1300" dirty="0" err="1"/>
+                        <a:t>Organi-sations</a:t>
+                      </a:r>
+                      <a:r>
+                        <a:rPr lang="sv-SE" sz="1300" dirty="0"/>
+                        <a:t> </a:t>
+                      </a:r>
+                      <a:r>
+                        <a:rPr lang="sv-SE" sz="1300" dirty="0" err="1"/>
+                        <a:t>affected</a:t>
+                      </a:r>
+                      <a:endParaRPr lang="sv-SE" sz="1300" dirty="0"/>
+                    </a:p>
+                  </a:txBody>
+                  <a:tcPr/>
+                </a:tc>
+                <a:tc>
+                  <a:txBody>
+                    <a:bodyPr/>
+                    <a:lstStyle/>
+                    <a:p>
+                      <a:r>
+                        <a:rPr lang="sv-SE" sz="1300" dirty="0"/>
+                        <a:t>Data loss incidents per </a:t>
+                      </a:r>
+                      <a:r>
+                        <a:rPr lang="sv-SE" sz="1300" dirty="0" err="1"/>
+                        <a:t>year</a:t>
+                      </a:r>
+                      <a:endParaRPr lang="sv-SE" sz="1300" dirty="0"/>
+                    </a:p>
+                  </a:txBody>
+                  <a:tcPr/>
+                </a:tc>
+                <a:tc>
+                  <a:txBody>
+                    <a:bodyPr/>
+                    <a:lstStyle/>
+                    <a:p>
+                      <a:r>
+                        <a:rPr lang="sv-SE" sz="1300" dirty="0"/>
+                        <a:t>Business dis-</a:t>
+                      </a:r>
+                      <a:r>
+                        <a:rPr lang="sv-SE" sz="1300" dirty="0" err="1"/>
+                        <a:t>ruptions</a:t>
+                      </a:r>
+                      <a:endParaRPr lang="sv-SE" sz="1300" dirty="0"/>
+                    </a:p>
+                  </a:txBody>
+                  <a:tcPr/>
+                </a:tc>
+                <a:tc>
+                  <a:txBody>
+                    <a:bodyPr/>
+                    <a:lstStyle/>
+                    <a:p>
+                      <a:r>
+                        <a:rPr lang="sv-SE" sz="1300" dirty="0"/>
+                        <a:t>Reputation </a:t>
+                      </a:r>
+                      <a:r>
+                        <a:rPr lang="sv-SE" sz="1300" dirty="0" err="1"/>
+                        <a:t>setback</a:t>
+                      </a:r>
+                      <a:endParaRPr lang="sv-SE" sz="1300" dirty="0"/>
+                    </a:p>
+                  </a:txBody>
+                  <a:tcPr/>
+                </a:tc>
+                <a:tc>
+                  <a:txBody>
+                    <a:bodyPr/>
+                    <a:lstStyle/>
+                    <a:p>
+                      <a:r>
+                        <a:rPr lang="sv-SE" sz="1300" dirty="0" err="1"/>
+                        <a:t>Issued</a:t>
+                      </a:r>
+                      <a:r>
+                        <a:rPr lang="sv-SE" sz="1300" dirty="0"/>
+                        <a:t> </a:t>
+                      </a:r>
+                      <a:r>
+                        <a:rPr lang="sv-SE" sz="1300" dirty="0" err="1"/>
+                        <a:t>regulatory</a:t>
+                      </a:r>
+                      <a:r>
+                        <a:rPr lang="sv-SE" sz="1300" dirty="0"/>
+                        <a:t> fines</a:t>
+                      </a:r>
+                    </a:p>
+                  </a:txBody>
+                  <a:tcPr/>
+                </a:tc>
+                <a:extLst>
+                  <a:ext uri="{0D108BD9-81ED-4DB2-BD59-A6C34878D82A}">
+                    <a16:rowId xmlns:a16="http://schemas.microsoft.com/office/drawing/2014/main" val="1138202949"/>
+                  </a:ext>
+                </a:extLst>
+              </a:tr>
+              <a:tr h="226827">
+                <a:tc>
+                  <a:txBody>
+                    <a:bodyPr/>
+                    <a:lstStyle/>
+                    <a:p>
+                      <a:r>
+                        <a:rPr lang="sv-SE" sz="1300" dirty="0"/>
+                        <a:t>85%</a:t>
+                      </a:r>
+                    </a:p>
+                  </a:txBody>
+                  <a:tcPr/>
+                </a:tc>
+                <a:tc>
+                  <a:txBody>
+                    <a:bodyPr/>
+                    <a:lstStyle/>
+                    <a:p>
+                      <a:r>
+                        <a:rPr lang="sv-SE" sz="1300" dirty="0"/>
+                        <a:t>15</a:t>
+                      </a:r>
+                    </a:p>
+                  </a:txBody>
+                  <a:tcPr/>
+                </a:tc>
+                <a:tc>
+                  <a:txBody>
+                    <a:bodyPr/>
+                    <a:lstStyle/>
+                    <a:p>
+                      <a:r>
+                        <a:rPr lang="sv-SE" sz="1300" dirty="0"/>
+                        <a:t>57%</a:t>
+                      </a:r>
+                    </a:p>
+                  </a:txBody>
+                  <a:tcPr/>
+                </a:tc>
+                <a:tc>
+                  <a:txBody>
+                    <a:bodyPr/>
+                    <a:lstStyle/>
+                    <a:p>
+                      <a:r>
+                        <a:rPr lang="sv-SE" sz="1300" dirty="0"/>
+                        <a:t>39%</a:t>
+                      </a:r>
+                    </a:p>
+                  </a:txBody>
+                  <a:tcPr/>
+                </a:tc>
+                <a:tc>
+                  <a:txBody>
+                    <a:bodyPr/>
+                    <a:lstStyle/>
+                    <a:p>
+                      <a:r>
+                        <a:rPr lang="sv-SE" sz="1300" dirty="0"/>
+                        <a:t>35%</a:t>
+                      </a:r>
+                    </a:p>
+                  </a:txBody>
+                  <a:tcPr/>
+                </a:tc>
+                <a:extLst>
+                  <a:ext uri="{0D108BD9-81ED-4DB2-BD59-A6C34878D82A}">
+                    <a16:rowId xmlns:a16="http://schemas.microsoft.com/office/drawing/2014/main" val="2849011495"/>
+                  </a:ext>
+                </a:extLst>
+              </a:tr>
+              <a:tr h="226827">
+                <a:tc gridSpan="5">
+                  <a:txBody>
+                    <a:bodyPr/>
+                    <a:lstStyle/>
+                    <a:p>
+                      <a:r>
+                        <a:rPr lang="sv-SE" sz="1300" dirty="0" err="1"/>
+                        <a:t>Proofpoint</a:t>
+                      </a:r>
+                      <a:r>
+                        <a:rPr lang="sv-SE" sz="1300" dirty="0"/>
+                        <a:t> 2024 Data Loss Landscape </a:t>
+                      </a:r>
+                      <a:r>
+                        <a:rPr lang="sv-SE" sz="1300" dirty="0" err="1"/>
+                        <a:t>report</a:t>
+                      </a:r>
+                      <a:r>
+                        <a:rPr lang="sv-SE" sz="1300" dirty="0"/>
+                        <a:t>.</a:t>
+                      </a:r>
+                      <a:br>
+                        <a:rPr lang="sv-SE" sz="1300" dirty="0"/>
+                      </a:br>
+                      <a:r>
+                        <a:rPr lang="sv-SE" sz="1300" dirty="0">
+                          <a:hlinkClick r:id="rId3"/>
+                        </a:rPr>
+                        <a:t>https://www.proofpoint.com/us/blog/information-protection/2024-data-loss-landscape-report-dlp</a:t>
+                      </a:r>
+                      <a:r>
+                        <a:rPr lang="sv-SE" sz="1300" dirty="0"/>
+                        <a:t> </a:t>
+                      </a:r>
+                    </a:p>
+                  </a:txBody>
+                  <a:tcPr/>
+                </a:tc>
+                <a:tc hMerge="1">
+                  <a:txBody>
+                    <a:bodyPr/>
+                    <a:lstStyle/>
+                    <a:p>
+                      <a:endParaRPr lang="sv-SE" sz="1300" dirty="0"/>
+                    </a:p>
+                  </a:txBody>
+                  <a:tcPr/>
+                </a:tc>
+                <a:tc hMerge="1">
+                  <a:txBody>
+                    <a:bodyPr/>
+                    <a:lstStyle/>
+                    <a:p>
+                      <a:endParaRPr lang="sv-SE" sz="1300" dirty="0"/>
+                    </a:p>
+                  </a:txBody>
+                  <a:tcPr/>
+                </a:tc>
+                <a:tc hMerge="1">
+                  <a:txBody>
+                    <a:bodyPr/>
+                    <a:lstStyle/>
+                    <a:p>
+                      <a:endParaRPr lang="sv-SE" sz="1300" dirty="0"/>
+                    </a:p>
+                  </a:txBody>
+                  <a:tcPr/>
+                </a:tc>
+                <a:tc hMerge="1">
+                  <a:txBody>
+                    <a:bodyPr/>
+                    <a:lstStyle/>
+                    <a:p>
+                      <a:endParaRPr lang="sv-SE" sz="1300" dirty="0"/>
+                    </a:p>
+                  </a:txBody>
+                  <a:tcPr/>
+                </a:tc>
+                <a:extLst>
+                  <a:ext uri="{0D108BD9-81ED-4DB2-BD59-A6C34878D82A}">
+                    <a16:rowId xmlns:a16="http://schemas.microsoft.com/office/drawing/2014/main" val="3632968029"/>
+                  </a:ext>
+                </a:extLst>
+              </a:tr>
+            </a:tbl>
+          </a:graphicData>
+        </a:graphic>
+      </p:graphicFrame>
+    </p:spTree>
+    <p:extLst>
+      <p:ext uri="{BB962C8B-B14F-4D97-AF65-F5344CB8AC3E}">
+        <p14:creationId xmlns:p14="http://schemas.microsoft.com/office/powerpoint/2010/main" val="4278356408"/>
+      </p:ext>
+    </p:extLst>
+  </p:cSld>
+  <p:clrMapOvr>
+    <a:masterClrMapping/>
+  </p:clrMapOvr>
+  <p:timing>
+    <p:tnLst>
+      <p:par>
+        <p:cTn id="1" dur="indefinite" restart="never" nodeType="tmRoot">
+          <p:childTnLst>
+            <p:seq concurrent="1" nextAc="seek">
+              <p:cTn id="2" dur="indefinite" nodeType="mainSeq">
+                <p:childTnLst>
+                  <p:par>
+                    <p:cTn id="3" fill="hold">
+                      <p:stCondLst>
+                        <p:cond delay="indefinite"/>
+                      </p:stCondLst>
+                      <p:childTnLst>
+                        <p:par>
+                          <p:cTn id="4" fill="hold">
+                            <p:stCondLst>
+                              <p:cond delay="0"/>
+                            </p:stCondLst>
+                            <p:childTnLst>
+                              <p:par>
+                                <p:cTn id="5" presetID="1" presetClass="entr" presetSubtype="0" fill="hold" grpId="0" nodeType="clickEffect">
+                                  <p:stCondLst>
+                                    <p:cond delay="0"/>
+                                  </p:stCondLst>
+                                  <p:childTnLst>
+                                    <p:set>
+                                      <p:cBhvr>
+                                        <p:cTn id="6" dur="1" fill="hold">
+                                          <p:stCondLst>
+                                            <p:cond delay="0"/>
+                                          </p:stCondLst>
+                                        </p:cTn>
+                                        <p:tgtEl>
+                                          <p:spTgt spid="3">
+                                            <p:bg/>
+                                          </p:spTgt>
+                                        </p:tgtEl>
+                                        <p:attrNameLst>
+                                          <p:attrName>style.visibility</p:attrName>
+                                        </p:attrNameLst>
+                                      </p:cBhvr>
+                                      <p:to>
+                                        <p:strVal val="visible"/>
+                                      </p:to>
+                                    </p:set>
+                                  </p:childTnLst>
+                                </p:cTn>
+                              </p:par>
+                              <p:par>
+                                <p:cTn id="7" presetID="1" presetClass="entr" presetSubtype="0" fill="hold" grpId="0" nodeType="withEffect">
+                                  <p:stCondLst>
+                                    <p:cond delay="0"/>
+                                  </p:stCondLst>
+                                  <p:childTnLst>
+                                    <p:set>
+                                      <p:cBhvr>
+                                        <p:cTn id="8" dur="1" fill="hold">
+                                          <p:stCondLst>
+                                            <p:cond delay="0"/>
+                                          </p:stCondLst>
+                                        </p:cTn>
+                                        <p:tgtEl>
+                                          <p:spTgt spid="3">
+                                            <p:txEl>
+                                              <p:pRg st="0" end="0"/>
+                                            </p:txEl>
+                                          </p:spTgt>
+                                        </p:tgtEl>
+                                        <p:attrNameLst>
+                                          <p:attrName>style.visibility</p:attrName>
+                                        </p:attrNameLst>
+                                      </p:cBhvr>
+                                      <p:to>
+                                        <p:strVal val="visible"/>
+                                      </p:to>
+                                    </p:set>
+                                  </p:childTnLst>
+                                </p:cTn>
+                              </p:par>
+                              <p:par>
+                                <p:cTn id="9" presetID="1" presetClass="entr" presetSubtype="0" fill="hold" grpId="0" nodeType="withEffect">
+                                  <p:stCondLst>
+                                    <p:cond delay="0"/>
+                                  </p:stCondLst>
+                                  <p:childTnLst>
+                                    <p:set>
+                                      <p:cBhvr>
+                                        <p:cTn id="10" dur="1" fill="hold">
+                                          <p:stCondLst>
+                                            <p:cond delay="0"/>
+                                          </p:stCondLst>
+                                        </p:cTn>
+                                        <p:tgtEl>
+                                          <p:spTgt spid="3">
+                                            <p:txEl>
+                                              <p:pRg st="1" end="1"/>
+                                            </p:txEl>
+                                          </p:spTgt>
+                                        </p:tgtEl>
+                                        <p:attrNameLst>
+                                          <p:attrName>style.visibility</p:attrName>
+                                        </p:attrNameLst>
+                                      </p:cBhvr>
+                                      <p:to>
+                                        <p:strVal val="visible"/>
+                                      </p:to>
+                                    </p:set>
+                                  </p:childTnLst>
+                                </p:cTn>
+                              </p:par>
+                              <p:par>
+                                <p:cTn id="11" presetID="1" presetClass="entr" presetSubtype="0" fill="hold" grpId="0" nodeType="withEffect">
+                                  <p:stCondLst>
+                                    <p:cond delay="0"/>
+                                  </p:stCondLst>
+                                  <p:childTnLst>
+                                    <p:set>
+                                      <p:cBhvr>
+                                        <p:cTn id="12" dur="1" fill="hold">
+                                          <p:stCondLst>
+                                            <p:cond delay="0"/>
+                                          </p:stCondLst>
+                                        </p:cTn>
+                                        <p:tgtEl>
+                                          <p:spTgt spid="3">
+                                            <p:txEl>
+                                              <p:pRg st="2" end="2"/>
+                                            </p:txEl>
+                                          </p:spTgt>
+                                        </p:tgtEl>
+                                        <p:attrNameLst>
+                                          <p:attrName>style.visibility</p:attrName>
+                                        </p:attrNameLst>
+                                      </p:cBhvr>
+                                      <p:to>
+                                        <p:strVal val="visible"/>
+                                      </p:to>
+                                    </p:set>
+                                  </p:childTnLst>
+                                </p:cTn>
+                              </p:par>
+                            </p:childTnLst>
+                          </p:cTn>
+                        </p:par>
+                      </p:childTnLst>
+                    </p:cTn>
+                  </p:par>
+                </p:childTnLst>
+              </p:cTn>
+              <p:prevCondLst>
+                <p:cond evt="onPrev" delay="0">
+                  <p:tgtEl>
+                    <p:sldTgt/>
+                  </p:tgtEl>
+                </p:cond>
+              </p:prevCondLst>
+              <p:nextCondLst>
+                <p:cond evt="onNext" delay="0">
+                  <p:tgtEl>
+                    <p:sldTgt/>
+                  </p:tgtEl>
+                </p:cond>
+              </p:nextCondLst>
+            </p:seq>
+          </p:childTnLst>
+        </p:cTn>
+      </p:par>
+    </p:tnLst>
+    <p:bldLst>
+      <p:bldP spid="3" grpId="0" build="p" animBg="1"/>
+    </p:bldLst>
+  </p:timing>
+</p:sld>
+</file>
+
+<file path=ppt/slides/slide8.xml><?xml version="1.0" encoding="utf-8"?>
+<p:sld xmlns:a="http://schemas.openxmlformats.org/drawingml/2006/main" xmlns:r="http://schemas.openxmlformats.org/officeDocument/2006/relationships" xmlns:p="http://schemas.openxmlformats.org/presentationml/2006/main">
+  <p:cSld>
+    <p:bg>
+      <p:bgPr>
+        <a:solidFill>
+          <a:schemeClr val="bg1"/>
+        </a:solidFill>
+        <a:effectLst/>
+      </p:bgPr>
+    </p:bg>
+    <p:spTree>
+      <p:nvGrpSpPr>
+        <p:cNvPr id="1" name=""/>
+        <p:cNvGrpSpPr/>
+        <p:nvPr/>
+      </p:nvGrpSpPr>
+      <p:grpSpPr>
+        <a:xfrm>
+          <a:off x="0" y="0"/>
+          <a:ext cx="0" cy="0"/>
+          <a:chOff x="0" y="0"/>
+          <a:chExt cx="0" cy="0"/>
+        </a:xfrm>
+      </p:grpSpPr>
+      <p:sp useBgFill="1">
+        <p:nvSpPr>
+          <p:cNvPr id="2077" name="Rectangle 2064">
+            <a:extLst>
+              <a:ext uri="{FF2B5EF4-FFF2-40B4-BE49-F238E27FC236}">
+                <a16:creationId xmlns:a16="http://schemas.microsoft.com/office/drawing/2014/main" id="{04812C46-200A-4DEB-A05E-3ED6C68C2387}"/>
+              </a:ext>
+              <a:ext uri="{C183D7F6-B498-43B3-948B-1728B52AA6E4}">
+                <adec:decorative xmlns:adec="http://schemas.microsoft.com/office/drawing/2017/decorative" val="1"/>
+              </a:ext>
+            </a:extLst>
+          </p:cNvPr>
+          <p:cNvSpPr>
+            <a:spLocks noGrp="1" noRot="1" noChangeAspect="1" noMove="1" noResize="1" noEditPoints="1" noAdjustHandles="1" noChangeArrowheads="1" noChangeShapeType="1" noTextEdit="1"/>
+          </p:cNvSpPr>
+          <p:nvPr>
+            <p:extLst>
+              <p:ext uri="{386F3935-93C4-4BCD-93E2-E3B085C9AB24}">
+                <p16:designElem xmlns:p16="http://schemas.microsoft.com/office/powerpoint/2015/main" val="1"/>
+              </p:ext>
+            </p:extLst>
+          </p:nvPr>
+        </p:nvSpPr>
+        <p:spPr>
+          <a:xfrm>
+            <a:off x="-1" y="0"/>
+            <a:ext cx="12188952" cy="6858000"/>
+          </a:xfrm>
+          <a:prstGeom prst="rect">
+            <a:avLst/>
+          </a:prstGeom>
+          <a:ln>
+            <a:noFill/>
+          </a:ln>
+        </p:spPr>
+        <p:style>
+          <a:lnRef idx="2">
+            <a:schemeClr val="accent1">
+              <a:shade val="50000"/>
+            </a:schemeClr>
+          </a:lnRef>
+          <a:fillRef idx="1">
+            <a:schemeClr val="accent1"/>
+          </a:fillRef>
+          <a:effectRef idx="0">
+            <a:schemeClr val="accent1"/>
+          </a:effectRef>
+          <a:fontRef idx="minor">
+            <a:schemeClr val="lt1"/>
+          </a:fontRef>
+        </p:style>
+        <p:txBody>
+          <a:bodyPr rtlCol="0" anchor="ctr"/>
+          <a:lstStyle/>
+          <a:p>
+            <a:pPr algn="ctr"/>
+            <a:endParaRPr lang="en-US"/>
+          </a:p>
+        </p:txBody>
+      </p:sp>
+      <p:pic>
+        <p:nvPicPr>
+          <p:cNvPr id="2050" name="Picture 2" descr="a happy male junior DBA who is unknowingly messing up settings in a database, with visual cues of disarray in the database settings">
+            <a:extLst>
+              <a:ext uri="{FF2B5EF4-FFF2-40B4-BE49-F238E27FC236}">
+                <a16:creationId xmlns:a16="http://schemas.microsoft.com/office/drawing/2014/main" id="{5F2BBB67-4EA5-5D07-2160-F9C0DF0E2300}"/>
+              </a:ext>
+            </a:extLst>
+          </p:cNvPr>
+          <p:cNvPicPr>
+            <a:picLocks noChangeAspect="1" noChangeArrowheads="1"/>
+          </p:cNvPicPr>
+          <p:nvPr/>
+        </p:nvPicPr>
+        <p:blipFill rotWithShape="1">
+          <a:blip r:embed="rId2">
+            <a:extLst>
+              <a:ext uri="{28A0092B-C50C-407E-A947-70E740481C1C}">
+                <a14:useLocalDpi xmlns:a14="http://schemas.microsoft.com/office/drawing/2010/main" val="0"/>
+              </a:ext>
+            </a:extLst>
+          </a:blip>
+          <a:srcRect b="29077"/>
+          <a:stretch/>
+        </p:blipFill>
+        <p:spPr bwMode="auto">
+          <a:xfrm>
+            <a:off x="1" y="10"/>
+            <a:ext cx="9669642" cy="6857990"/>
+          </a:xfrm>
+          <a:prstGeom prst="rect">
+            <a:avLst/>
+          </a:prstGeom>
+          <a:noFill/>
+          <a:extLst>
+            <a:ext uri="{909E8E84-426E-40DD-AFC4-6F175D3DCCD1}">
+              <a14:hiddenFill xmlns:a14="http://schemas.microsoft.com/office/drawing/2010/main">
+                <a:solidFill>
+                  <a:srgbClr val="FFFFFF"/>
+                </a:solidFill>
+              </a14:hiddenFill>
+            </a:ext>
+          </a:extLst>
+        </p:spPr>
+      </p:pic>
+      <p:sp>
+        <p:nvSpPr>
+          <p:cNvPr id="2078" name="Rectangle 2066">
+            <a:extLst>
+              <a:ext uri="{FF2B5EF4-FFF2-40B4-BE49-F238E27FC236}">
+                <a16:creationId xmlns:a16="http://schemas.microsoft.com/office/drawing/2014/main" id="{D1EA859B-E555-4109-94F3-6700E046E008}"/>
+              </a:ext>
+              <a:ext uri="{C183D7F6-B498-43B3-948B-1728B52AA6E4}">
+                <adec:decorative xmlns:adec="http://schemas.microsoft.com/office/drawing/2017/decorative" val="1"/>
+              </a:ext>
+            </a:extLst>
+          </p:cNvPr>
+          <p:cNvSpPr>
+            <a:spLocks noGrp="1" noRot="1" noChangeAspect="1" noMove="1" noResize="1" noEditPoints="1" noAdjustHandles="1" noChangeArrowheads="1" noChangeShapeType="1" noTextEdit="1"/>
+          </p:cNvSpPr>
+          <p:nvPr>
+            <p:extLst>
+              <p:ext uri="{386F3935-93C4-4BCD-93E2-E3B085C9AB24}">
+                <p16:designElem xmlns:p16="http://schemas.microsoft.com/office/powerpoint/2015/main" val="1"/>
+              </p:ext>
+            </p:extLst>
+          </p:nvPr>
+        </p:nvSpPr>
+        <p:spPr>
+          <a:xfrm flipH="1">
+            <a:off x="5125019" y="0"/>
+            <a:ext cx="7066978" cy="6858000"/>
+          </a:xfrm>
+          <a:prstGeom prst="rect">
+            <a:avLst/>
+          </a:prstGeom>
+          <a:gradFill>
+            <a:gsLst>
+              <a:gs pos="48000">
+                <a:schemeClr val="bg1"/>
+              </a:gs>
+              <a:gs pos="35000">
+                <a:schemeClr val="bg1">
+                  <a:alpha val="77000"/>
+                </a:schemeClr>
+              </a:gs>
+              <a:gs pos="19000">
+                <a:schemeClr val="bg1">
+                  <a:alpha val="38000"/>
+                </a:schemeClr>
+              </a:gs>
+              <a:gs pos="0">
+                <a:schemeClr val="bg1">
+                  <a:alpha val="0"/>
+                </a:schemeClr>
+              </a:gs>
+              <a:gs pos="100000">
+                <a:schemeClr val="bg1"/>
+              </a:gs>
+            </a:gsLst>
+            <a:lin ang="10800000" scaled="0"/>
+          </a:gradFill>
+          <a:ln>
+            <a:noFill/>
+          </a:ln>
+        </p:spPr>
+        <p:style>
+          <a:lnRef idx="2">
+            <a:schemeClr val="accent1">
+              <a:shade val="50000"/>
+            </a:schemeClr>
+          </a:lnRef>
+          <a:fillRef idx="1">
+            <a:schemeClr val="accent1"/>
+          </a:fillRef>
+          <a:effectRef idx="0">
+            <a:schemeClr val="accent1"/>
+          </a:effectRef>
+          <a:fontRef idx="minor">
+            <a:schemeClr val="lt1"/>
+          </a:fontRef>
+        </p:style>
+        <p:txBody>
+          <a:bodyPr rtlCol="0" anchor="ctr"/>
+          <a:lstStyle/>
+          <a:p>
+            <a:pPr algn="ctr"/>
+            <a:endParaRPr lang="en-US" dirty="0"/>
+          </a:p>
+        </p:txBody>
+      </p:sp>
+      <p:sp>
+        <p:nvSpPr>
+          <p:cNvPr id="2" name="Rubrik 1">
+            <a:extLst>
+              <a:ext uri="{FF2B5EF4-FFF2-40B4-BE49-F238E27FC236}">
+                <a16:creationId xmlns:a16="http://schemas.microsoft.com/office/drawing/2014/main" id="{6FEB17B7-D27D-D44D-D772-E6DC1AC42DB2}"/>
+              </a:ext>
+            </a:extLst>
+          </p:cNvPr>
+          <p:cNvSpPr>
+            <a:spLocks noGrp="1"/>
+          </p:cNvSpPr>
+          <p:nvPr>
+            <p:ph type="title"/>
+          </p:nvPr>
+        </p:nvSpPr>
+        <p:spPr>
+          <a:xfrm>
+            <a:off x="7531610" y="365125"/>
+            <a:ext cx="3822189" cy="1899912"/>
+          </a:xfrm>
+        </p:spPr>
+        <p:txBody>
+          <a:bodyPr>
+            <a:normAutofit/>
+          </a:bodyPr>
+          <a:lstStyle/>
+          <a:p>
+            <a:r>
+              <a:rPr lang="sv-SE" sz="4000"/>
+              <a:t>If you don’t know, don’t change</a:t>
+            </a:r>
+          </a:p>
+        </p:txBody>
+      </p:sp>
+      <p:sp>
+        <p:nvSpPr>
+          <p:cNvPr id="3" name="Platshållare för innehåll 2">
+            <a:extLst>
+              <a:ext uri="{FF2B5EF4-FFF2-40B4-BE49-F238E27FC236}">
+                <a16:creationId xmlns:a16="http://schemas.microsoft.com/office/drawing/2014/main" id="{9541EF0E-5017-5500-041C-A16AF3E95B5F}"/>
+              </a:ext>
+            </a:extLst>
+          </p:cNvPr>
+          <p:cNvSpPr>
+            <a:spLocks noGrp="1"/>
+          </p:cNvSpPr>
+          <p:nvPr>
+            <p:ph idx="1"/>
+          </p:nvPr>
+        </p:nvSpPr>
+        <p:spPr>
+          <a:xfrm>
+            <a:off x="7531610" y="2434201"/>
+            <a:ext cx="3822189" cy="3742762"/>
+          </a:xfrm>
+        </p:spPr>
+        <p:txBody>
+          <a:bodyPr>
+            <a:normAutofit/>
+          </a:bodyPr>
+          <a:lstStyle/>
+          <a:p>
+            <a:pPr marL="0" indent="0">
+              <a:buNone/>
+            </a:pPr>
+            <a:r>
+              <a:rPr lang="sv-SE" sz="1900" dirty="0"/>
+              <a:t>If </a:t>
+            </a:r>
+            <a:r>
+              <a:rPr lang="sv-SE" sz="1900" dirty="0" err="1"/>
+              <a:t>you</a:t>
+            </a:r>
+            <a:r>
+              <a:rPr lang="sv-SE" sz="1900" dirty="0"/>
+              <a:t> </a:t>
+            </a:r>
+            <a:r>
+              <a:rPr lang="sv-SE" sz="1900" dirty="0" err="1"/>
+              <a:t>googled</a:t>
+            </a:r>
+            <a:r>
+              <a:rPr lang="sv-SE" sz="1900" dirty="0"/>
+              <a:t> for </a:t>
+            </a:r>
+            <a:r>
+              <a:rPr lang="sv-SE" sz="1900" dirty="0" err="1"/>
+              <a:t>some</a:t>
+            </a:r>
+            <a:r>
+              <a:rPr lang="sv-SE" sz="1900" dirty="0"/>
+              <a:t> </a:t>
+            </a:r>
+            <a:r>
+              <a:rPr lang="sv-SE" sz="1900" dirty="0" err="1"/>
+              <a:t>advice</a:t>
+            </a:r>
+            <a:r>
+              <a:rPr lang="sv-SE" sz="1900" dirty="0"/>
+              <a:t>, </a:t>
+            </a:r>
+            <a:r>
+              <a:rPr lang="sv-SE" sz="1900" dirty="0" err="1"/>
+              <a:t>found</a:t>
+            </a:r>
+            <a:r>
+              <a:rPr lang="sv-SE" sz="1900" dirty="0"/>
+              <a:t> it </a:t>
+            </a:r>
+            <a:r>
+              <a:rPr lang="sv-SE" sz="1900" dirty="0" err="1"/>
+              <a:t>but</a:t>
+            </a:r>
+            <a:r>
+              <a:rPr lang="sv-SE" sz="1900" dirty="0"/>
+              <a:t> </a:t>
+            </a:r>
+            <a:r>
+              <a:rPr lang="sv-SE" sz="1900" dirty="0" err="1"/>
+              <a:t>didn’t</a:t>
+            </a:r>
+            <a:r>
+              <a:rPr lang="sv-SE" sz="1900" dirty="0"/>
+              <a:t> </a:t>
+            </a:r>
+            <a:r>
+              <a:rPr lang="sv-SE" sz="1900" dirty="0" err="1"/>
+              <a:t>really</a:t>
+            </a:r>
+            <a:r>
+              <a:rPr lang="sv-SE" sz="1900" dirty="0"/>
+              <a:t> understand the reasoning </a:t>
+            </a:r>
+            <a:r>
+              <a:rPr lang="sv-SE" sz="1900" dirty="0" err="1"/>
+              <a:t>behind</a:t>
+            </a:r>
+            <a:r>
+              <a:rPr lang="sv-SE" sz="1900" dirty="0"/>
+              <a:t> it: </a:t>
+            </a:r>
+            <a:r>
+              <a:rPr lang="sv-SE" sz="1900" dirty="0" err="1"/>
+              <a:t>You</a:t>
+            </a:r>
+            <a:r>
+              <a:rPr lang="sv-SE" sz="1900" dirty="0"/>
+              <a:t> still </a:t>
+            </a:r>
+            <a:r>
+              <a:rPr lang="sv-SE" sz="1900" dirty="0" err="1"/>
+              <a:t>don’t</a:t>
+            </a:r>
+            <a:r>
+              <a:rPr lang="sv-SE" sz="1900" dirty="0"/>
+              <a:t> </a:t>
+            </a:r>
+            <a:r>
+              <a:rPr lang="sv-SE" sz="1900" dirty="0" err="1"/>
+              <a:t>know</a:t>
+            </a:r>
+            <a:r>
+              <a:rPr lang="sv-SE" sz="1900" dirty="0"/>
+              <a:t>. Hands off!</a:t>
+            </a:r>
+          </a:p>
+          <a:p>
+            <a:pPr marL="0" indent="0">
+              <a:buNone/>
+            </a:pPr>
+            <a:endParaRPr lang="sv-SE" sz="1900" dirty="0"/>
+          </a:p>
+          <a:p>
+            <a:pPr marL="0" indent="0">
+              <a:buNone/>
+            </a:pPr>
+            <a:r>
+              <a:rPr lang="sv-SE" sz="1900" dirty="0" err="1"/>
+              <a:t>This</a:t>
+            </a:r>
+            <a:r>
+              <a:rPr lang="sv-SE" sz="1900" dirty="0"/>
+              <a:t> </a:t>
+            </a:r>
+            <a:r>
+              <a:rPr lang="sv-SE" sz="1900" dirty="0" err="1"/>
+              <a:t>includes</a:t>
+            </a:r>
+            <a:r>
+              <a:rPr lang="sv-SE" sz="1900" dirty="0"/>
+              <a:t>, </a:t>
+            </a:r>
+            <a:r>
+              <a:rPr lang="sv-SE" sz="1900" dirty="0" err="1"/>
+              <a:t>but</a:t>
+            </a:r>
+            <a:r>
+              <a:rPr lang="sv-SE" sz="1900" dirty="0"/>
+              <a:t> is not </a:t>
+            </a:r>
+            <a:r>
+              <a:rPr lang="sv-SE" sz="1900" dirty="0" err="1"/>
+              <a:t>limited</a:t>
+            </a:r>
+            <a:r>
+              <a:rPr lang="sv-SE" sz="1900" dirty="0"/>
+              <a:t> to:</a:t>
+            </a:r>
+          </a:p>
+          <a:p>
+            <a:pPr>
+              <a:buFontTx/>
+              <a:buChar char="-"/>
+            </a:pPr>
+            <a:r>
+              <a:rPr lang="sv-SE" sz="1900" dirty="0" err="1"/>
+              <a:t>Database</a:t>
+            </a:r>
+            <a:r>
+              <a:rPr lang="sv-SE" sz="1900" dirty="0"/>
+              <a:t> </a:t>
+            </a:r>
+            <a:r>
+              <a:rPr lang="sv-SE" sz="1900" dirty="0" err="1"/>
+              <a:t>Recovery</a:t>
+            </a:r>
+            <a:r>
+              <a:rPr lang="sv-SE" sz="1900" dirty="0"/>
+              <a:t> </a:t>
+            </a:r>
+            <a:r>
+              <a:rPr lang="sv-SE" sz="1900" dirty="0" err="1"/>
+              <a:t>Model</a:t>
+            </a:r>
+            <a:endParaRPr lang="sv-SE" sz="1900" dirty="0"/>
+          </a:p>
+          <a:p>
+            <a:pPr>
+              <a:buFontTx/>
+              <a:buChar char="-"/>
+            </a:pPr>
+            <a:r>
+              <a:rPr lang="sv-SE" sz="1900" dirty="0" err="1"/>
+              <a:t>Fillfactor</a:t>
+            </a:r>
+            <a:r>
+              <a:rPr lang="sv-SE" sz="1900" dirty="0"/>
+              <a:t> (Not Phil </a:t>
+            </a:r>
+            <a:r>
+              <a:rPr lang="sv-SE" sz="1900" dirty="0" err="1"/>
+              <a:t>Factor</a:t>
+            </a:r>
+            <a:r>
+              <a:rPr lang="sv-SE" sz="1900" dirty="0"/>
+              <a:t>)</a:t>
+            </a:r>
+          </a:p>
+          <a:p>
+            <a:pPr marL="0" indent="0">
+              <a:buNone/>
+            </a:pPr>
+            <a:r>
+              <a:rPr lang="sv-SE" sz="1900" dirty="0"/>
+              <a:t>(to </a:t>
+            </a:r>
+            <a:r>
+              <a:rPr lang="sv-SE" sz="1900" dirty="0" err="1"/>
+              <a:t>name</a:t>
+            </a:r>
+            <a:r>
+              <a:rPr lang="sv-SE" sz="1900" dirty="0"/>
+              <a:t> </a:t>
+            </a:r>
+            <a:r>
+              <a:rPr lang="sv-SE" sz="1900" dirty="0" err="1"/>
+              <a:t>only</a:t>
+            </a:r>
+            <a:r>
+              <a:rPr lang="sv-SE" sz="1900" dirty="0"/>
+              <a:t> </a:t>
+            </a:r>
+            <a:r>
+              <a:rPr lang="sv-SE" sz="1900" dirty="0" err="1"/>
+              <a:t>two</a:t>
+            </a:r>
+            <a:r>
+              <a:rPr lang="sv-SE" sz="1900" dirty="0"/>
+              <a:t> </a:t>
+            </a:r>
+            <a:r>
+              <a:rPr lang="sv-SE" sz="1900" dirty="0" err="1"/>
+              <a:t>things</a:t>
+            </a:r>
+            <a:r>
+              <a:rPr lang="sv-SE" sz="1900" dirty="0"/>
+              <a:t> I </a:t>
+            </a:r>
+            <a:r>
+              <a:rPr lang="sv-SE" sz="1900" dirty="0" err="1"/>
+              <a:t>completely</a:t>
+            </a:r>
+            <a:r>
+              <a:rPr lang="sv-SE" sz="1900" dirty="0"/>
+              <a:t> </a:t>
+            </a:r>
+            <a:r>
+              <a:rPr lang="sv-SE" sz="1900" dirty="0" err="1"/>
+              <a:t>messed</a:t>
+            </a:r>
+            <a:r>
+              <a:rPr lang="sv-SE" sz="1900" dirty="0"/>
+              <a:t> </a:t>
+            </a:r>
+            <a:r>
+              <a:rPr lang="sv-SE" sz="1900" dirty="0" err="1"/>
+              <a:t>up</a:t>
+            </a:r>
+            <a:r>
+              <a:rPr lang="sv-SE" sz="1900" dirty="0"/>
+              <a:t> as a junior)</a:t>
+            </a:r>
+          </a:p>
+          <a:p>
+            <a:endParaRPr lang="sv-SE" sz="1900" dirty="0"/>
+          </a:p>
+          <a:p>
+            <a:pPr marL="0" indent="0">
+              <a:buNone/>
+            </a:pPr>
+            <a:endParaRPr lang="sv-SE" sz="1900" dirty="0"/>
+          </a:p>
+        </p:txBody>
+      </p:sp>
+    </p:spTree>
+    <p:extLst>
+      <p:ext uri="{BB962C8B-B14F-4D97-AF65-F5344CB8AC3E}">
+        <p14:creationId xmlns:p14="http://schemas.microsoft.com/office/powerpoint/2010/main" val="93576960"/>
+      </p:ext>
+    </p:extLst>
+  </p:cSld>
+  <p:clrMapOvr>
+    <a:masterClrMapping/>
+  </p:clrMapOvr>
+  <p:timing>
+    <p:tnLst>
+      <p:par>
+        <p:cTn id="1" dur="indefinite" restart="never" nodeType="tmRoot">
+          <p:childTnLst>
+            <p:seq concurrent="1" nextAc="seek">
+              <p:cTn id="2" dur="indefinite" nodeType="mainSeq">
+                <p:childTnLst>
+                  <p:par>
+                    <p:cTn id="3" fill="hold">
+                      <p:stCondLst>
+                        <p:cond delay="indefinite"/>
+                      </p:stCondLst>
+                      <p:childTnLst>
+                        <p:par>
+                          <p:cTn id="4" fill="hold">
+                            <p:stCondLst>
+                              <p:cond delay="0"/>
+                            </p:stCondLst>
+                            <p:childTnLst>
+                              <p:par>
+                                <p:cTn id="5" presetID="1" presetClass="entr" presetSubtype="0" fill="hold" grpId="0" nodeType="clickEffect">
+                                  <p:stCondLst>
+                                    <p:cond delay="0"/>
+                                  </p:stCondLst>
+                                  <p:childTnLst>
+                                    <p:set>
+                                      <p:cBhvr>
+                                        <p:cTn id="6" dur="1" fill="hold">
+                                          <p:stCondLst>
+                                            <p:cond delay="0"/>
+                                          </p:stCondLst>
+                                        </p:cTn>
+                                        <p:tgtEl>
+                                          <p:spTgt spid="3">
+                                            <p:txEl>
+                                              <p:pRg st="0" end="0"/>
+                                            </p:txEl>
+                                          </p:spTgt>
+                                        </p:tgtEl>
+                                        <p:attrNameLst>
+                                          <p:attrName>style.visibility</p:attrName>
+                                        </p:attrNameLst>
+                                      </p:cBhvr>
+                                      <p:to>
+                                        <p:strVal val="visible"/>
+                                      </p:to>
+                                    </p:set>
+                                  </p:childTnLst>
+                                </p:cTn>
+                              </p:par>
+                            </p:childTnLst>
+                          </p:cTn>
+                        </p:par>
+                      </p:childTnLst>
+                    </p:cTn>
+                  </p:par>
+                  <p:par>
+                    <p:cTn id="7" fill="hold">
+                      <p:stCondLst>
+                        <p:cond delay="indefinite"/>
+                      </p:stCondLst>
+                      <p:childTnLst>
+                        <p:par>
+                          <p:cTn id="8" fill="hold">
+                            <p:stCondLst>
+                              <p:cond delay="0"/>
+                            </p:stCondLst>
+                            <p:childTnLst>
+                              <p:par>
+                                <p:cTn id="9" presetID="1" presetClass="entr" presetSubtype="0" fill="hold" grpId="0" nodeType="clickEffect">
+                                  <p:stCondLst>
+                                    <p:cond delay="0"/>
+                                  </p:stCondLst>
+                                  <p:childTnLst>
+                                    <p:set>
+                                      <p:cBhvr>
+                                        <p:cTn id="10" dur="1" fill="hold">
+                                          <p:stCondLst>
+                                            <p:cond delay="0"/>
+                                          </p:stCondLst>
+                                        </p:cTn>
+                                        <p:tgtEl>
+                                          <p:spTgt spid="3">
+                                            <p:txEl>
+                                              <p:pRg st="2" end="2"/>
+                                            </p:txEl>
+                                          </p:spTgt>
+                                        </p:tgtEl>
+                                        <p:attrNameLst>
+                                          <p:attrName>style.visibility</p:attrName>
+                                        </p:attrNameLst>
+                                      </p:cBhvr>
+                                      <p:to>
+                                        <p:strVal val="visible"/>
+                                      </p:to>
+                                    </p:set>
+                                  </p:childTnLst>
+                                </p:cTn>
+                              </p:par>
+                            </p:childTnLst>
+                          </p:cTn>
+                        </p:par>
+                      </p:childTnLst>
+                    </p:cTn>
+                  </p:par>
+                  <p:par>
+                    <p:cTn id="11" fill="hold">
+                      <p:stCondLst>
+                        <p:cond delay="indefinite"/>
+                      </p:stCondLst>
+                      <p:childTnLst>
+                        <p:par>
+                          <p:cTn id="12" fill="hold">
+                            <p:stCondLst>
+                              <p:cond delay="0"/>
+                            </p:stCondLst>
+                            <p:childTnLst>
+                              <p:par>
+                                <p:cTn id="13" presetID="1" presetClass="entr" presetSubtype="0" fill="hold" grpId="0" nodeType="clickEffect">
+                                  <p:stCondLst>
+                                    <p:cond delay="0"/>
+                                  </p:stCondLst>
+                                  <p:childTnLst>
+                                    <p:set>
+                                      <p:cBhvr>
+                                        <p:cTn id="14" dur="1" fill="hold">
+                                          <p:stCondLst>
+                                            <p:cond delay="0"/>
+                                          </p:stCondLst>
+                                        </p:cTn>
+                                        <p:tgtEl>
+                                          <p:spTgt spid="3">
+                                            <p:txEl>
+                                              <p:pRg st="3" end="3"/>
+                                            </p:txEl>
+                                          </p:spTgt>
+                                        </p:tgtEl>
+                                        <p:attrNameLst>
+                                          <p:attrName>style.visibility</p:attrName>
+                                        </p:attrNameLst>
+                                      </p:cBhvr>
+                                      <p:to>
+                                        <p:strVal val="visible"/>
+                                      </p:to>
+                                    </p:set>
+                                  </p:childTnLst>
+                                </p:cTn>
+                              </p:par>
+                            </p:childTnLst>
+                          </p:cTn>
+                        </p:par>
+                      </p:childTnLst>
+                    </p:cTn>
+                  </p:par>
+                  <p:par>
+                    <p:cTn id="15" fill="hold">
+                      <p:stCondLst>
+                        <p:cond delay="indefinite"/>
+                      </p:stCondLst>
+                      <p:childTnLst>
+                        <p:par>
+                          <p:cTn id="16" fill="hold">
+                            <p:stCondLst>
+                              <p:cond delay="0"/>
+                            </p:stCondLst>
+                            <p:childTnLst>
+                              <p:par>
+                                <p:cTn id="17" presetID="1" presetClass="entr" presetSubtype="0" fill="hold" grpId="0" nodeType="clickEffect">
+                                  <p:stCondLst>
+                                    <p:cond delay="0"/>
+                                  </p:stCondLst>
+                                  <p:childTnLst>
+                                    <p:set>
+                                      <p:cBhvr>
+                                        <p:cTn id="18" dur="1" fill="hold">
+                                          <p:stCondLst>
+                                            <p:cond delay="0"/>
+                                          </p:stCondLst>
+                                        </p:cTn>
+                                        <p:tgtEl>
+                                          <p:spTgt spid="3">
+                                            <p:txEl>
+                                              <p:pRg st="4" end="4"/>
+                                            </p:txEl>
+                                          </p:spTgt>
+                                        </p:tgtEl>
+                                        <p:attrNameLst>
+                                          <p:attrName>style.visibility</p:attrName>
+                                        </p:attrNameLst>
+                                      </p:cBhvr>
+                                      <p:to>
+                                        <p:strVal val="visible"/>
+                                      </p:to>
+                                    </p:set>
+                                  </p:childTnLst>
+                                </p:cTn>
+                              </p:par>
+                            </p:childTnLst>
+                          </p:cTn>
+                        </p:par>
+                      </p:childTnLst>
+                    </p:cTn>
+                  </p:par>
+                  <p:par>
+                    <p:cTn id="19" fill="hold">
+                      <p:stCondLst>
+                        <p:cond delay="indefinite"/>
+                      </p:stCondLst>
+                      <p:childTnLst>
+                        <p:par>
+                          <p:cTn id="20" fill="hold">
+                            <p:stCondLst>
+                              <p:cond delay="0"/>
+                            </p:stCondLst>
+                            <p:childTnLst>
+                              <p:par>
+                                <p:cTn id="21" presetID="1" presetClass="entr" presetSubtype="0" fill="hold" grpId="0" nodeType="clickEffect">
+                                  <p:stCondLst>
+                                    <p:cond delay="0"/>
+                                  </p:stCondLst>
+                                  <p:childTnLst>
+                                    <p:set>
+                                      <p:cBhvr>
+                                        <p:cTn id="22" dur="1" fill="hold">
+                                          <p:stCondLst>
+                                            <p:cond delay="0"/>
+                                          </p:stCondLst>
+                                        </p:cTn>
+                                        <p:tgtEl>
+                                          <p:spTgt spid="3">
+                                            <p:txEl>
+                                              <p:pRg st="5" end="5"/>
+                                            </p:txEl>
+                                          </p:spTgt>
+                                        </p:tgtEl>
+                                        <p:attrNameLst>
+                                          <p:attrName>style.visibility</p:attrName>
+                                        </p:attrNameLst>
+                                      </p:cBhvr>
+                                      <p:to>
+                                        <p:strVal val="visible"/>
+                                      </p:to>
+                                    </p:set>
+                                  </p:childTnLst>
+                                </p:cTn>
+                              </p:par>
+                            </p:childTnLst>
+                          </p:cTn>
+                        </p:par>
+                      </p:childTnLst>
+                    </p:cTn>
+                  </p:par>
+                </p:childTnLst>
+              </p:cTn>
+              <p:prevCondLst>
+                <p:cond evt="onPrev" delay="0">
+                  <p:tgtEl>
+                    <p:sldTgt/>
+                  </p:tgtEl>
+                </p:cond>
+              </p:prevCondLst>
+              <p:nextCondLst>
+                <p:cond evt="onNext" delay="0">
+                  <p:tgtEl>
+                    <p:sldTgt/>
+                  </p:tgtEl>
+                </p:cond>
+              </p:nextCondLst>
+            </p:seq>
+          </p:childTnLst>
+        </p:cTn>
+      </p:par>
+    </p:tnLst>
+    <p:bldLst>
+      <p:bldP spid="3" grpId="0" build="p"/>
+    </p:bldLst>
+  </p:timing>
+</p:sld>
+</file>
+
+<file path=ppt/slides/slide9.xml><?xml version="1.0" encoding="utf-8"?>
+<p:sld xmlns:a="http://schemas.openxmlformats.org/drawingml/2006/main" xmlns:r="http://schemas.openxmlformats.org/officeDocument/2006/relationships" xmlns:p="http://schemas.openxmlformats.org/presentationml/2006/main">
+  <p:cSld>
+    <p:bg>
+      <p:bgPr>
+        <a:solidFill>
+          <a:schemeClr val="bg1"/>
+        </a:solidFill>
+        <a:effectLst/>
+      </p:bgPr>
+    </p:bg>
+    <p:spTree>
+      <p:nvGrpSpPr>
+        <p:cNvPr id="1" name=""/>
+        <p:cNvGrpSpPr/>
+        <p:nvPr/>
+      </p:nvGrpSpPr>
+      <p:grpSpPr>
+        <a:xfrm>
+          <a:off x="0" y="0"/>
+          <a:ext cx="0" cy="0"/>
+          <a:chOff x="0" y="0"/>
+          <a:chExt cx="0" cy="0"/>
+        </a:xfrm>
+      </p:grpSpPr>
+      <p:sp useBgFill="1">
+        <p:nvSpPr>
+          <p:cNvPr id="1035" name="Rectangle 1030">
+            <a:extLst>
+              <a:ext uri="{FF2B5EF4-FFF2-40B4-BE49-F238E27FC236}">
+                <a16:creationId xmlns:a16="http://schemas.microsoft.com/office/drawing/2014/main" id="{23E547B5-89CF-4EC0-96DE-25771AED0799}"/>
+              </a:ext>
+              <a:ext uri="{C183D7F6-B498-43B3-948B-1728B52AA6E4}">
+                <adec:decorative xmlns:adec="http://schemas.microsoft.com/office/drawing/2017/decorative" val="1"/>
+              </a:ext>
+            </a:extLst>
+          </p:cNvPr>
+          <p:cNvSpPr>
+            <a:spLocks noGrp="1" noRot="1" noChangeAspect="1" noMove="1" noResize="1" noEditPoints="1" noAdjustHandles="1" noChangeArrowheads="1" noChangeShapeType="1" noTextEdit="1"/>
+          </p:cNvSpPr>
+          <p:nvPr>
+            <p:extLst>
+              <p:ext uri="{386F3935-93C4-4BCD-93E2-E3B085C9AB24}">
+                <p16:designElem xmlns:p16="http://schemas.microsoft.com/office/powerpoint/2015/main" val="1"/>
+              </p:ext>
+            </p:extLst>
+          </p:nvPr>
+        </p:nvSpPr>
+        <p:spPr>
+          <a:xfrm>
+            <a:off x="0" y="0"/>
+            <a:ext cx="12192000" cy="6858000"/>
+          </a:xfrm>
+          <a:prstGeom prst="rect">
+            <a:avLst/>
+          </a:prstGeom>
+          <a:ln w="12700" cap="flat" cmpd="sng" algn="ctr">
+            <a:noFill/>
+            <a:prstDash val="solid"/>
+            <a:miter lim="800000"/>
+          </a:ln>
+          <a:effectLst/>
+          <a:extLst>
+            <a:ext uri="{91240B29-F687-4F45-9708-019B960494DF}">
+              <a14:hiddenLine xmlns:a14="http://schemas.microsoft.com/office/drawing/2010/main" w="12700" cap="flat" cmpd="sng" algn="ctr">
+                <a:solidFill>
+                  <a:schemeClr val="accent1">
+                    <a:shade val="50000"/>
+                  </a:schemeClr>
+                </a:solidFill>
+                <a:prstDash val="solid"/>
+                <a:miter lim="800000"/>
+              </a14:hiddenLine>
+            </a:ext>
+          </a:extLst>
+        </p:spPr>
+        <p:style>
+          <a:lnRef idx="2">
+            <a:schemeClr val="accent1">
+              <a:shade val="50000"/>
+            </a:schemeClr>
+          </a:lnRef>
+          <a:fillRef idx="1">
+            <a:schemeClr val="accent1"/>
+          </a:fillRef>
+          <a:effectRef idx="0">
+            <a:schemeClr val="accent1"/>
+          </a:effectRef>
+          <a:fontRef idx="minor">
+            <a:schemeClr val="lt1"/>
+          </a:fontRef>
+        </p:style>
+        <p:txBody>
+          <a:bodyPr rtlCol="0" anchor="ctr"/>
+          <a:lstStyle/>
+          <a:p>
+            <a:pPr algn="ctr"/>
+            <a:endParaRPr lang="en-US"/>
+          </a:p>
+        </p:txBody>
+      </p:sp>
+      <p:sp>
+        <p:nvSpPr>
+          <p:cNvPr id="1036" name="Rectangle 1032">
+            <a:extLst>
+              <a:ext uri="{FF2B5EF4-FFF2-40B4-BE49-F238E27FC236}">
+                <a16:creationId xmlns:a16="http://schemas.microsoft.com/office/drawing/2014/main" id="{3F0B8CEB-8279-4E5E-A0CE-1FC9F71736F2}"/>
+              </a:ext>
+              <a:ext uri="{C183D7F6-B498-43B3-948B-1728B52AA6E4}">
+                <adec:decorative xmlns:adec="http://schemas.microsoft.com/office/drawing/2017/decorative" val="1"/>
+              </a:ext>
+            </a:extLst>
+          </p:cNvPr>
+          <p:cNvSpPr>
+            <a:spLocks noGrp="1" noRot="1" noChangeAspect="1" noMove="1" noResize="1" noEditPoints="1" noAdjustHandles="1" noChangeArrowheads="1" noChangeShapeType="1" noTextEdit="1"/>
+          </p:cNvSpPr>
+          <p:nvPr>
+            <p:extLst>
+              <p:ext uri="{386F3935-93C4-4BCD-93E2-E3B085C9AB24}">
+                <p16:designElem xmlns:p16="http://schemas.microsoft.com/office/powerpoint/2015/main" val="1"/>
+              </p:ext>
+            </p:extLst>
+          </p:nvPr>
+        </p:nvSpPr>
+        <p:spPr>
+          <a:xfrm>
+            <a:off x="4770782" y="0"/>
+            <a:ext cx="7421217" cy="6857999"/>
+          </a:xfrm>
+          <a:prstGeom prst="rect">
+            <a:avLst/>
+          </a:prstGeom>
+          <a:solidFill>
+            <a:srgbClr val="82766A">
+              <a:alpha val="15000"/>
+            </a:srgbClr>
+          </a:solidFill>
+          <a:ln>
+            <a:noFill/>
+          </a:ln>
+        </p:spPr>
+        <p:style>
+          <a:lnRef idx="2">
+            <a:schemeClr val="accent1">
+              <a:shade val="50000"/>
+            </a:schemeClr>
+          </a:lnRef>
+          <a:fillRef idx="1">
+            <a:schemeClr val="accent1"/>
+          </a:fillRef>
+          <a:effectRef idx="0">
+            <a:schemeClr val="accent1"/>
+          </a:effectRef>
+          <a:fontRef idx="minor">
+            <a:schemeClr val="lt1"/>
+          </a:fontRef>
+        </p:style>
+        <p:txBody>
+          <a:bodyPr rtlCol="0" anchor="ctr"/>
+          <a:lstStyle/>
+          <a:p>
+            <a:pPr algn="ctr"/>
+            <a:endParaRPr lang="en-US"/>
+          </a:p>
+        </p:txBody>
+      </p:sp>
+      <p:sp>
+        <p:nvSpPr>
+          <p:cNvPr id="2" name="Rubrik 1">
+            <a:extLst>
+              <a:ext uri="{FF2B5EF4-FFF2-40B4-BE49-F238E27FC236}">
+                <a16:creationId xmlns:a16="http://schemas.microsoft.com/office/drawing/2014/main" id="{AB536CB8-AC13-C6D1-9FA2-13664028B6E0}"/>
+              </a:ext>
+            </a:extLst>
+          </p:cNvPr>
+          <p:cNvSpPr>
+            <a:spLocks noGrp="1"/>
+          </p:cNvSpPr>
+          <p:nvPr>
+            <p:ph type="title"/>
+          </p:nvPr>
+        </p:nvSpPr>
+        <p:spPr>
+          <a:xfrm>
+            <a:off x="7320466" y="609600"/>
+            <a:ext cx="4140014" cy="1330839"/>
+          </a:xfrm>
+        </p:spPr>
+        <p:txBody>
+          <a:bodyPr>
+            <a:normAutofit/>
+          </a:bodyPr>
+          <a:lstStyle/>
+          <a:p>
+            <a:r>
+              <a:rPr lang="sv-SE" sz="2800" dirty="0" err="1"/>
+              <a:t>Naming</a:t>
+            </a:r>
+            <a:r>
+              <a:rPr lang="sv-SE" sz="2800" dirty="0"/>
+              <a:t> </a:t>
+            </a:r>
+            <a:r>
+              <a:rPr lang="sv-SE" sz="2800" dirty="0" err="1"/>
+              <a:t>conventions</a:t>
+            </a:r>
+            <a:r>
+              <a:rPr lang="sv-SE" sz="2800" dirty="0"/>
+              <a:t> </a:t>
+            </a:r>
+            <a:r>
+              <a:rPr lang="sv-SE" sz="2800" dirty="0" err="1"/>
+              <a:t>are</a:t>
+            </a:r>
+            <a:r>
+              <a:rPr lang="sv-SE" sz="2800" dirty="0"/>
+              <a:t> </a:t>
+            </a:r>
+            <a:r>
+              <a:rPr lang="sv-SE" sz="2800" dirty="0" err="1"/>
+              <a:t>great</a:t>
+            </a:r>
+            <a:r>
+              <a:rPr lang="sv-SE" sz="2800" dirty="0"/>
+              <a:t>. </a:t>
+            </a:r>
+          </a:p>
+        </p:txBody>
+      </p:sp>
+      <p:pic>
+        <p:nvPicPr>
+          <p:cNvPr id="1026" name="Picture 2" descr="three young developers of diverse genders involved in a heated discussion about naming conventions for database objects">
+            <a:extLst>
+              <a:ext uri="{FF2B5EF4-FFF2-40B4-BE49-F238E27FC236}">
+                <a16:creationId xmlns:a16="http://schemas.microsoft.com/office/drawing/2014/main" id="{DF7438DD-98AC-06D4-D67D-6CDF04B7D03E}"/>
+              </a:ext>
+            </a:extLst>
+          </p:cNvPr>
+          <p:cNvPicPr>
+            <a:picLocks noChangeAspect="1" noChangeArrowheads="1"/>
+          </p:cNvPicPr>
+          <p:nvPr/>
+        </p:nvPicPr>
+        <p:blipFill rotWithShape="1">
+          <a:blip r:embed="rId2">
+            <a:extLst>
+              <a:ext uri="{28A0092B-C50C-407E-A947-70E740481C1C}">
+                <a14:useLocalDpi xmlns:a14="http://schemas.microsoft.com/office/drawing/2010/main" val="0"/>
+              </a:ext>
+            </a:extLst>
+          </a:blip>
+          <a:srcRect r="-2" b="632"/>
+          <a:stretch/>
+        </p:blipFill>
+        <p:spPr bwMode="auto">
+          <a:xfrm>
+            <a:off x="20" y="10"/>
+            <a:ext cx="6901711" cy="6857990"/>
+          </a:xfrm>
+          <a:custGeom>
+            <a:avLst/>
+            <a:gdLst/>
+            <a:ahLst/>
+            <a:cxnLst/>
+            <a:rect l="l" t="t" r="r" b="b"/>
+            <a:pathLst>
+              <a:path w="6901731" h="6858000">
+                <a:moveTo>
+                  <a:pt x="0" y="0"/>
+                </a:moveTo>
+                <a:lnTo>
+                  <a:pt x="6897896" y="5958"/>
+                </a:lnTo>
+                <a:lnTo>
+                  <a:pt x="6866823" y="62592"/>
+                </a:lnTo>
+                <a:lnTo>
+                  <a:pt x="6901731" y="89476"/>
+                </a:lnTo>
+                <a:lnTo>
+                  <a:pt x="6901731" y="103833"/>
+                </a:lnTo>
+                <a:lnTo>
+                  <a:pt x="6900034" y="110092"/>
+                </a:lnTo>
+                <a:lnTo>
+                  <a:pt x="6901731" y="113679"/>
+                </a:lnTo>
+                <a:lnTo>
+                  <a:pt x="6901731" y="405560"/>
+                </a:lnTo>
+                <a:lnTo>
+                  <a:pt x="6900456" y="429509"/>
+                </a:lnTo>
+                <a:cubicBezTo>
+                  <a:pt x="6892773" y="535647"/>
+                  <a:pt x="6878314" y="537918"/>
+                  <a:pt x="6886342" y="636808"/>
+                </a:cubicBezTo>
+                <a:cubicBezTo>
+                  <a:pt x="6892506" y="756883"/>
+                  <a:pt x="6864504" y="771443"/>
+                  <a:pt x="6851784" y="839073"/>
+                </a:cubicBezTo>
+                <a:cubicBezTo>
+                  <a:pt x="6838675" y="892655"/>
+                  <a:pt x="6864124" y="961738"/>
+                  <a:pt x="6845760" y="994930"/>
+                </a:cubicBezTo>
+                <a:cubicBezTo>
+                  <a:pt x="6833572" y="1024166"/>
+                  <a:pt x="6859282" y="1058905"/>
+                  <a:pt x="6845601" y="1112932"/>
+                </a:cubicBezTo>
+                <a:cubicBezTo>
+                  <a:pt x="6838700" y="1149910"/>
+                  <a:pt x="6829138" y="1151035"/>
+                  <a:pt x="6820235" y="1187433"/>
+                </a:cubicBezTo>
+                <a:cubicBezTo>
+                  <a:pt x="6815504" y="1196464"/>
+                  <a:pt x="6777707" y="1338549"/>
+                  <a:pt x="6759643" y="1337010"/>
+                </a:cubicBezTo>
+                <a:cubicBezTo>
+                  <a:pt x="6737660" y="1337296"/>
+                  <a:pt x="6760650" y="1396341"/>
+                  <a:pt x="6736375" y="1382272"/>
+                </a:cubicBezTo>
+                <a:cubicBezTo>
+                  <a:pt x="6755741" y="1415836"/>
+                  <a:pt x="6714675" y="1414567"/>
+                  <a:pt x="6701292" y="1432111"/>
+                </a:cubicBezTo>
+                <a:cubicBezTo>
+                  <a:pt x="6721110" y="1460185"/>
+                  <a:pt x="6692106" y="1490815"/>
+                  <a:pt x="6686578" y="1518624"/>
+                </a:cubicBezTo>
+                <a:cubicBezTo>
+                  <a:pt x="6682512" y="1567002"/>
+                  <a:pt x="6679579" y="1571443"/>
+                  <a:pt x="6670824" y="1607743"/>
+                </a:cubicBezTo>
+                <a:cubicBezTo>
+                  <a:pt x="6671133" y="1629590"/>
+                  <a:pt x="6663161" y="1656870"/>
+                  <a:pt x="6664392" y="1696405"/>
+                </a:cubicBezTo>
+                <a:cubicBezTo>
+                  <a:pt x="6655686" y="1770486"/>
+                  <a:pt x="6641938" y="1757082"/>
+                  <a:pt x="6642880" y="1812372"/>
+                </a:cubicBezTo>
+                <a:cubicBezTo>
+                  <a:pt x="6638579" y="1872475"/>
+                  <a:pt x="6619231" y="1825476"/>
+                  <a:pt x="6612547" y="1876437"/>
+                </a:cubicBezTo>
+                <a:cubicBezTo>
+                  <a:pt x="6600695" y="1913834"/>
+                  <a:pt x="6591061" y="1923231"/>
+                  <a:pt x="6571760" y="1953331"/>
+                </a:cubicBezTo>
+                <a:cubicBezTo>
+                  <a:pt x="6561039" y="1989021"/>
+                  <a:pt x="6544090" y="2087896"/>
+                  <a:pt x="6520213" y="2096455"/>
+                </a:cubicBezTo>
+                <a:lnTo>
+                  <a:pt x="6492461" y="2188148"/>
+                </a:lnTo>
+                <a:cubicBezTo>
+                  <a:pt x="6504372" y="2211333"/>
+                  <a:pt x="6489131" y="2253220"/>
+                  <a:pt x="6471854" y="2259117"/>
+                </a:cubicBezTo>
+                <a:cubicBezTo>
+                  <a:pt x="6466151" y="2287829"/>
+                  <a:pt x="6440452" y="2301346"/>
+                  <a:pt x="6439832" y="2328334"/>
+                </a:cubicBezTo>
+                <a:cubicBezTo>
+                  <a:pt x="6431013" y="2351201"/>
+                  <a:pt x="6444250" y="2396409"/>
+                  <a:pt x="6425162" y="2408211"/>
+                </a:cubicBezTo>
+                <a:lnTo>
+                  <a:pt x="6417221" y="2427382"/>
+                </a:lnTo>
+                <a:lnTo>
+                  <a:pt x="6425030" y="2464387"/>
+                </a:lnTo>
+                <a:lnTo>
+                  <a:pt x="6406293" y="2472223"/>
+                </a:lnTo>
+                <a:cubicBezTo>
+                  <a:pt x="6406862" y="2477277"/>
+                  <a:pt x="6406486" y="2491723"/>
+                  <a:pt x="6405400" y="2493547"/>
+                </a:cubicBezTo>
+                <a:lnTo>
+                  <a:pt x="6374829" y="2532070"/>
+                </a:lnTo>
+                <a:cubicBezTo>
+                  <a:pt x="6374597" y="2545374"/>
+                  <a:pt x="6360976" y="2563797"/>
+                  <a:pt x="6350864" y="2577422"/>
+                </a:cubicBezTo>
+                <a:cubicBezTo>
+                  <a:pt x="6327056" y="2632768"/>
+                  <a:pt x="6341262" y="2616275"/>
+                  <a:pt x="6329174" y="2663854"/>
+                </a:cubicBezTo>
+                <a:cubicBezTo>
+                  <a:pt x="6326303" y="2703642"/>
+                  <a:pt x="6332854" y="2709643"/>
+                  <a:pt x="6315095" y="2741507"/>
+                </a:cubicBezTo>
+                <a:cubicBezTo>
+                  <a:pt x="6319921" y="2740191"/>
+                  <a:pt x="6321925" y="2742004"/>
+                  <a:pt x="6322463" y="2745641"/>
+                </a:cubicBezTo>
+                <a:cubicBezTo>
+                  <a:pt x="6322245" y="2747982"/>
+                  <a:pt x="6322027" y="2750323"/>
+                  <a:pt x="6321808" y="2752663"/>
+                </a:cubicBezTo>
+                <a:lnTo>
+                  <a:pt x="6314569" y="2756718"/>
+                </a:lnTo>
+                <a:cubicBezTo>
+                  <a:pt x="6289324" y="2773686"/>
+                  <a:pt x="6317551" y="2780051"/>
+                  <a:pt x="6315211" y="2811618"/>
+                </a:cubicBezTo>
+                <a:cubicBezTo>
+                  <a:pt x="6315620" y="2826627"/>
+                  <a:pt x="6296047" y="2885298"/>
+                  <a:pt x="6302211" y="2882314"/>
+                </a:cubicBezTo>
+                <a:lnTo>
+                  <a:pt x="6286167" y="2949597"/>
+                </a:lnTo>
+                <a:cubicBezTo>
+                  <a:pt x="6286401" y="2994618"/>
+                  <a:pt x="6286615" y="2971464"/>
+                  <a:pt x="6287037" y="3008578"/>
+                </a:cubicBezTo>
+                <a:cubicBezTo>
+                  <a:pt x="6293795" y="3029535"/>
+                  <a:pt x="6274405" y="3114154"/>
+                  <a:pt x="6259150" y="3123139"/>
+                </a:cubicBezTo>
+                <a:cubicBezTo>
+                  <a:pt x="6250085" y="3189063"/>
+                  <a:pt x="6269067" y="3151280"/>
+                  <a:pt x="6272249" y="3227854"/>
+                </a:cubicBezTo>
+                <a:cubicBezTo>
+                  <a:pt x="6278775" y="3295842"/>
+                  <a:pt x="6289216" y="3303765"/>
+                  <a:pt x="6292288" y="3378383"/>
+                </a:cubicBezTo>
+                <a:cubicBezTo>
+                  <a:pt x="6303894" y="3395995"/>
+                  <a:pt x="6287498" y="3432581"/>
+                  <a:pt x="6288328" y="3459618"/>
+                </a:cubicBezTo>
+                <a:cubicBezTo>
+                  <a:pt x="6289158" y="3486653"/>
+                  <a:pt x="6299937" y="3538735"/>
+                  <a:pt x="6297272" y="3540603"/>
+                </a:cubicBezTo>
+                <a:cubicBezTo>
+                  <a:pt x="6296849" y="3577379"/>
+                  <a:pt x="6294184" y="3587943"/>
+                  <a:pt x="6291001" y="3638374"/>
+                </a:cubicBezTo>
+                <a:cubicBezTo>
+                  <a:pt x="6283026" y="3666794"/>
+                  <a:pt x="6265833" y="3731744"/>
+                  <a:pt x="6283592" y="3763609"/>
+                </a:cubicBezTo>
+                <a:cubicBezTo>
+                  <a:pt x="6264286" y="3758340"/>
+                  <a:pt x="6290177" y="3803150"/>
+                  <a:pt x="6274068" y="3814506"/>
+                </a:cubicBezTo>
+                <a:cubicBezTo>
+                  <a:pt x="6260645" y="3821643"/>
+                  <a:pt x="6265372" y="3836902"/>
+                  <a:pt x="6262850" y="3850454"/>
+                </a:cubicBezTo>
+                <a:cubicBezTo>
+                  <a:pt x="6250418" y="3863479"/>
+                  <a:pt x="6250660" y="3955243"/>
+                  <a:pt x="6257357" y="3975474"/>
+                </a:cubicBezTo>
+                <a:cubicBezTo>
+                  <a:pt x="6245091" y="4036737"/>
+                  <a:pt x="6237535" y="4029237"/>
+                  <a:pt x="6257889" y="4073155"/>
+                </a:cubicBezTo>
+                <a:cubicBezTo>
+                  <a:pt x="6259272" y="4085906"/>
+                  <a:pt x="6239882" y="4116397"/>
+                  <a:pt x="6237441" y="4126638"/>
+                </a:cubicBezTo>
+                <a:lnTo>
+                  <a:pt x="6245587" y="4172738"/>
+                </a:lnTo>
+                <a:lnTo>
+                  <a:pt x="6235772" y="4176721"/>
+                </a:lnTo>
+                <a:lnTo>
+                  <a:pt x="6233287" y="4195136"/>
+                </a:lnTo>
+                <a:lnTo>
+                  <a:pt x="6234619" y="4280850"/>
+                </a:lnTo>
+                <a:cubicBezTo>
+                  <a:pt x="6239453" y="4320763"/>
+                  <a:pt x="6223309" y="4337596"/>
+                  <a:pt x="6219318" y="4402526"/>
+                </a:cubicBezTo>
+                <a:cubicBezTo>
+                  <a:pt x="6205466" y="4516209"/>
+                  <a:pt x="6216183" y="4588729"/>
+                  <a:pt x="6216810" y="4651172"/>
+                </a:cubicBezTo>
+                <a:cubicBezTo>
+                  <a:pt x="6217673" y="4756959"/>
+                  <a:pt x="6228654" y="4824005"/>
+                  <a:pt x="6225945" y="4916779"/>
+                </a:cubicBezTo>
+                <a:cubicBezTo>
+                  <a:pt x="6217032" y="4993010"/>
+                  <a:pt x="6264271" y="4984591"/>
+                  <a:pt x="6230174" y="5051379"/>
+                </a:cubicBezTo>
+                <a:cubicBezTo>
+                  <a:pt x="6235713" y="5056951"/>
+                  <a:pt x="6239420" y="5163714"/>
+                  <a:pt x="6242600" y="5170879"/>
+                </a:cubicBezTo>
+                <a:lnTo>
+                  <a:pt x="6235996" y="5216428"/>
+                </a:lnTo>
+                <a:lnTo>
+                  <a:pt x="6214638" y="5285298"/>
+                </a:lnTo>
+                <a:cubicBezTo>
+                  <a:pt x="6211392" y="5297492"/>
+                  <a:pt x="6225576" y="5312063"/>
+                  <a:pt x="6228432" y="5317696"/>
+                </a:cubicBezTo>
+                <a:lnTo>
+                  <a:pt x="6246496" y="5398787"/>
+                </a:lnTo>
+                <a:lnTo>
+                  <a:pt x="6244793" y="5399530"/>
+                </a:lnTo>
+                <a:lnTo>
+                  <a:pt x="6241695" y="5406948"/>
+                </a:lnTo>
+                <a:lnTo>
+                  <a:pt x="6267461" y="5499413"/>
+                </a:lnTo>
+                <a:cubicBezTo>
+                  <a:pt x="6285387" y="5533848"/>
+                  <a:pt x="6284888" y="5550029"/>
+                  <a:pt x="6295987" y="5582659"/>
+                </a:cubicBezTo>
+                <a:cubicBezTo>
+                  <a:pt x="6311253" y="5681724"/>
+                  <a:pt x="6295439" y="5695558"/>
+                  <a:pt x="6364803" y="5784263"/>
+                </a:cubicBezTo>
+                <a:cubicBezTo>
+                  <a:pt x="6379348" y="5818651"/>
+                  <a:pt x="6412475" y="5906802"/>
+                  <a:pt x="6423050" y="5922637"/>
+                </a:cubicBezTo>
+                <a:cubicBezTo>
+                  <a:pt x="6445210" y="5973612"/>
+                  <a:pt x="6468179" y="6023873"/>
+                  <a:pt x="6497767" y="6090108"/>
+                </a:cubicBezTo>
+                <a:cubicBezTo>
+                  <a:pt x="6571895" y="6150548"/>
+                  <a:pt x="6572491" y="6236583"/>
+                  <a:pt x="6606710" y="6281543"/>
+                </a:cubicBezTo>
+                <a:cubicBezTo>
+                  <a:pt x="6633675" y="6335892"/>
+                  <a:pt x="6654357" y="6388782"/>
+                  <a:pt x="6667540" y="6443715"/>
+                </a:cubicBezTo>
+                <a:cubicBezTo>
+                  <a:pt x="6685192" y="6466826"/>
+                  <a:pt x="6650500" y="6508701"/>
+                  <a:pt x="6659722" y="6550105"/>
+                </a:cubicBezTo>
+                <a:cubicBezTo>
+                  <a:pt x="6665926" y="6645044"/>
+                  <a:pt x="6669126" y="6627536"/>
+                  <a:pt x="6671805" y="6687397"/>
+                </a:cubicBezTo>
+                <a:cubicBezTo>
+                  <a:pt x="6682671" y="6733683"/>
+                  <a:pt x="6665210" y="6772117"/>
+                  <a:pt x="6669658" y="6806602"/>
+                </a:cubicBezTo>
+                <a:cubicBezTo>
+                  <a:pt x="6661174" y="6812658"/>
+                  <a:pt x="6667097" y="6831470"/>
+                  <a:pt x="6675783" y="6850325"/>
+                </a:cubicBezTo>
+                <a:lnTo>
+                  <a:pt x="6679704" y="6858000"/>
+                </a:lnTo>
+                <a:lnTo>
+                  <a:pt x="4532241" y="6858000"/>
+                </a:lnTo>
+                <a:lnTo>
+                  <a:pt x="1208596" y="6858000"/>
+                </a:lnTo>
+                <a:lnTo>
+                  <a:pt x="0" y="6858000"/>
+                </a:lnTo>
+                <a:close/>
+              </a:path>
+            </a:pathLst>
+          </a:custGeom>
+          <a:noFill/>
+          <a:extLst>
+            <a:ext uri="{909E8E84-426E-40DD-AFC4-6F175D3DCCD1}">
+              <a14:hiddenFill xmlns:a14="http://schemas.microsoft.com/office/drawing/2010/main">
+                <a:solidFill>
+                  <a:srgbClr val="FFFFFF"/>
+                </a:solidFill>
+              </a14:hiddenFill>
+            </a:ext>
+          </a:extLst>
+        </p:spPr>
+      </p:pic>
+      <p:sp>
+        <p:nvSpPr>
+          <p:cNvPr id="3" name="Platshållare för innehåll 2">
+            <a:extLst>
+              <a:ext uri="{FF2B5EF4-FFF2-40B4-BE49-F238E27FC236}">
+                <a16:creationId xmlns:a16="http://schemas.microsoft.com/office/drawing/2014/main" id="{4ECC294F-E1EE-B8FF-9081-BDD359E5BD77}"/>
+              </a:ext>
+            </a:extLst>
+          </p:cNvPr>
+          <p:cNvSpPr>
+            <a:spLocks noGrp="1"/>
+          </p:cNvSpPr>
+          <p:nvPr>
+            <p:ph idx="1"/>
+          </p:nvPr>
+        </p:nvSpPr>
+        <p:spPr>
+          <a:xfrm>
+            <a:off x="7320465" y="2194102"/>
+            <a:ext cx="4140013" cy="3908586"/>
+          </a:xfrm>
+        </p:spPr>
+        <p:txBody>
+          <a:bodyPr>
+            <a:normAutofit/>
+          </a:bodyPr>
+          <a:lstStyle/>
+          <a:p>
+            <a:r>
+              <a:rPr lang="sv-SE" sz="1900" dirty="0"/>
+              <a:t>Prefix </a:t>
+            </a:r>
+            <a:r>
+              <a:rPr lang="sv-SE" sz="1900" dirty="0" err="1"/>
+              <a:t>objects</a:t>
+            </a:r>
+            <a:r>
+              <a:rPr lang="sv-SE" sz="1900" dirty="0"/>
+              <a:t> to </a:t>
+            </a:r>
+            <a:r>
+              <a:rPr lang="sv-SE" sz="1900" dirty="0" err="1"/>
+              <a:t>know</a:t>
+            </a:r>
+            <a:r>
+              <a:rPr lang="sv-SE" sz="1900" dirty="0"/>
+              <a:t> </a:t>
+            </a:r>
+            <a:r>
+              <a:rPr lang="sv-SE" sz="1900" dirty="0" err="1"/>
+              <a:t>what</a:t>
+            </a:r>
+            <a:r>
+              <a:rPr lang="sv-SE" sz="1900" dirty="0"/>
+              <a:t> </a:t>
+            </a:r>
+            <a:r>
+              <a:rPr lang="sv-SE" sz="1900" dirty="0" err="1"/>
+              <a:t>they</a:t>
+            </a:r>
+            <a:r>
+              <a:rPr lang="sv-SE" sz="1900" dirty="0"/>
+              <a:t> </a:t>
+            </a:r>
+            <a:r>
+              <a:rPr lang="sv-SE" sz="1900" dirty="0" err="1"/>
+              <a:t>are</a:t>
+            </a:r>
+            <a:endParaRPr lang="sv-SE" sz="1900" dirty="0"/>
+          </a:p>
+          <a:p>
+            <a:pPr lvl="1"/>
+            <a:r>
+              <a:rPr lang="sv-SE" sz="1900" dirty="0" err="1"/>
+              <a:t>tbl_tablename</a:t>
+            </a:r>
+            <a:endParaRPr lang="sv-SE" sz="1900" dirty="0"/>
+          </a:p>
+          <a:p>
+            <a:pPr lvl="1"/>
+            <a:r>
+              <a:rPr lang="sv-SE" sz="1900" dirty="0" err="1"/>
+              <a:t>sp_procedurename</a:t>
+            </a:r>
+            <a:endParaRPr lang="sv-SE" sz="1900" dirty="0"/>
+          </a:p>
+          <a:p>
+            <a:pPr lvl="1"/>
+            <a:r>
+              <a:rPr lang="sv-SE" sz="1900" dirty="0" err="1"/>
+              <a:t>fn_functionname</a:t>
+            </a:r>
+            <a:endParaRPr lang="sv-SE" sz="1900" dirty="0"/>
+          </a:p>
+          <a:p>
+            <a:r>
+              <a:rPr lang="sv-SE" sz="1900" dirty="0" err="1"/>
+              <a:t>Every</a:t>
+            </a:r>
+            <a:r>
+              <a:rPr lang="sv-SE" sz="1900" dirty="0"/>
+              <a:t> </a:t>
+            </a:r>
+            <a:r>
+              <a:rPr lang="sv-SE" sz="1900" dirty="0" err="1"/>
+              <a:t>year</a:t>
+            </a:r>
+            <a:r>
+              <a:rPr lang="sv-SE" sz="1900" dirty="0"/>
+              <a:t>, </a:t>
+            </a:r>
+            <a:r>
+              <a:rPr lang="sv-SE" sz="1900" dirty="0" err="1"/>
+              <a:t>change</a:t>
+            </a:r>
+            <a:r>
+              <a:rPr lang="sv-SE" sz="1900" dirty="0"/>
+              <a:t> </a:t>
+            </a:r>
+            <a:r>
+              <a:rPr lang="sv-SE" sz="1900" dirty="0" err="1"/>
+              <a:t>naming</a:t>
+            </a:r>
+            <a:r>
+              <a:rPr lang="sv-SE" sz="1900" dirty="0"/>
+              <a:t> </a:t>
+            </a:r>
+            <a:r>
+              <a:rPr lang="sv-SE" sz="1900" dirty="0" err="1"/>
+              <a:t>conventions</a:t>
+            </a:r>
+            <a:r>
+              <a:rPr lang="sv-SE" sz="1900" dirty="0"/>
+              <a:t>, </a:t>
+            </a:r>
+            <a:r>
+              <a:rPr lang="sv-SE" sz="1900" dirty="0" err="1"/>
+              <a:t>but</a:t>
+            </a:r>
+            <a:r>
+              <a:rPr lang="sv-SE" sz="1900" dirty="0"/>
+              <a:t> </a:t>
+            </a:r>
+            <a:r>
+              <a:rPr lang="sv-SE" sz="1900" dirty="0" err="1"/>
+              <a:t>don’t</a:t>
+            </a:r>
+            <a:r>
+              <a:rPr lang="sv-SE" sz="1900" dirty="0"/>
+              <a:t> </a:t>
+            </a:r>
+            <a:r>
+              <a:rPr lang="sv-SE" sz="1900" dirty="0" err="1"/>
+              <a:t>update</a:t>
+            </a:r>
+            <a:r>
+              <a:rPr lang="sv-SE" sz="1900" dirty="0"/>
+              <a:t> old </a:t>
+            </a:r>
+            <a:r>
+              <a:rPr lang="sv-SE" sz="1900" dirty="0" err="1"/>
+              <a:t>objects</a:t>
+            </a:r>
+            <a:endParaRPr lang="sv-SE" sz="1900" dirty="0"/>
+          </a:p>
+          <a:p>
+            <a:pPr lvl="1"/>
+            <a:r>
+              <a:rPr lang="sv-SE" sz="1900" dirty="0" err="1"/>
+              <a:t>tbl_tableName</a:t>
+            </a:r>
+            <a:endParaRPr lang="sv-SE" sz="1900" dirty="0"/>
+          </a:p>
+          <a:p>
+            <a:pPr lvl="1"/>
+            <a:r>
+              <a:rPr lang="sv-SE" sz="1900" dirty="0" err="1"/>
+              <a:t>tbl_TableName</a:t>
+            </a:r>
+            <a:endParaRPr lang="sv-SE" sz="1900" dirty="0"/>
+          </a:p>
+          <a:p>
+            <a:pPr lvl="1"/>
+            <a:r>
+              <a:rPr lang="sv-SE" sz="1900" dirty="0" err="1"/>
+              <a:t>tblTableName</a:t>
+            </a:r>
+            <a:endParaRPr lang="sv-SE" sz="1900" dirty="0"/>
+          </a:p>
+          <a:p>
+            <a:pPr lvl="1"/>
+            <a:r>
+              <a:rPr lang="sv-SE" sz="1900" dirty="0" err="1"/>
+              <a:t>tbl_table_name</a:t>
+            </a:r>
+            <a:endParaRPr lang="sv-SE" sz="1900" dirty="0"/>
+          </a:p>
+          <a:p>
+            <a:pPr lvl="1"/>
+            <a:r>
+              <a:rPr lang="sv-SE" sz="1900" dirty="0" err="1"/>
+              <a:t>TBL_TAbleNAMe</a:t>
+            </a:r>
+            <a:endParaRPr lang="sv-SE" sz="1900" dirty="0"/>
+          </a:p>
+          <a:p>
+            <a:pPr marL="457200" lvl="1" indent="0">
+              <a:buNone/>
+            </a:pPr>
+            <a:endParaRPr lang="sv-SE" sz="1900" dirty="0"/>
+          </a:p>
+        </p:txBody>
+      </p:sp>
+    </p:spTree>
+    <p:extLst>
+      <p:ext uri="{BB962C8B-B14F-4D97-AF65-F5344CB8AC3E}">
+        <p14:creationId xmlns:p14="http://schemas.microsoft.com/office/powerpoint/2010/main" val="1702535644"/>
+      </p:ext>
+    </p:extLst>
+  </p:cSld>
+  <p:clrMapOvr>
+    <a:masterClrMapping/>
+  </p:clrMapOvr>
+  <p:timing>
+    <p:tnLst>
+      <p:par>
+        <p:cTn id="1" dur="indefinite" restart="never" nodeType="tmRoot">
+          <p:childTnLst>
+            <p:seq concurrent="1" nextAc="seek">
+              <p:cTn id="2" dur="indefinite" nodeType="mainSeq">
+                <p:childTnLst>
+                  <p:par>
+                    <p:cTn id="3" fill="hold">
+                      <p:stCondLst>
+                        <p:cond delay="indefinite"/>
+                      </p:stCondLst>
+                      <p:childTnLst>
+                        <p:par>
+                          <p:cTn id="4" fill="hold">
+                            <p:stCondLst>
+                              <p:cond delay="0"/>
+                            </p:stCondLst>
+                            <p:childTnLst>
+                              <p:par>
+                                <p:cTn id="5" presetID="1" presetClass="entr" presetSubtype="0" fill="hold" grpId="0" nodeType="clickEffect">
+                                  <p:stCondLst>
+                                    <p:cond delay="0"/>
+                                  </p:stCondLst>
+                                  <p:childTnLst>
+                                    <p:set>
+                                      <p:cBhvr>
+                                        <p:cTn id="6" dur="1" fill="hold">
+                                          <p:stCondLst>
+                                            <p:cond delay="0"/>
+                                          </p:stCondLst>
+                                        </p:cTn>
+                                        <p:tgtEl>
+                                          <p:spTgt spid="3">
+                                            <p:txEl>
+                                              <p:pRg st="0" end="0"/>
+                                            </p:txEl>
+                                          </p:spTgt>
+                                        </p:tgtEl>
+                                        <p:attrNameLst>
+                                          <p:attrName>style.visibility</p:attrName>
+                                        </p:attrNameLst>
+                                      </p:cBhvr>
+                                      <p:to>
+                                        <p:strVal val="visible"/>
+                                      </p:to>
+                                    </p:set>
+                                  </p:childTnLst>
+                                </p:cTn>
+                              </p:par>
+                              <p:par>
+                                <p:cTn id="7" presetID="1" presetClass="entr" presetSubtype="0" fill="hold" grpId="0" nodeType="withEffect">
+                                  <p:stCondLst>
+                                    <p:cond delay="0"/>
+                                  </p:stCondLst>
+                                  <p:childTnLst>
+                                    <p:set>
+                                      <p:cBhvr>
+                                        <p:cTn id="8" dur="1" fill="hold">
+                                          <p:stCondLst>
+                                            <p:cond delay="0"/>
+                                          </p:stCondLst>
+                                        </p:cTn>
+                                        <p:tgtEl>
+                                          <p:spTgt spid="3">
+                                            <p:txEl>
+                                              <p:pRg st="1" end="1"/>
+                                            </p:txEl>
+                                          </p:spTgt>
+                                        </p:tgtEl>
+                                        <p:attrNameLst>
+                                          <p:attrName>style.visibility</p:attrName>
+                                        </p:attrNameLst>
+                                      </p:cBhvr>
+                                      <p:to>
+                                        <p:strVal val="visible"/>
+                                      </p:to>
+                                    </p:set>
+                                  </p:childTnLst>
+                                </p:cTn>
+                              </p:par>
+                              <p:par>
+                                <p:cTn id="9" presetID="1" presetClass="entr" presetSubtype="0" fill="hold" grpId="0" nodeType="withEffect">
+                                  <p:stCondLst>
+                                    <p:cond delay="0"/>
+                                  </p:stCondLst>
+                                  <p:childTnLst>
+                                    <p:set>
+                                      <p:cBhvr>
+                                        <p:cTn id="10" dur="1" fill="hold">
+                                          <p:stCondLst>
+                                            <p:cond delay="0"/>
+                                          </p:stCondLst>
+                                        </p:cTn>
+                                        <p:tgtEl>
+                                          <p:spTgt spid="3">
+                                            <p:txEl>
+                                              <p:pRg st="2" end="2"/>
+                                            </p:txEl>
+                                          </p:spTgt>
+                                        </p:tgtEl>
+                                        <p:attrNameLst>
+                                          <p:attrName>style.visibility</p:attrName>
+                                        </p:attrNameLst>
+                                      </p:cBhvr>
+                                      <p:to>
+                                        <p:strVal val="visible"/>
+                                      </p:to>
+                                    </p:set>
+                                  </p:childTnLst>
+                                </p:cTn>
+                              </p:par>
+                              <p:par>
+                                <p:cTn id="11" presetID="1" presetClass="entr" presetSubtype="0" fill="hold" grpId="0" nodeType="withEffect">
+                                  <p:stCondLst>
+                                    <p:cond delay="0"/>
+                                  </p:stCondLst>
+                                  <p:childTnLst>
+                                    <p:set>
+                                      <p:cBhvr>
+                                        <p:cTn id="12" dur="1" fill="hold">
+                                          <p:stCondLst>
+                                            <p:cond delay="0"/>
+                                          </p:stCondLst>
+                                        </p:cTn>
+                                        <p:tgtEl>
+                                          <p:spTgt spid="3">
+                                            <p:txEl>
+                                              <p:pRg st="3" end="3"/>
+                                            </p:txEl>
+                                          </p:spTgt>
+                                        </p:tgtEl>
+                                        <p:attrNameLst>
+                                          <p:attrName>style.visibility</p:attrName>
+                                        </p:attrNameLst>
+                                      </p:cBhvr>
+                                      <p:to>
+                                        <p:strVal val="visible"/>
+                                      </p:to>
+                                    </p:set>
+                                  </p:childTnLst>
+                                </p:cTn>
+                              </p:par>
+                            </p:childTnLst>
+                          </p:cTn>
+                        </p:par>
+                      </p:childTnLst>
+                    </p:cTn>
+                  </p:par>
+                  <p:par>
+                    <p:cTn id="13" fill="hold">
+                      <p:stCondLst>
+                        <p:cond delay="indefinite"/>
+                      </p:stCondLst>
+                      <p:childTnLst>
+                        <p:par>
+                          <p:cTn id="14" fill="hold">
+                            <p:stCondLst>
+                              <p:cond delay="0"/>
+                            </p:stCondLst>
+                            <p:childTnLst>
+                              <p:par>
+                                <p:cTn id="15" presetID="1" presetClass="entr" presetSubtype="0" fill="hold" grpId="0" nodeType="clickEffect">
+                                  <p:stCondLst>
+                                    <p:cond delay="0"/>
+                                  </p:stCondLst>
+                                  <p:childTnLst>
+                                    <p:set>
+                                      <p:cBhvr>
+                                        <p:cTn id="16" dur="1" fill="hold">
+                                          <p:stCondLst>
+                                            <p:cond delay="0"/>
+                                          </p:stCondLst>
+                                        </p:cTn>
+                                        <p:tgtEl>
+                                          <p:spTgt spid="3">
+                                            <p:txEl>
+                                              <p:pRg st="4" end="4"/>
+                                            </p:txEl>
+                                          </p:spTgt>
+                                        </p:tgtEl>
+                                        <p:attrNameLst>
+                                          <p:attrName>style.visibility</p:attrName>
+                                        </p:attrNameLst>
+                                      </p:cBhvr>
+                                      <p:to>
+                                        <p:strVal val="visible"/>
+                                      </p:to>
+                                    </p:set>
+                                  </p:childTnLst>
+                                </p:cTn>
+                              </p:par>
+                              <p:par>
+                                <p:cTn id="17" presetID="1" presetClass="entr" presetSubtype="0" fill="hold" grpId="0" nodeType="withEffect">
+                                  <p:stCondLst>
+                                    <p:cond delay="0"/>
+                                  </p:stCondLst>
+                                  <p:childTnLst>
+                                    <p:set>
+                                      <p:cBhvr>
+                                        <p:cTn id="18" dur="1" fill="hold">
+                                          <p:stCondLst>
+                                            <p:cond delay="0"/>
+                                          </p:stCondLst>
+                                        </p:cTn>
+                                        <p:tgtEl>
+                                          <p:spTgt spid="3">
+                                            <p:txEl>
+                                              <p:pRg st="5" end="5"/>
+                                            </p:txEl>
+                                          </p:spTgt>
+                                        </p:tgtEl>
+                                        <p:attrNameLst>
+                                          <p:attrName>style.visibility</p:attrName>
+                                        </p:attrNameLst>
+                                      </p:cBhvr>
+                                      <p:to>
+                                        <p:strVal val="visible"/>
+                                      </p:to>
+                                    </p:set>
+                                  </p:childTnLst>
+                                </p:cTn>
+                              </p:par>
+                              <p:par>
+                                <p:cTn id="19" presetID="1" presetClass="entr" presetSubtype="0" fill="hold" grpId="0" nodeType="withEffect">
+                                  <p:stCondLst>
+                                    <p:cond delay="0"/>
+                                  </p:stCondLst>
+                                  <p:childTnLst>
+                                    <p:set>
+                                      <p:cBhvr>
+                                        <p:cTn id="20" dur="1" fill="hold">
+                                          <p:stCondLst>
+                                            <p:cond delay="0"/>
+                                          </p:stCondLst>
+                                        </p:cTn>
+                                        <p:tgtEl>
+                                          <p:spTgt spid="3">
+                                            <p:txEl>
+                                              <p:pRg st="6" end="6"/>
+                                            </p:txEl>
+                                          </p:spTgt>
+                                        </p:tgtEl>
+                                        <p:attrNameLst>
+                                          <p:attrName>style.visibility</p:attrName>
+                                        </p:attrNameLst>
+                                      </p:cBhvr>
+                                      <p:to>
+                                        <p:strVal val="visible"/>
+                                      </p:to>
+                                    </p:set>
+                                  </p:childTnLst>
+                                </p:cTn>
+                              </p:par>
+                              <p:par>
+                                <p:cTn id="21" presetID="1" presetClass="entr" presetSubtype="0" fill="hold" grpId="0" nodeType="withEffect">
+                                  <p:stCondLst>
+                                    <p:cond delay="0"/>
+                                  </p:stCondLst>
+                                  <p:childTnLst>
+                                    <p:set>
+                                      <p:cBhvr>
+                                        <p:cTn id="22" dur="1" fill="hold">
+                                          <p:stCondLst>
+                                            <p:cond delay="0"/>
+                                          </p:stCondLst>
+                                        </p:cTn>
+                                        <p:tgtEl>
+                                          <p:spTgt spid="3">
+                                            <p:txEl>
+                                              <p:pRg st="7" end="7"/>
+                                            </p:txEl>
+                                          </p:spTgt>
+                                        </p:tgtEl>
+                                        <p:attrNameLst>
+                                          <p:attrName>style.visibility</p:attrName>
+                                        </p:attrNameLst>
+                                      </p:cBhvr>
+                                      <p:to>
+                                        <p:strVal val="visible"/>
+                                      </p:to>
+                                    </p:set>
+                                  </p:childTnLst>
+                                </p:cTn>
+                              </p:par>
+                              <p:par>
+                                <p:cTn id="23" presetID="1" presetClass="entr" presetSubtype="0" fill="hold" grpId="0" nodeType="withEffect">
+                                  <p:stCondLst>
+                                    <p:cond delay="0"/>
+                                  </p:stCondLst>
+                                  <p:childTnLst>
+                                    <p:set>
+                                      <p:cBhvr>
+                                        <p:cTn id="24" dur="1" fill="hold">
+                                          <p:stCondLst>
+                                            <p:cond delay="0"/>
+                                          </p:stCondLst>
+                                        </p:cTn>
+                                        <p:tgtEl>
+                                          <p:spTgt spid="3">
+                                            <p:txEl>
+                                              <p:pRg st="8" end="8"/>
+                                            </p:txEl>
+                                          </p:spTgt>
+                                        </p:tgtEl>
+                                        <p:attrNameLst>
+                                          <p:attrName>style.visibility</p:attrName>
+                                        </p:attrNameLst>
+                                      </p:cBhvr>
+                                      <p:to>
+                                        <p:strVal val="visible"/>
+                                      </p:to>
+                                    </p:set>
+                                  </p:childTnLst>
+                                </p:cTn>
+                              </p:par>
+                              <p:par>
+                                <p:cTn id="25" presetID="1" presetClass="entr" presetSubtype="0" fill="hold" grpId="0" nodeType="withEffect">
+                                  <p:stCondLst>
+                                    <p:cond delay="0"/>
+                                  </p:stCondLst>
+                                  <p:childTnLst>
+                                    <p:set>
+                                      <p:cBhvr>
+                                        <p:cTn id="26" dur="1" fill="hold">
+                                          <p:stCondLst>
+                                            <p:cond delay="0"/>
+                                          </p:stCondLst>
+                                        </p:cTn>
+                                        <p:tgtEl>
+                                          <p:spTgt spid="3">
+                                            <p:txEl>
+                                              <p:pRg st="9" end="9"/>
+                                            </p:txEl>
+                                          </p:spTgt>
+                                        </p:tgtEl>
+                                        <p:attrNameLst>
+                                          <p:attrName>style.visibility</p:attrName>
+                                        </p:attrNameLst>
+                                      </p:cBhvr>
+                                      <p:to>
+                                        <p:strVal val="visible"/>
+                                      </p:to>
+                                    </p:set>
+                                  </p:childTnLst>
+                                </p:cTn>
+                              </p:par>
+                            </p:childTnLst>
+                          </p:cTn>
+                        </p:par>
+                      </p:childTnLst>
+                    </p:cTn>
+                  </p:par>
+                </p:childTnLst>
+              </p:cTn>
+              <p:prevCondLst>
+                <p:cond evt="onPrev" delay="0">
+                  <p:tgtEl>
+                    <p:sldTgt/>
+                  </p:tgtEl>
+                </p:cond>
+              </p:prevCondLst>
+              <p:nextCondLst>
+                <p:cond evt="onNext" delay="0">
+                  <p:tgtEl>
+                    <p:sldTgt/>
+                  </p:tgtEl>
+                </p:cond>
+              </p:nextCondLst>
+            </p:seq>
+          </p:childTnLst>
+        </p:cTn>
+      </p:par>
+    </p:tnLst>
+    <p:bldLst>
+      <p:bldP spid="3" grpId="0" build="p"/>
+    </p:bldLst>
+  </p:timing>
 </p:sld>
 </file>
 
